--- a/slides/services/services.pptx
+++ b/slides/services/services.pptx
@@ -48,6 +48,23 @@
     <p:sldId id="267" r:id="rId42"/>
     <p:sldId id="269" r:id="rId43"/>
     <p:sldId id="305" r:id="rId44"/>
+    <p:sldId id="344" r:id="rId45"/>
+    <p:sldId id="345" r:id="rId46"/>
+    <p:sldId id="350" r:id="rId47"/>
+    <p:sldId id="346" r:id="rId48"/>
+    <p:sldId id="347" r:id="rId49"/>
+    <p:sldId id="351" r:id="rId50"/>
+    <p:sldId id="352" r:id="rId51"/>
+    <p:sldId id="354" r:id="rId52"/>
+    <p:sldId id="353" r:id="rId53"/>
+    <p:sldId id="355" r:id="rId54"/>
+    <p:sldId id="356" r:id="rId55"/>
+    <p:sldId id="363" r:id="rId56"/>
+    <p:sldId id="358" r:id="rId57"/>
+    <p:sldId id="359" r:id="rId58"/>
+    <p:sldId id="364" r:id="rId59"/>
+    <p:sldId id="362" r:id="rId60"/>
+    <p:sldId id="360" r:id="rId61"/>
   </p:sldIdLst>
   <p:sldSz cx="9144000" cy="6858000" type="screen4x3"/>
   <p:notesSz cx="6858000" cy="9144000"/>
@@ -1768,130 +1785,10 @@
                   </a:schemeClr>
                 </a:solidFill>
               </a:rPr>
-              <a:t>    </a:t>
-            </a:r>
-            <a:r>
-              <a:rPr lang="en-US" b="1" dirty="0">
-                <a:solidFill>
-                  <a:schemeClr val="accent2"/>
-                </a:solidFill>
-              </a:rPr>
-              <a:t>switch(</a:t>
-            </a:r>
-            <a:r>
-              <a:rPr lang="en-US" b="1" dirty="0" err="1">
-                <a:solidFill>
-                  <a:schemeClr val="accent2"/>
-                </a:solidFill>
-              </a:rPr>
-              <a:t>req.url</a:t>
-            </a:r>
-            <a:r>
-              <a:rPr lang="en-US" b="1" dirty="0">
-                <a:solidFill>
-                  <a:schemeClr val="accent2"/>
-                </a:solidFill>
-              </a:rPr>
-              <a:t>) {</a:t>
-            </a:r>
-          </a:p>
-          <a:p>
-            <a:r>
-              <a:rPr lang="en-US" b="1" dirty="0">
-                <a:solidFill>
-                  <a:schemeClr val="accent2"/>
-                </a:solidFill>
-              </a:rPr>
-              <a:t>        case '/version': version(</a:t>
-            </a:r>
-            <a:r>
-              <a:rPr lang="en-US" b="1" dirty="0" err="1">
-                <a:solidFill>
-                  <a:schemeClr val="accent2"/>
-                </a:solidFill>
-              </a:rPr>
-              <a:t>req</a:t>
-            </a:r>
-            <a:r>
-              <a:rPr lang="en-US" b="1" dirty="0">
-                <a:solidFill>
-                  <a:schemeClr val="accent2"/>
-                </a:solidFill>
-              </a:rPr>
-              <a:t>, res); break;</a:t>
-            </a:r>
-          </a:p>
-          <a:p>
-            <a:r>
-              <a:rPr lang="en-US" b="1" dirty="0">
-                <a:solidFill>
-                  <a:schemeClr val="accent2"/>
-                </a:solidFill>
-              </a:rPr>
-              <a:t>        case '/user': user(</a:t>
-            </a:r>
-            <a:r>
-              <a:rPr lang="en-US" b="1" dirty="0" err="1">
-                <a:solidFill>
-                  <a:schemeClr val="accent2"/>
-                </a:solidFill>
-              </a:rPr>
-              <a:t>req</a:t>
-            </a:r>
-            <a:r>
-              <a:rPr lang="en-US" b="1" dirty="0">
-                <a:solidFill>
-                  <a:schemeClr val="accent2"/>
-                </a:solidFill>
-              </a:rPr>
-              <a:t>, res); break;</a:t>
-            </a:r>
-          </a:p>
-          <a:p>
-            <a:r>
-              <a:rPr lang="en-US" b="1" dirty="0">
-                <a:solidFill>
-                  <a:schemeClr val="accent2"/>
-                </a:solidFill>
-              </a:rPr>
-              <a:t>        default: </a:t>
-            </a:r>
-            <a:r>
-              <a:rPr lang="en-US" b="1" dirty="0" err="1">
-                <a:solidFill>
-                  <a:schemeClr val="accent2"/>
-                </a:solidFill>
-              </a:rPr>
-              <a:t>notFound</a:t>
-            </a:r>
-            <a:r>
-              <a:rPr lang="en-US" b="1" dirty="0">
-                <a:solidFill>
-                  <a:schemeClr val="accent2"/>
-                </a:solidFill>
-              </a:rPr>
-              <a:t>(</a:t>
-            </a:r>
-            <a:r>
-              <a:rPr lang="en-US" b="1" dirty="0" err="1">
-                <a:solidFill>
-                  <a:schemeClr val="accent2"/>
-                </a:solidFill>
-              </a:rPr>
-              <a:t>req</a:t>
-            </a:r>
-            <a:r>
-              <a:rPr lang="en-US" b="1" dirty="0">
-                <a:solidFill>
-                  <a:schemeClr val="accent2"/>
-                </a:solidFill>
-              </a:rPr>
-              <a:t>, res); break;</a:t>
-            </a:r>
-          </a:p>
-          <a:p>
-            <a:r>
-              <a:rPr lang="en-US" dirty="0">
+              <a:t> </a:t>
+            </a:r>
+            <a:r>
+              <a:rPr lang="en-US" dirty="0" smtClean="0">
                 <a:solidFill>
                   <a:schemeClr val="tx1">
                     <a:lumMod val="95000"/>
@@ -1899,6 +1796,185 @@
                   </a:schemeClr>
                 </a:solidFill>
               </a:rPr>
+              <a:t> </a:t>
+            </a:r>
+            <a:r>
+              <a:rPr lang="en-US" b="1" dirty="0">
+                <a:solidFill>
+                  <a:schemeClr val="accent2"/>
+                </a:solidFill>
+              </a:rPr>
+              <a:t>switch(</a:t>
+            </a:r>
+            <a:r>
+              <a:rPr lang="en-US" b="1" dirty="0" err="1">
+                <a:solidFill>
+                  <a:schemeClr val="accent2"/>
+                </a:solidFill>
+              </a:rPr>
+              <a:t>req.url</a:t>
+            </a:r>
+            <a:r>
+              <a:rPr lang="en-US" b="1" dirty="0">
+                <a:solidFill>
+                  <a:schemeClr val="accent2"/>
+                </a:solidFill>
+              </a:rPr>
+              <a:t>) {</a:t>
+            </a:r>
+          </a:p>
+          <a:p>
+            <a:r>
+              <a:rPr lang="en-US" b="1" dirty="0">
+                <a:solidFill>
+                  <a:schemeClr val="accent2"/>
+                </a:solidFill>
+              </a:rPr>
+              <a:t>   </a:t>
+            </a:r>
+            <a:r>
+              <a:rPr lang="en-US" b="1" dirty="0" smtClean="0">
+                <a:solidFill>
+                  <a:schemeClr val="accent2"/>
+                </a:solidFill>
+              </a:rPr>
+              <a:t> </a:t>
+            </a:r>
+            <a:r>
+              <a:rPr lang="en-US" b="1" dirty="0">
+                <a:solidFill>
+                  <a:schemeClr val="accent2"/>
+                </a:solidFill>
+              </a:rPr>
+              <a:t>case '/version': version(</a:t>
+            </a:r>
+            <a:r>
+              <a:rPr lang="en-US" b="1" dirty="0" err="1">
+                <a:solidFill>
+                  <a:schemeClr val="accent2"/>
+                </a:solidFill>
+              </a:rPr>
+              <a:t>req</a:t>
+            </a:r>
+            <a:r>
+              <a:rPr lang="en-US" b="1" dirty="0">
+                <a:solidFill>
+                  <a:schemeClr val="accent2"/>
+                </a:solidFill>
+              </a:rPr>
+              <a:t>, res); break;</a:t>
+            </a:r>
+          </a:p>
+          <a:p>
+            <a:r>
+              <a:rPr lang="en-US" b="1" dirty="0">
+                <a:solidFill>
+                  <a:schemeClr val="accent2"/>
+                </a:solidFill>
+              </a:rPr>
+              <a:t>   </a:t>
+            </a:r>
+            <a:r>
+              <a:rPr lang="en-US" b="1" dirty="0" smtClean="0">
+                <a:solidFill>
+                  <a:schemeClr val="accent2"/>
+                </a:solidFill>
+              </a:rPr>
+              <a:t> </a:t>
+            </a:r>
+            <a:r>
+              <a:rPr lang="en-US" b="1" dirty="0">
+                <a:solidFill>
+                  <a:schemeClr val="accent2"/>
+                </a:solidFill>
+              </a:rPr>
+              <a:t>case '/user': user(</a:t>
+            </a:r>
+            <a:r>
+              <a:rPr lang="en-US" b="1" dirty="0" err="1">
+                <a:solidFill>
+                  <a:schemeClr val="accent2"/>
+                </a:solidFill>
+              </a:rPr>
+              <a:t>req</a:t>
+            </a:r>
+            <a:r>
+              <a:rPr lang="en-US" b="1" dirty="0">
+                <a:solidFill>
+                  <a:schemeClr val="accent2"/>
+                </a:solidFill>
+              </a:rPr>
+              <a:t>, res); break;</a:t>
+            </a:r>
+          </a:p>
+          <a:p>
+            <a:r>
+              <a:rPr lang="en-US" b="1" dirty="0">
+                <a:solidFill>
+                  <a:schemeClr val="accent2"/>
+                </a:solidFill>
+              </a:rPr>
+              <a:t>   </a:t>
+            </a:r>
+            <a:r>
+              <a:rPr lang="en-US" b="1" dirty="0" smtClean="0">
+                <a:solidFill>
+                  <a:schemeClr val="accent2"/>
+                </a:solidFill>
+              </a:rPr>
+              <a:t> </a:t>
+            </a:r>
+            <a:r>
+              <a:rPr lang="en-US" b="1" dirty="0">
+                <a:solidFill>
+                  <a:schemeClr val="accent2"/>
+                </a:solidFill>
+              </a:rPr>
+              <a:t>default: </a:t>
+            </a:r>
+            <a:r>
+              <a:rPr lang="en-US" b="1" dirty="0" err="1">
+                <a:solidFill>
+                  <a:schemeClr val="accent2"/>
+                </a:solidFill>
+              </a:rPr>
+              <a:t>notFound</a:t>
+            </a:r>
+            <a:r>
+              <a:rPr lang="en-US" b="1" dirty="0">
+                <a:solidFill>
+                  <a:schemeClr val="accent2"/>
+                </a:solidFill>
+              </a:rPr>
+              <a:t>(</a:t>
+            </a:r>
+            <a:r>
+              <a:rPr lang="en-US" b="1" dirty="0" err="1">
+                <a:solidFill>
+                  <a:schemeClr val="accent2"/>
+                </a:solidFill>
+              </a:rPr>
+              <a:t>req</a:t>
+            </a:r>
+            <a:r>
+              <a:rPr lang="en-US" b="1" dirty="0">
+                <a:solidFill>
+                  <a:schemeClr val="accent2"/>
+                </a:solidFill>
+              </a:rPr>
+              <a:t>, res); break;</a:t>
+            </a:r>
+          </a:p>
+          <a:p>
+            <a:r>
+              <a:rPr lang="en-US" dirty="0">
+                <a:solidFill>
+                  <a:schemeClr val="tx1">
+                    <a:lumMod val="95000"/>
+                    <a:lumOff val="5000"/>
+                  </a:schemeClr>
+                </a:solidFill>
+              </a:rPr>
               <a:t>};</a:t>
             </a:r>
           </a:p>
@@ -2002,14 +2078,24 @@
               <a:t>server.listen</a:t>
             </a:r>
             <a:r>
-              <a:rPr lang="en-US" dirty="0">
-                <a:solidFill>
-                  <a:schemeClr val="bg2">
-                    <a:lumMod val="25000"/>
-                  </a:schemeClr>
-                </a:solidFill>
-              </a:rPr>
-              <a:t>(8000, </a:t>
+              <a:rPr lang="en-US" dirty="0" smtClean="0">
+                <a:solidFill>
+                  <a:schemeClr val="bg2">
+                    <a:lumMod val="25000"/>
+                  </a:schemeClr>
+                </a:solidFill>
+              </a:rPr>
+              <a:t>(3000</a:t>
+            </a:r>
+            <a:r>
+              <a:rPr lang="en-US" dirty="0">
+                <a:solidFill>
+                  <a:schemeClr val="bg2">
+                    <a:lumMod val="25000"/>
+                  </a:schemeClr>
+                </a:solidFill>
+              </a:rPr>
+              <a:t>, </a:t>
             </a:r>
             <a:r>
               <a:rPr lang="en-US" dirty="0" err="1">
@@ -2177,7 +2263,18 @@
                   </a:schemeClr>
                 </a:solidFill>
               </a:rPr>
-              <a:t>    </a:t>
+              <a:t> </a:t>
+            </a:r>
+            <a:r>
+              <a:rPr lang="en-US" dirty="0" smtClean="0">
+                <a:solidFill>
+                  <a:schemeClr val="tx1">
+                    <a:lumMod val="95000"/>
+                    <a:lumOff val="5000"/>
+                  </a:schemeClr>
+                </a:solidFill>
+              </a:rPr>
+              <a:t> </a:t>
             </a:r>
             <a:r>
               <a:rPr lang="en-US" dirty="0" err="1">
@@ -2229,7 +2326,17 @@
                   </a:schemeClr>
                 </a:solidFill>
               </a:rPr>
-              <a:t>    </a:t>
+              <a:t> </a:t>
+            </a:r>
+            <a:r>
+              <a:rPr lang="en-US" dirty="0" smtClean="0">
+                <a:solidFill>
+                  <a:schemeClr val="bg2">
+                    <a:lumMod val="75000"/>
+                  </a:schemeClr>
+                </a:solidFill>
+              </a:rPr>
+              <a:t> </a:t>
             </a:r>
             <a:r>
               <a:rPr lang="en-US" dirty="0" err="1">
@@ -2281,7 +2388,17 @@
                   </a:schemeClr>
                 </a:solidFill>
               </a:rPr>
-              <a:t>    </a:t>
+              <a:t> </a:t>
+            </a:r>
+            <a:r>
+              <a:rPr lang="en-US" dirty="0" smtClean="0">
+                <a:solidFill>
+                  <a:schemeClr val="bg2">
+                    <a:lumMod val="75000"/>
+                  </a:schemeClr>
+                </a:solidFill>
+              </a:rPr>
+              <a:t> </a:t>
             </a:r>
             <a:r>
               <a:rPr lang="en-US" dirty="0" err="1">
@@ -2403,7 +2520,23 @@
                   </a:schemeClr>
                 </a:solidFill>
               </a:rPr>
-              <a:t>    </a:t>
+              <a:t>  </a:t>
+            </a:r>
+            <a:r>
+              <a:rPr lang="en-US" dirty="0" err="1" smtClean="0">
+                <a:solidFill>
+                  <a:srgbClr val="AFABAB"/>
+                </a:solidFill>
+              </a:rPr>
+              <a:t>res.writeHead</a:t>
+            </a:r>
+            <a:r>
+              <a:rPr lang="en-US" dirty="0">
+                <a:solidFill>
+                  <a:srgbClr val="AFABAB"/>
+                </a:solidFill>
+              </a:rPr>
+              <a:t>(200, {'Content-Type': 'application/</a:t>
             </a:r>
             <a:r>
               <a:rPr lang="en-US" dirty="0" err="1">
@@ -2411,7 +2544,7 @@
                   <a:srgbClr val="AFABAB"/>
                 </a:solidFill>
               </a:rPr>
-              <a:t>res.writeHead</a:t>
+              <a:t>json</a:t>
             </a:r>
             <a:r>
               <a:rPr lang="en-US" dirty="0">
@@ -2419,7 +2552,41 @@
                   <a:srgbClr val="AFABAB"/>
                 </a:solidFill>
               </a:rPr>
-              <a:t>(200, {'Content-Type': 'application/</a:t>
+              <a:t>'});</a:t>
+            </a:r>
+          </a:p>
+          <a:p>
+            <a:r>
+              <a:rPr lang="en-US" dirty="0">
+                <a:solidFill>
+                  <a:srgbClr val="AFABAB"/>
+                </a:solidFill>
+              </a:rPr>
+              <a:t>  </a:t>
+            </a:r>
+            <a:r>
+              <a:rPr lang="en-US" dirty="0" err="1" smtClean="0">
+                <a:solidFill>
+                  <a:srgbClr val="AFABAB"/>
+                </a:solidFill>
+              </a:rPr>
+              <a:t>var</a:t>
+            </a:r>
+            <a:r>
+              <a:rPr lang="en-US" dirty="0" smtClean="0">
+                <a:solidFill>
+                  <a:srgbClr val="AFABAB"/>
+                </a:solidFill>
+              </a:rPr>
+              <a:t> </a:t>
+            </a:r>
+            <a:r>
+              <a:rPr lang="en-US" dirty="0">
+                <a:solidFill>
+                  <a:srgbClr val="AFABAB"/>
+                </a:solidFill>
+              </a:rPr>
+              <a:t>result = { id: 23123, name: '</a:t>
             </a:r>
             <a:r>
               <a:rPr lang="en-US" dirty="0" err="1">
@@ -2427,7 +2594,7 @@
                   <a:srgbClr val="AFABAB"/>
                 </a:solidFill>
               </a:rPr>
-              <a:t>json</a:t>
+              <a:t>joe</a:t>
             </a:r>
             <a:r>
               <a:rPr lang="en-US" dirty="0">
@@ -2435,7 +2602,7 @@
                   <a:srgbClr val="AFABAB"/>
                 </a:solidFill>
               </a:rPr>
-              <a:t>'});</a:t>
+              <a:t>' };</a:t>
             </a:r>
           </a:p>
           <a:p>
@@ -2445,52 +2612,10 @@
                   <a:srgbClr val="AFABAB"/>
                 </a:solidFill>
               </a:rPr>
-              <a:t>    </a:t>
-            </a:r>
-            <a:r>
-              <a:rPr lang="en-US" dirty="0" err="1">
-                <a:solidFill>
-                  <a:srgbClr val="AFABAB"/>
-                </a:solidFill>
-              </a:rPr>
-              <a:t>var</a:t>
-            </a:r>
-            <a:r>
-              <a:rPr lang="en-US" dirty="0">
-                <a:solidFill>
-                  <a:srgbClr val="AFABAB"/>
-                </a:solidFill>
-              </a:rPr>
-              <a:t> result = { id: 23123, name: '</a:t>
-            </a:r>
-            <a:r>
-              <a:rPr lang="en-US" dirty="0" err="1">
-                <a:solidFill>
-                  <a:srgbClr val="AFABAB"/>
-                </a:solidFill>
-              </a:rPr>
-              <a:t>joe</a:t>
-            </a:r>
-            <a:r>
-              <a:rPr lang="en-US" dirty="0">
-                <a:solidFill>
-                  <a:srgbClr val="AFABAB"/>
-                </a:solidFill>
-              </a:rPr>
-              <a:t>' };</a:t>
-            </a:r>
-          </a:p>
-          <a:p>
-            <a:r>
-              <a:rPr lang="en-US" dirty="0">
-                <a:solidFill>
-                  <a:srgbClr val="AFABAB"/>
-                </a:solidFill>
-              </a:rPr>
-              <a:t>    </a:t>
-            </a:r>
-            <a:r>
-              <a:rPr lang="en-US" dirty="0" err="1">
+              <a:t>  </a:t>
+            </a:r>
+            <a:r>
+              <a:rPr lang="en-US" dirty="0" err="1" smtClean="0">
                 <a:solidFill>
                   <a:srgbClr val="AFABAB"/>
                 </a:solidFill>
@@ -2653,7 +2778,18 @@
                   </a:schemeClr>
                 </a:solidFill>
               </a:rPr>
-              <a:t>    </a:t>
+              <a:t> </a:t>
+            </a:r>
+            <a:r>
+              <a:rPr lang="en-US" dirty="0" smtClean="0">
+                <a:solidFill>
+                  <a:schemeClr val="tx1">
+                    <a:lumMod val="95000"/>
+                    <a:lumOff val="5000"/>
+                  </a:schemeClr>
+                </a:solidFill>
+              </a:rPr>
+              <a:t> </a:t>
             </a:r>
             <a:r>
               <a:rPr lang="en-US" dirty="0" err="1">
@@ -2703,7 +2839,15 @@
                   <a:srgbClr val="AFABAB"/>
                 </a:solidFill>
               </a:rPr>
-              <a:t>    </a:t>
+              <a:t> </a:t>
+            </a:r>
+            <a:r>
+              <a:rPr lang="en-US" dirty="0" smtClean="0">
+                <a:solidFill>
+                  <a:srgbClr val="AFABAB"/>
+                </a:solidFill>
+              </a:rPr>
+              <a:t> </a:t>
             </a:r>
             <a:r>
               <a:rPr lang="en-US" dirty="0" err="1">
@@ -2745,7 +2889,15 @@
                   <a:srgbClr val="AFABAB"/>
                 </a:solidFill>
               </a:rPr>
-              <a:t>    </a:t>
+              <a:t> </a:t>
+            </a:r>
+            <a:r>
+              <a:rPr lang="en-US" dirty="0" smtClean="0">
+                <a:solidFill>
+                  <a:srgbClr val="AFABAB"/>
+                </a:solidFill>
+              </a:rPr>
+              <a:t> </a:t>
             </a:r>
             <a:r>
               <a:rPr lang="en-US" dirty="0" err="1">
@@ -3590,10 +3742,10 @@
                   <a:srgbClr val="ED7D31"/>
                 </a:solidFill>
               </a:rPr>
-              <a:t>    </a:t>
-            </a:r>
-            <a:r>
-              <a:rPr lang="en-US" b="1" dirty="0" err="1">
+              <a:t>  </a:t>
+            </a:r>
+            <a:r>
+              <a:rPr lang="en-US" b="1" dirty="0" err="1" smtClean="0">
                 <a:solidFill>
                   <a:srgbClr val="ED7D31"/>
                 </a:solidFill>
@@ -3814,10 +3966,10 @@
                   </a:schemeClr>
                 </a:solidFill>
               </a:rPr>
-              <a:t>    </a:t>
-            </a:r>
-            <a:r>
-              <a:rPr lang="en-US" dirty="0" err="1">
+              <a:t>  </a:t>
+            </a:r>
+            <a:r>
+              <a:rPr lang="en-US" dirty="0" err="1" smtClean="0">
                 <a:solidFill>
                   <a:schemeClr val="bg2">
                     <a:lumMod val="25000"/>
@@ -3935,7 +4087,15 @@
                   <a:srgbClr val="ED7D31"/>
                 </a:solidFill>
               </a:rPr>
-              <a:t>    </a:t>
+              <a:t> </a:t>
+            </a:r>
+            <a:r>
+              <a:rPr lang="en-US" b="1" dirty="0" smtClean="0">
+                <a:solidFill>
+                  <a:srgbClr val="ED7D31"/>
+                </a:solidFill>
+              </a:rPr>
+              <a:t> </a:t>
             </a:r>
             <a:r>
               <a:rPr lang="en-US" b="1" dirty="0" err="1">
@@ -3977,7 +4137,15 @@
                   <a:srgbClr val="ED7D31"/>
                 </a:solidFill>
               </a:rPr>
-              <a:t>    </a:t>
+              <a:t> </a:t>
+            </a:r>
+            <a:r>
+              <a:rPr lang="en-US" b="1" dirty="0" smtClean="0">
+                <a:solidFill>
+                  <a:srgbClr val="ED7D31"/>
+                </a:solidFill>
+              </a:rPr>
+              <a:t> </a:t>
             </a:r>
             <a:r>
               <a:rPr lang="en-US" b="1" dirty="0" err="1">
@@ -4019,10 +4187,10 @@
                   <a:srgbClr val="ED7D31"/>
                 </a:solidFill>
               </a:rPr>
-              <a:t>    </a:t>
-            </a:r>
-            <a:r>
-              <a:rPr lang="en-US" b="1" dirty="0" err="1">
+              <a:t>  </a:t>
+            </a:r>
+            <a:r>
+              <a:rPr lang="en-US" b="1" dirty="0" err="1" smtClean="0">
                 <a:solidFill>
                   <a:srgbClr val="ED7D31"/>
                 </a:solidFill>
@@ -4243,7 +4411,17 @@
                   </a:schemeClr>
                 </a:solidFill>
               </a:rPr>
-              <a:t>    </a:t>
+              <a:t> </a:t>
+            </a:r>
+            <a:r>
+              <a:rPr lang="en-US" dirty="0" smtClean="0">
+                <a:solidFill>
+                  <a:schemeClr val="bg2">
+                    <a:lumMod val="25000"/>
+                  </a:schemeClr>
+                </a:solidFill>
+              </a:rPr>
+              <a:t> </a:t>
             </a:r>
             <a:r>
               <a:rPr lang="en-US" dirty="0" err="1">
@@ -4378,7 +4556,17 @@
                   </a:schemeClr>
                 </a:solidFill>
               </a:rPr>
-              <a:t>    </a:t>
+              <a:t> </a:t>
+            </a:r>
+            <a:r>
+              <a:rPr lang="en-US" dirty="0" smtClean="0">
+                <a:solidFill>
+                  <a:schemeClr val="bg2">
+                    <a:lumMod val="25000"/>
+                  </a:schemeClr>
+                </a:solidFill>
+              </a:rPr>
+              <a:t> </a:t>
             </a:r>
             <a:r>
               <a:rPr lang="en-US" dirty="0" err="1">
@@ -4430,10 +4618,10 @@
                   </a:schemeClr>
                 </a:solidFill>
               </a:rPr>
-              <a:t>    </a:t>
-            </a:r>
-            <a:r>
-              <a:rPr lang="en-US" dirty="0" err="1">
+              <a:t>  </a:t>
+            </a:r>
+            <a:r>
+              <a:rPr lang="en-US" dirty="0" err="1" smtClean="0">
                 <a:solidFill>
                   <a:schemeClr val="bg2">
                     <a:lumMod val="25000"/>
@@ -4443,14 +4631,24 @@
               <a:t>var</a:t>
             </a:r>
             <a:r>
-              <a:rPr lang="en-US" dirty="0">
-                <a:solidFill>
-                  <a:schemeClr val="bg2">
-                    <a:lumMod val="25000"/>
-                  </a:schemeClr>
-                </a:solidFill>
-              </a:rPr>
-              <a:t> result = { </a:t>
+              <a:rPr lang="en-US" dirty="0" smtClean="0">
+                <a:solidFill>
+                  <a:schemeClr val="bg2">
+                    <a:lumMod val="25000"/>
+                  </a:schemeClr>
+                </a:solidFill>
+              </a:rPr>
+              <a:t> </a:t>
+            </a:r>
+            <a:r>
+              <a:rPr lang="en-US" dirty="0">
+                <a:solidFill>
+                  <a:schemeClr val="bg2">
+                    <a:lumMod val="25000"/>
+                  </a:schemeClr>
+                </a:solidFill>
+              </a:rPr>
+              <a:t>result = { </a:t>
             </a:r>
             <a:r>
               <a:rPr lang="en-US" dirty="0" smtClean="0">
@@ -4482,10 +4680,10 @@
                   </a:schemeClr>
                 </a:solidFill>
               </a:rPr>
-              <a:t>    </a:t>
-            </a:r>
-            <a:r>
-              <a:rPr lang="en-US" dirty="0" err="1">
+              <a:t>  </a:t>
+            </a:r>
+            <a:r>
+              <a:rPr lang="en-US" dirty="0" err="1" smtClean="0">
                 <a:solidFill>
                   <a:schemeClr val="bg2">
                     <a:lumMod val="25000"/>
@@ -4569,7 +4767,7 @@
                   <a:srgbClr val="ED7D31"/>
                 </a:solidFill>
               </a:rPr>
-              <a:t>(8000</a:t>
+              <a:t>(3000</a:t>
             </a:r>
             <a:r>
               <a:rPr lang="en-US" b="1" dirty="0">
@@ -4755,10 +4953,10 @@
                   </a:schemeClr>
                 </a:solidFill>
               </a:rPr>
-              <a:t>    </a:t>
-            </a:r>
-            <a:r>
-              <a:rPr lang="en-US" dirty="0" err="1">
+              <a:t>  </a:t>
+            </a:r>
+            <a:r>
+              <a:rPr lang="en-US" dirty="0" err="1" smtClean="0">
                 <a:solidFill>
                   <a:schemeClr val="bg2">
                     <a:lumMod val="25000"/>
@@ -4900,10 +5098,10 @@
                   </a:schemeClr>
                 </a:solidFill>
               </a:rPr>
-              <a:t>    </a:t>
-            </a:r>
-            <a:r>
-              <a:rPr lang="en-US" dirty="0" err="1">
+              <a:t>  </a:t>
+            </a:r>
+            <a:r>
+              <a:rPr lang="en-US" dirty="0" err="1" smtClean="0">
                 <a:solidFill>
                   <a:schemeClr val="bg2">
                     <a:lumMod val="25000"/>
@@ -4913,14 +5111,24 @@
               <a:t>var</a:t>
             </a:r>
             <a:r>
-              <a:rPr lang="en-US" dirty="0">
-                <a:solidFill>
-                  <a:schemeClr val="bg2">
-                    <a:lumMod val="25000"/>
-                  </a:schemeClr>
-                </a:solidFill>
-              </a:rPr>
-              <a:t> result = { </a:t>
+              <a:rPr lang="en-US" dirty="0" smtClean="0">
+                <a:solidFill>
+                  <a:schemeClr val="bg2">
+                    <a:lumMod val="25000"/>
+                  </a:schemeClr>
+                </a:solidFill>
+              </a:rPr>
+              <a:t> </a:t>
+            </a:r>
+            <a:r>
+              <a:rPr lang="en-US" dirty="0">
+                <a:solidFill>
+                  <a:schemeClr val="bg2">
+                    <a:lumMod val="25000"/>
+                  </a:schemeClr>
+                </a:solidFill>
+              </a:rPr>
+              <a:t>result = { </a:t>
             </a:r>
             <a:r>
               <a:rPr lang="en-US" dirty="0" smtClean="0">
@@ -4952,10 +5160,10 @@
                   </a:schemeClr>
                 </a:solidFill>
               </a:rPr>
-              <a:t>    </a:t>
-            </a:r>
-            <a:r>
-              <a:rPr lang="en-US" b="1" dirty="0" err="1">
+              <a:t>  </a:t>
+            </a:r>
+            <a:r>
+              <a:rPr lang="en-US" b="1" dirty="0" err="1" smtClean="0">
                 <a:solidFill>
                   <a:schemeClr val="accent2"/>
                 </a:solidFill>
@@ -5048,7 +5256,7 @@
                   </a:schemeClr>
                 </a:solidFill>
               </a:rPr>
-              <a:t>(8000</a:t>
+              <a:t>(3000</a:t>
             </a:r>
             <a:r>
               <a:rPr lang="en-US" dirty="0">
@@ -5479,7 +5687,17 @@
                   </a:schemeClr>
                 </a:solidFill>
               </a:rPr>
-              <a:t>    </a:t>
+              <a:t> </a:t>
+            </a:r>
+            <a:r>
+              <a:rPr lang="en-US" dirty="0" smtClean="0">
+                <a:solidFill>
+                  <a:schemeClr val="bg2">
+                    <a:lumMod val="75000"/>
+                  </a:schemeClr>
+                </a:solidFill>
+              </a:rPr>
+              <a:t> </a:t>
             </a:r>
             <a:r>
               <a:rPr lang="en-US" dirty="0" err="1">
@@ -5634,10 +5852,10 @@
                   </a:schemeClr>
                 </a:solidFill>
               </a:rPr>
-              <a:t>    </a:t>
-            </a:r>
-            <a:r>
-              <a:rPr lang="en-US" dirty="0" err="1">
+              <a:t>  </a:t>
+            </a:r>
+            <a:r>
+              <a:rPr lang="en-US" dirty="0" err="1" smtClean="0">
                 <a:solidFill>
                   <a:schemeClr val="bg2">
                     <a:lumMod val="25000"/>
@@ -5647,14 +5865,24 @@
               <a:t>var</a:t>
             </a:r>
             <a:r>
-              <a:rPr lang="en-US" dirty="0">
-                <a:solidFill>
-                  <a:schemeClr val="bg2">
-                    <a:lumMod val="25000"/>
-                  </a:schemeClr>
-                </a:solidFill>
-              </a:rPr>
-              <a:t> result = { </a:t>
+              <a:rPr lang="en-US" dirty="0" smtClean="0">
+                <a:solidFill>
+                  <a:schemeClr val="bg2">
+                    <a:lumMod val="25000"/>
+                  </a:schemeClr>
+                </a:solidFill>
+              </a:rPr>
+              <a:t> </a:t>
+            </a:r>
+            <a:r>
+              <a:rPr lang="en-US" dirty="0">
+                <a:solidFill>
+                  <a:schemeClr val="bg2">
+                    <a:lumMod val="25000"/>
+                  </a:schemeClr>
+                </a:solidFill>
+              </a:rPr>
+              <a:t>result = { </a:t>
             </a:r>
             <a:r>
               <a:rPr lang="en-US" dirty="0" smtClean="0">
@@ -5686,10 +5914,10 @@
                   </a:schemeClr>
                 </a:solidFill>
               </a:rPr>
-              <a:t>    </a:t>
-            </a:r>
-            <a:r>
-              <a:rPr lang="en-US" dirty="0" err="1">
+              <a:t>  </a:t>
+            </a:r>
+            <a:r>
+              <a:rPr lang="en-US" dirty="0" err="1" smtClean="0">
                 <a:solidFill>
                   <a:schemeClr val="bg2">
                     <a:lumMod val="25000"/>
@@ -5782,7 +6010,7 @@
                   <a:srgbClr val="AFABAB"/>
                 </a:solidFill>
               </a:rPr>
-              <a:t>(8000</a:t>
+              <a:t>(3000</a:t>
             </a:r>
             <a:r>
               <a:rPr lang="en-US" dirty="0">
@@ -5968,10 +6196,10 @@
                   </a:schemeClr>
                 </a:solidFill>
               </a:rPr>
-              <a:t>    </a:t>
-            </a:r>
-            <a:r>
-              <a:rPr lang="en-US" dirty="0" err="1">
+              <a:t>  </a:t>
+            </a:r>
+            <a:r>
+              <a:rPr lang="en-US" dirty="0" err="1" smtClean="0">
                 <a:solidFill>
                   <a:schemeClr val="bg2">
                     <a:lumMod val="75000"/>
@@ -6109,10 +6337,10 @@
                   </a:schemeClr>
                 </a:solidFill>
               </a:rPr>
-              <a:t>    </a:t>
-            </a:r>
-            <a:r>
-              <a:rPr lang="en-US" dirty="0" err="1">
+              <a:t>  </a:t>
+            </a:r>
+            <a:r>
+              <a:rPr lang="en-US" dirty="0" err="1" smtClean="0">
                 <a:solidFill>
                   <a:schemeClr val="bg2">
                     <a:lumMod val="25000"/>
@@ -6122,14 +6350,24 @@
               <a:t>var</a:t>
             </a:r>
             <a:r>
-              <a:rPr lang="en-US" dirty="0">
-                <a:solidFill>
-                  <a:schemeClr val="bg2">
-                    <a:lumMod val="25000"/>
-                  </a:schemeClr>
-                </a:solidFill>
-              </a:rPr>
-              <a:t> result = { </a:t>
+              <a:rPr lang="en-US" dirty="0" smtClean="0">
+                <a:solidFill>
+                  <a:schemeClr val="bg2">
+                    <a:lumMod val="25000"/>
+                  </a:schemeClr>
+                </a:solidFill>
+              </a:rPr>
+              <a:t> </a:t>
+            </a:r>
+            <a:r>
+              <a:rPr lang="en-US" dirty="0">
+                <a:solidFill>
+                  <a:schemeClr val="bg2">
+                    <a:lumMod val="25000"/>
+                  </a:schemeClr>
+                </a:solidFill>
+              </a:rPr>
+              <a:t>result = { </a:t>
             </a:r>
             <a:r>
               <a:rPr lang="en-US" dirty="0" smtClean="0">
@@ -6161,10 +6399,10 @@
                   </a:schemeClr>
                 </a:solidFill>
               </a:rPr>
-              <a:t>    </a:t>
-            </a:r>
-            <a:r>
-              <a:rPr lang="en-US" dirty="0" err="1">
+              <a:t>  </a:t>
+            </a:r>
+            <a:r>
+              <a:rPr lang="en-US" dirty="0" err="1" smtClean="0">
                 <a:solidFill>
                   <a:srgbClr val="3B3838"/>
                 </a:solidFill>
@@ -6302,7 +6540,7 @@
                   <a:srgbClr val="AFABAB"/>
                 </a:solidFill>
               </a:rPr>
-              <a:t>(8000</a:t>
+              <a:t>(3000</a:t>
             </a:r>
             <a:r>
               <a:rPr lang="en-US" dirty="0">
@@ -6451,7 +6689,7 @@
                   </a:schemeClr>
                 </a:solidFill>
               </a:rPr>
-              <a:t>    </a:t>
+              <a:t>  </a:t>
             </a:r>
             <a:r>
               <a:rPr lang="en-US" dirty="0" err="1" smtClean="0">
@@ -6512,7 +6750,7 @@
                   </a:schemeClr>
                 </a:solidFill>
               </a:rPr>
-              <a:t>    </a:t>
+              <a:t>  </a:t>
             </a:r>
             <a:r>
               <a:rPr lang="en-US" dirty="0" err="1" smtClean="0">
@@ -6775,7 +7013,7 @@
                   </a:schemeClr>
                 </a:solidFill>
               </a:rPr>
-              <a:t>    </a:t>
+              <a:t>  </a:t>
             </a:r>
             <a:r>
               <a:rPr lang="en-US" dirty="0" err="1" smtClean="0">
@@ -6850,7 +7088,7 @@
                   </a:schemeClr>
                 </a:solidFill>
               </a:rPr>
-              <a:t>    </a:t>
+              <a:t>  </a:t>
             </a:r>
             <a:r>
               <a:rPr lang="en-US" dirty="0" err="1" smtClean="0">
@@ -7121,7 +7359,7 @@
                   </a:schemeClr>
                 </a:solidFill>
               </a:rPr>
-              <a:t>    </a:t>
+              <a:t>  </a:t>
             </a:r>
             <a:r>
               <a:rPr lang="en-US" dirty="0" err="1" smtClean="0">
@@ -7171,7 +7409,7 @@
                   <a:srgbClr val="ED7D31"/>
                 </a:solidFill>
               </a:rPr>
-              <a:t>    if (!item) return </a:t>
+              <a:t>  if (!item) return </a:t>
             </a:r>
             <a:r>
               <a:rPr lang="en-US" b="1" dirty="0" err="1" smtClean="0">
@@ -7199,7 +7437,7 @@
                   </a:schemeClr>
                 </a:solidFill>
               </a:rPr>
-              <a:t>    </a:t>
+              <a:t>  </a:t>
             </a:r>
             <a:r>
               <a:rPr lang="en-US" dirty="0" err="1" smtClean="0">
@@ -7470,7 +7708,7 @@
                   </a:schemeClr>
                 </a:solidFill>
               </a:rPr>
-              <a:t>    </a:t>
+              <a:t>  </a:t>
             </a:r>
             <a:r>
               <a:rPr lang="en-US" dirty="0" err="1" smtClean="0">
@@ -7540,7 +7778,7 @@
                   </a:schemeClr>
                 </a:solidFill>
               </a:rPr>
-              <a:t>    if (!item) return </a:t>
+              <a:t>  if (!item) return </a:t>
             </a:r>
             <a:r>
               <a:rPr lang="en-US" dirty="0" err="1" smtClean="0">
@@ -7572,7 +7810,7 @@
                   </a:schemeClr>
                 </a:solidFill>
               </a:rPr>
-              <a:t>    </a:t>
+              <a:t>  </a:t>
             </a:r>
             <a:r>
               <a:rPr lang="en-US" dirty="0" err="1" smtClean="0">
@@ -7850,7 +8088,7 @@
                   <a:srgbClr val="ED7D31"/>
                 </a:solidFill>
               </a:rPr>
-              <a:t>    if (!</a:t>
+              <a:t>  if (!</a:t>
             </a:r>
             <a:r>
               <a:rPr lang="en-US" b="1" dirty="0" err="1" smtClean="0">
@@ -7894,7 +8132,7 @@
                   </a:schemeClr>
                 </a:solidFill>
               </a:rPr>
-              <a:t>    </a:t>
+              <a:t>  </a:t>
             </a:r>
             <a:r>
               <a:rPr lang="en-US" dirty="0" err="1" smtClean="0">
@@ -7946,7 +8184,7 @@
                   </a:schemeClr>
                 </a:solidFill>
               </a:rPr>
-              <a:t>    if (!item) return </a:t>
+              <a:t>  if (!item) return </a:t>
             </a:r>
             <a:r>
               <a:rPr lang="en-US" dirty="0" err="1" smtClean="0">
@@ -7978,7 +8216,7 @@
                   </a:schemeClr>
                 </a:solidFill>
               </a:rPr>
-              <a:t>    </a:t>
+              <a:t>  </a:t>
             </a:r>
             <a:r>
               <a:rPr lang="en-US" dirty="0" err="1" smtClean="0">
@@ -8285,10 +8523,10 @@
                   </a:schemeClr>
                 </a:solidFill>
               </a:rPr>
-              <a:t>    </a:t>
-            </a:r>
-            <a:r>
-              <a:rPr lang="en-US" dirty="0" err="1">
+              <a:t>  </a:t>
+            </a:r>
+            <a:r>
+              <a:rPr lang="en-US" dirty="0" err="1" smtClean="0">
                 <a:solidFill>
                   <a:schemeClr val="bg2">
                     <a:lumMod val="25000"/>
@@ -8605,7 +8843,7 @@
                   </a:schemeClr>
                 </a:solidFill>
               </a:rPr>
-              <a:t>    </a:t>
+              <a:t>  </a:t>
             </a:r>
             <a:r>
               <a:rPr lang="en-US" b="1" dirty="0" err="1" smtClean="0">
@@ -8654,10 +8892,10 @@
                   </a:schemeClr>
                 </a:solidFill>
               </a:rPr>
-              <a:t>    </a:t>
-            </a:r>
-            <a:r>
-              <a:rPr lang="en-US" dirty="0" err="1">
+              <a:t>  </a:t>
+            </a:r>
+            <a:r>
+              <a:rPr lang="en-US" dirty="0" err="1" smtClean="0">
                 <a:solidFill>
                   <a:schemeClr val="bg2">
                     <a:lumMod val="25000"/>
@@ -8974,7 +9212,7 @@
                   </a:schemeClr>
                 </a:solidFill>
               </a:rPr>
-              <a:t>    </a:t>
+              <a:t>  </a:t>
             </a:r>
             <a:r>
               <a:rPr lang="en-US" dirty="0" err="1" smtClean="0">
@@ -9033,10 +9271,10 @@
                   </a:schemeClr>
                 </a:solidFill>
               </a:rPr>
-              <a:t>    </a:t>
-            </a:r>
-            <a:r>
-              <a:rPr lang="en-US" dirty="0" err="1">
+              <a:t>  </a:t>
+            </a:r>
+            <a:r>
+              <a:rPr lang="en-US" dirty="0" err="1" smtClean="0">
                 <a:solidFill>
                   <a:schemeClr val="bg2">
                     <a:lumMod val="25000"/>
@@ -9209,7 +9447,7 @@
                   <a:schemeClr val="accent2"/>
                 </a:solidFill>
               </a:rPr>
-              <a:t>    // use </a:t>
+              <a:t>  // use </a:t>
             </a:r>
             <a:r>
               <a:rPr lang="en-US" b="1" dirty="0" err="1" smtClean="0">
@@ -9572,7 +9810,7 @@
                   </a:schemeClr>
                 </a:solidFill>
               </a:rPr>
-              <a:t>    </a:t>
+              <a:t>  </a:t>
             </a:r>
             <a:r>
               <a:rPr lang="en-US" dirty="0" err="1" smtClean="0">
@@ -9631,10 +9869,10 @@
                   </a:schemeClr>
                 </a:solidFill>
               </a:rPr>
-              <a:t>    </a:t>
-            </a:r>
-            <a:r>
-              <a:rPr lang="en-US" dirty="0" err="1">
+              <a:t>  </a:t>
+            </a:r>
+            <a:r>
+              <a:rPr lang="en-US" dirty="0" err="1" smtClean="0">
                 <a:solidFill>
                   <a:schemeClr val="bg2">
                     <a:lumMod val="25000"/>
@@ -9817,7 +10055,7 @@
                   </a:schemeClr>
                 </a:solidFill>
               </a:rPr>
-              <a:t>    // use </a:t>
+              <a:t>  // use </a:t>
             </a:r>
             <a:r>
               <a:rPr lang="en-US" dirty="0" err="1" smtClean="0">
@@ -10039,7 +10277,7 @@
                   </a:schemeClr>
                 </a:solidFill>
               </a:rPr>
-              <a:t>    </a:t>
+              <a:t>  </a:t>
             </a:r>
             <a:r>
               <a:rPr lang="en-US" dirty="0" err="1" smtClean="0">
@@ -10091,10 +10329,10 @@
                   </a:schemeClr>
                 </a:solidFill>
               </a:rPr>
-              <a:t>    </a:t>
-            </a:r>
-            <a:r>
-              <a:rPr lang="en-US" dirty="0" err="1">
+              <a:t>  </a:t>
+            </a:r>
+            <a:r>
+              <a:rPr lang="en-US" dirty="0" err="1" smtClean="0">
                 <a:solidFill>
                   <a:schemeClr val="bg2">
                     <a:lumMod val="25000"/>
@@ -10277,10 +10515,10 @@
                   <a:schemeClr val="accent2"/>
                 </a:solidFill>
               </a:rPr>
-              <a:t>    </a:t>
-            </a:r>
-            <a:r>
-              <a:rPr lang="en-US" b="1" dirty="0" err="1">
+              <a:t>  </a:t>
+            </a:r>
+            <a:r>
+              <a:rPr lang="en-US" b="1" dirty="0" err="1" smtClean="0">
                 <a:solidFill>
                   <a:schemeClr val="accent2"/>
                 </a:solidFill>
@@ -10319,7 +10557,23 @@
                   <a:schemeClr val="accent2"/>
                 </a:solidFill>
               </a:rPr>
-              <a:t>    return next();</a:t>
+              <a:t>  </a:t>
+            </a:r>
+            <a:r>
+              <a:rPr lang="en-US" b="1" dirty="0" smtClean="0">
+                <a:solidFill>
+                  <a:schemeClr val="accent2"/>
+                </a:solidFill>
+              </a:rPr>
+              <a:t>return </a:t>
+            </a:r>
+            <a:r>
+              <a:rPr lang="en-US" b="1" dirty="0">
+                <a:solidFill>
+                  <a:schemeClr val="accent2"/>
+                </a:solidFill>
+              </a:rPr>
+              <a:t>next();</a:t>
             </a:r>
           </a:p>
           <a:p>
@@ -10377,7 +10631,7 @@
                   </a:schemeClr>
                 </a:solidFill>
               </a:rPr>
-              <a:t>    </a:t>
+              <a:t>  </a:t>
             </a:r>
             <a:r>
               <a:rPr lang="en-US" dirty="0" err="1" smtClean="0">
@@ -10429,7 +10683,27 @@
                   </a:schemeClr>
                 </a:solidFill>
               </a:rPr>
-              <a:t>    </a:t>
+              <a:t>  </a:t>
+            </a:r>
+            <a:r>
+              <a:rPr lang="en-US" dirty="0" err="1" smtClean="0">
+                <a:solidFill>
+                  <a:schemeClr val="bg2">
+                    <a:lumMod val="25000"/>
+                  </a:schemeClr>
+                </a:solidFill>
+              </a:rPr>
+              <a:t>app.use</a:t>
+            </a:r>
+            <a:r>
+              <a:rPr lang="en-US" dirty="0">
+                <a:solidFill>
+                  <a:schemeClr val="bg2">
+                    <a:lumMod val="25000"/>
+                  </a:schemeClr>
+                </a:solidFill>
+              </a:rPr>
+              <a:t>(</a:t>
             </a:r>
             <a:r>
               <a:rPr lang="en-US" dirty="0" err="1">
@@ -10439,26 +10713,6 @@
                   </a:schemeClr>
                 </a:solidFill>
               </a:rPr>
-              <a:t>app.use</a:t>
-            </a:r>
-            <a:r>
-              <a:rPr lang="en-US" dirty="0">
-                <a:solidFill>
-                  <a:schemeClr val="bg2">
-                    <a:lumMod val="25000"/>
-                  </a:schemeClr>
-                </a:solidFill>
-              </a:rPr>
-              <a:t>(</a:t>
-            </a:r>
-            <a:r>
-              <a:rPr lang="en-US" dirty="0" err="1">
-                <a:solidFill>
-                  <a:schemeClr val="bg2">
-                    <a:lumMod val="25000"/>
-                  </a:schemeClr>
-                </a:solidFill>
-              </a:rPr>
               <a:t>app.router</a:t>
             </a:r>
             <a:r>
@@ -10479,10 +10733,10 @@
                   <a:srgbClr val="ED7D31"/>
                 </a:solidFill>
               </a:rPr>
-              <a:t>    </a:t>
-            </a:r>
-            <a:r>
-              <a:rPr lang="en-US" b="1" dirty="0" err="1">
+              <a:t>  </a:t>
+            </a:r>
+            <a:r>
+              <a:rPr lang="en-US" b="1" dirty="0" err="1" smtClean="0">
                 <a:solidFill>
                   <a:srgbClr val="ED7D31"/>
                 </a:solidFill>
@@ -10801,10 +11055,10 @@
                   </a:schemeClr>
                 </a:solidFill>
               </a:rPr>
-              <a:t>    </a:t>
-            </a:r>
-            <a:r>
-              <a:rPr lang="en-US" dirty="0" err="1">
+              <a:t>  </a:t>
+            </a:r>
+            <a:r>
+              <a:rPr lang="en-US" dirty="0" err="1" smtClean="0">
                 <a:solidFill>
                   <a:schemeClr val="bg2">
                     <a:lumMod val="25000"/>
@@ -11082,12 +11336,20 @@
               <a:t>var</a:t>
             </a:r>
             <a:r>
+              <a:rPr lang="en-US" b="1" dirty="0">
+                <a:solidFill>
+                  <a:srgbClr val="ED7D31"/>
+                </a:solidFill>
+              </a:rPr>
+              <a:t> validate </a:t>
+            </a:r>
+            <a:r>
               <a:rPr lang="en-US" b="1" dirty="0" smtClean="0">
                 <a:solidFill>
                   <a:srgbClr val="ED7D31"/>
                 </a:solidFill>
               </a:rPr>
-              <a:t> authenticate = </a:t>
+              <a:t>= </a:t>
             </a:r>
             <a:r>
               <a:rPr lang="en-US" b="1" dirty="0">
@@ -11105,10 +11367,10 @@
                   <a:srgbClr val="ED7D31"/>
                 </a:solidFill>
               </a:rPr>
-              <a:t>    </a:t>
-            </a:r>
-            <a:r>
-              <a:rPr lang="en-US" b="1" dirty="0" err="1">
+              <a:t>  </a:t>
+            </a:r>
+            <a:r>
+              <a:rPr lang="en-US" b="1" dirty="0" err="1" smtClean="0">
                 <a:solidFill>
                   <a:srgbClr val="ED7D31"/>
                 </a:solidFill>
@@ -11116,12 +11378,20 @@
               <a:t>var</a:t>
             </a:r>
             <a:r>
+              <a:rPr lang="en-US" b="1" dirty="0" smtClean="0">
+                <a:solidFill>
+                  <a:srgbClr val="ED7D31"/>
+                </a:solidFill>
+              </a:rPr>
+              <a:t> </a:t>
+            </a:r>
+            <a:r>
               <a:rPr lang="en-US" b="1" dirty="0">
                 <a:solidFill>
                   <a:srgbClr val="ED7D31"/>
                 </a:solidFill>
               </a:rPr>
-              <a:t> result = (username === </a:t>
+              <a:t>result = (username === </a:t>
             </a:r>
             <a:r>
               <a:rPr lang="en-US" b="1" dirty="0" smtClean="0">
@@ -11195,7 +11465,23 @@
                   <a:srgbClr val="ED7D31"/>
                 </a:solidFill>
               </a:rPr>
-              <a:t>    callback(null, result);</a:t>
+              <a:t>  </a:t>
+            </a:r>
+            <a:r>
+              <a:rPr lang="en-US" b="1" dirty="0" smtClean="0">
+                <a:solidFill>
+                  <a:srgbClr val="ED7D31"/>
+                </a:solidFill>
+              </a:rPr>
+              <a:t>callback</a:t>
+            </a:r>
+            <a:r>
+              <a:rPr lang="en-US" b="1" dirty="0">
+                <a:solidFill>
+                  <a:srgbClr val="ED7D31"/>
+                </a:solidFill>
+              </a:rPr>
+              <a:t>(null, result);</a:t>
             </a:r>
           </a:p>
           <a:p>
@@ -11275,10 +11561,10 @@
                   </a:schemeClr>
                 </a:solidFill>
               </a:rPr>
-              <a:t>    </a:t>
-            </a:r>
-            <a:r>
-              <a:rPr lang="en-US" dirty="0" err="1">
+              <a:t>  </a:t>
+            </a:r>
+            <a:r>
+              <a:rPr lang="en-US" dirty="0" err="1" smtClean="0">
                 <a:solidFill>
                   <a:schemeClr val="bg2">
                     <a:lumMod val="25000"/>
@@ -11565,7 +11851,21 @@
                   </a:schemeClr>
                 </a:solidFill>
               </a:rPr>
-              <a:t> authenticate = </a:t>
+              <a:t> </a:t>
+            </a:r>
+            <a:r>
+              <a:rPr lang="en-US" dirty="0"/>
+              <a:t>validate</a:t>
+            </a:r>
+            <a:r>
+              <a:rPr lang="en-US" dirty="0" smtClean="0">
+                <a:solidFill>
+                  <a:schemeClr val="bg2">
+                    <a:lumMod val="25000"/>
+                  </a:schemeClr>
+                </a:solidFill>
+              </a:rPr>
+              <a:t> = </a:t>
             </a:r>
             <a:r>
               <a:rPr lang="en-US" dirty="0">
@@ -11587,10 +11887,10 @@
                   </a:schemeClr>
                 </a:solidFill>
               </a:rPr>
-              <a:t>    </a:t>
-            </a:r>
-            <a:r>
-              <a:rPr lang="en-US" dirty="0" err="1">
+              <a:t>  </a:t>
+            </a:r>
+            <a:r>
+              <a:rPr lang="en-US" dirty="0" err="1" smtClean="0">
                 <a:solidFill>
                   <a:schemeClr val="bg2">
                     <a:lumMod val="25000"/>
@@ -11600,14 +11900,24 @@
               <a:t>var</a:t>
             </a:r>
             <a:r>
-              <a:rPr lang="en-US" dirty="0">
-                <a:solidFill>
-                  <a:schemeClr val="bg2">
-                    <a:lumMod val="25000"/>
-                  </a:schemeClr>
-                </a:solidFill>
-              </a:rPr>
-              <a:t> result = (username === </a:t>
+              <a:rPr lang="en-US" dirty="0" smtClean="0">
+                <a:solidFill>
+                  <a:schemeClr val="bg2">
+                    <a:lumMod val="25000"/>
+                  </a:schemeClr>
+                </a:solidFill>
+              </a:rPr>
+              <a:t> </a:t>
+            </a:r>
+            <a:r>
+              <a:rPr lang="en-US" dirty="0">
+                <a:solidFill>
+                  <a:schemeClr val="bg2">
+                    <a:lumMod val="25000"/>
+                  </a:schemeClr>
+                </a:solidFill>
+              </a:rPr>
+              <a:t>result = (username === </a:t>
             </a:r>
             <a:r>
               <a:rPr lang="en-US" dirty="0" smtClean="0">
@@ -11699,7 +12009,27 @@
                   </a:schemeClr>
                 </a:solidFill>
               </a:rPr>
-              <a:t>    callback(null, result);</a:t>
+              <a:t>  </a:t>
+            </a:r>
+            <a:r>
+              <a:rPr lang="en-US" dirty="0" smtClean="0">
+                <a:solidFill>
+                  <a:schemeClr val="bg2">
+                    <a:lumMod val="25000"/>
+                  </a:schemeClr>
+                </a:solidFill>
+              </a:rPr>
+              <a:t>callback</a:t>
+            </a:r>
+            <a:r>
+              <a:rPr lang="en-US" dirty="0">
+                <a:solidFill>
+                  <a:schemeClr val="bg2">
+                    <a:lumMod val="25000"/>
+                  </a:schemeClr>
+                </a:solidFill>
+              </a:rPr>
+              <a:t>(null, result);</a:t>
             </a:r>
           </a:p>
           <a:p>
@@ -11765,12 +12095,20 @@
               <a:t>express.basicAuth</a:t>
             </a:r>
             <a:r>
+              <a:rPr lang="en-US" b="1" dirty="0">
+                <a:solidFill>
+                  <a:srgbClr val="ED7D31"/>
+                </a:solidFill>
+              </a:rPr>
+              <a:t>(validate)</a:t>
+            </a:r>
+            <a:r>
               <a:rPr lang="en-US" b="1" dirty="0" smtClean="0">
                 <a:solidFill>
                   <a:srgbClr val="ED7D31"/>
                 </a:solidFill>
               </a:rPr>
-              <a:t>(authenticate);</a:t>
+              <a:t>;</a:t>
             </a:r>
           </a:p>
           <a:p>
@@ -11822,10 +12160,10 @@
                   </a:schemeClr>
                 </a:solidFill>
               </a:rPr>
-              <a:t>    </a:t>
-            </a:r>
-            <a:r>
-              <a:rPr lang="en-US" dirty="0" err="1">
+              <a:t>  </a:t>
+            </a:r>
+            <a:r>
+              <a:rPr lang="en-US" dirty="0" err="1" smtClean="0">
                 <a:solidFill>
                   <a:schemeClr val="bg2">
                     <a:lumMod val="25000"/>
@@ -12112,7 +12450,21 @@
                   </a:schemeClr>
                 </a:solidFill>
               </a:rPr>
-              <a:t> authenticate = </a:t>
+              <a:t> </a:t>
+            </a:r>
+            <a:r>
+              <a:rPr lang="en-US" dirty="0"/>
+              <a:t>validate</a:t>
+            </a:r>
+            <a:r>
+              <a:rPr lang="en-US" dirty="0" smtClean="0">
+                <a:solidFill>
+                  <a:schemeClr val="bg2">
+                    <a:lumMod val="25000"/>
+                  </a:schemeClr>
+                </a:solidFill>
+              </a:rPr>
+              <a:t> = </a:t>
             </a:r>
             <a:r>
               <a:rPr lang="en-US" dirty="0">
@@ -12134,10 +12486,10 @@
                   </a:schemeClr>
                 </a:solidFill>
               </a:rPr>
-              <a:t>    </a:t>
-            </a:r>
-            <a:r>
-              <a:rPr lang="en-US" dirty="0" err="1">
+              <a:t>  </a:t>
+            </a:r>
+            <a:r>
+              <a:rPr lang="en-US" dirty="0" err="1" smtClean="0">
                 <a:solidFill>
                   <a:schemeClr val="bg2">
                     <a:lumMod val="25000"/>
@@ -12147,14 +12499,24 @@
               <a:t>var</a:t>
             </a:r>
             <a:r>
-              <a:rPr lang="en-US" dirty="0">
-                <a:solidFill>
-                  <a:schemeClr val="bg2">
-                    <a:lumMod val="25000"/>
-                  </a:schemeClr>
-                </a:solidFill>
-              </a:rPr>
-              <a:t> result = (username === </a:t>
+              <a:rPr lang="en-US" dirty="0" smtClean="0">
+                <a:solidFill>
+                  <a:schemeClr val="bg2">
+                    <a:lumMod val="25000"/>
+                  </a:schemeClr>
+                </a:solidFill>
+              </a:rPr>
+              <a:t> </a:t>
+            </a:r>
+            <a:r>
+              <a:rPr lang="en-US" dirty="0">
+                <a:solidFill>
+                  <a:schemeClr val="bg2">
+                    <a:lumMod val="25000"/>
+                  </a:schemeClr>
+                </a:solidFill>
+              </a:rPr>
+              <a:t>result = (username === </a:t>
             </a:r>
             <a:r>
               <a:rPr lang="en-US" dirty="0" smtClean="0">
@@ -12246,7 +12608,27 @@
                   </a:schemeClr>
                 </a:solidFill>
               </a:rPr>
-              <a:t>    callback(null, result);</a:t>
+              <a:t>  </a:t>
+            </a:r>
+            <a:r>
+              <a:rPr lang="en-US" dirty="0" smtClean="0">
+                <a:solidFill>
+                  <a:schemeClr val="bg2">
+                    <a:lumMod val="25000"/>
+                  </a:schemeClr>
+                </a:solidFill>
+              </a:rPr>
+              <a:t>callback</a:t>
+            </a:r>
+            <a:r>
+              <a:rPr lang="en-US" dirty="0">
+                <a:solidFill>
+                  <a:schemeClr val="bg2">
+                    <a:lumMod val="25000"/>
+                  </a:schemeClr>
+                </a:solidFill>
+              </a:rPr>
+              <a:t>(null, result);</a:t>
             </a:r>
           </a:p>
           <a:p>
@@ -12329,7 +12711,21 @@
                   </a:schemeClr>
                 </a:solidFill>
               </a:rPr>
-              <a:t>(authenticate);</a:t>
+              <a:t>(</a:t>
+            </a:r>
+            <a:r>
+              <a:rPr lang="en-US" dirty="0"/>
+              <a:t>validate</a:t>
+            </a:r>
+            <a:r>
+              <a:rPr lang="en-US" dirty="0" smtClean="0">
+                <a:solidFill>
+                  <a:schemeClr val="bg2">
+                    <a:lumMod val="25000"/>
+                  </a:schemeClr>
+                </a:solidFill>
+              </a:rPr>
+              <a:t>);</a:t>
             </a:r>
           </a:p>
           <a:p>
@@ -12370,7 +12766,7 @@
                   <a:srgbClr val="ED7D31"/>
                 </a:solidFill>
               </a:rPr>
-              <a:t>    </a:t>
+              <a:t>  </a:t>
             </a:r>
             <a:r>
               <a:rPr lang="en-US" b="1" dirty="0" err="1" smtClean="0">
@@ -12414,10 +12810,10 @@
                   </a:schemeClr>
                 </a:solidFill>
               </a:rPr>
-              <a:t>    </a:t>
-            </a:r>
-            <a:r>
-              <a:rPr lang="en-US" dirty="0" err="1">
+              <a:t>  </a:t>
+            </a:r>
+            <a:r>
+              <a:rPr lang="en-US" dirty="0" err="1" smtClean="0">
                 <a:solidFill>
                   <a:schemeClr val="bg2">
                     <a:lumMod val="25000"/>
@@ -12704,7 +13100,21 @@
                   </a:schemeClr>
                 </a:solidFill>
               </a:rPr>
-              <a:t> authenticate = </a:t>
+              <a:t> </a:t>
+            </a:r>
+            <a:r>
+              <a:rPr lang="en-US" dirty="0"/>
+              <a:t>validate</a:t>
+            </a:r>
+            <a:r>
+              <a:rPr lang="en-US" dirty="0" smtClean="0">
+                <a:solidFill>
+                  <a:schemeClr val="bg2">
+                    <a:lumMod val="25000"/>
+                  </a:schemeClr>
+                </a:solidFill>
+              </a:rPr>
+              <a:t> = </a:t>
             </a:r>
             <a:r>
               <a:rPr lang="en-US" dirty="0">
@@ -12726,10 +13136,10 @@
                   </a:schemeClr>
                 </a:solidFill>
               </a:rPr>
-              <a:t>    </a:t>
-            </a:r>
-            <a:r>
-              <a:rPr lang="en-US" dirty="0" err="1">
+              <a:t>  </a:t>
+            </a:r>
+            <a:r>
+              <a:rPr lang="en-US" dirty="0" err="1" smtClean="0">
                 <a:solidFill>
                   <a:schemeClr val="bg2">
                     <a:lumMod val="25000"/>
@@ -12739,14 +13149,24 @@
               <a:t>var</a:t>
             </a:r>
             <a:r>
-              <a:rPr lang="en-US" dirty="0">
-                <a:solidFill>
-                  <a:schemeClr val="bg2">
-                    <a:lumMod val="25000"/>
-                  </a:schemeClr>
-                </a:solidFill>
-              </a:rPr>
-              <a:t> result = (username === </a:t>
+              <a:rPr lang="en-US" dirty="0" smtClean="0">
+                <a:solidFill>
+                  <a:schemeClr val="bg2">
+                    <a:lumMod val="25000"/>
+                  </a:schemeClr>
+                </a:solidFill>
+              </a:rPr>
+              <a:t> </a:t>
+            </a:r>
+            <a:r>
+              <a:rPr lang="en-US" dirty="0">
+                <a:solidFill>
+                  <a:schemeClr val="bg2">
+                    <a:lumMod val="25000"/>
+                  </a:schemeClr>
+                </a:solidFill>
+              </a:rPr>
+              <a:t>result = (username === </a:t>
             </a:r>
             <a:r>
               <a:rPr lang="en-US" dirty="0" smtClean="0">
@@ -12838,7 +13258,27 @@
                   </a:schemeClr>
                 </a:solidFill>
               </a:rPr>
-              <a:t>    callback(null, result);</a:t>
+              <a:t>  </a:t>
+            </a:r>
+            <a:r>
+              <a:rPr lang="en-US" dirty="0" smtClean="0">
+                <a:solidFill>
+                  <a:schemeClr val="bg2">
+                    <a:lumMod val="25000"/>
+                  </a:schemeClr>
+                </a:solidFill>
+              </a:rPr>
+              <a:t>callback</a:t>
+            </a:r>
+            <a:r>
+              <a:rPr lang="en-US" dirty="0">
+                <a:solidFill>
+                  <a:schemeClr val="bg2">
+                    <a:lumMod val="25000"/>
+                  </a:schemeClr>
+                </a:solidFill>
+              </a:rPr>
+              <a:t>(null, result);</a:t>
             </a:r>
           </a:p>
           <a:p>
@@ -12921,7 +13361,21 @@
                   </a:schemeClr>
                 </a:solidFill>
               </a:rPr>
-              <a:t>(authenticate);</a:t>
+              <a:t>(</a:t>
+            </a:r>
+            <a:r>
+              <a:rPr lang="en-US" dirty="0"/>
+              <a:t>validate</a:t>
+            </a:r>
+            <a:r>
+              <a:rPr lang="en-US" dirty="0" smtClean="0">
+                <a:solidFill>
+                  <a:schemeClr val="bg2">
+                    <a:lumMod val="25000"/>
+                  </a:schemeClr>
+                </a:solidFill>
+              </a:rPr>
+              <a:t>);</a:t>
             </a:r>
           </a:p>
           <a:p>
@@ -12973,10 +13427,10 @@
                   </a:schemeClr>
                 </a:solidFill>
               </a:rPr>
-              <a:t>    </a:t>
-            </a:r>
-            <a:r>
-              <a:rPr lang="en-US" dirty="0" err="1">
+              <a:t>  </a:t>
+            </a:r>
+            <a:r>
+              <a:rPr lang="en-US" dirty="0" err="1" smtClean="0">
                 <a:solidFill>
                   <a:schemeClr val="bg2">
                     <a:lumMod val="25000"/>
@@ -13680,8 +14134,12 @@
           <a:lstStyle/>
           <a:p>
             <a:r>
+              <a:rPr lang="en-US" dirty="0" err="1"/>
+              <a:t>v</a:t>
+            </a:r>
+            <a:r>
               <a:rPr lang="en-US" dirty="0" err="1" smtClean="0"/>
-              <a:t>Var</a:t>
+              <a:t>ar</a:t>
             </a:r>
             <a:r>
               <a:rPr lang="en-US" dirty="0" smtClean="0"/>
@@ -13835,8 +14293,12 @@
           <a:lstStyle/>
           <a:p>
             <a:r>
+              <a:rPr lang="en-US" dirty="0" err="1"/>
+              <a:t>v</a:t>
+            </a:r>
+            <a:r>
               <a:rPr lang="en-US" dirty="0" err="1" smtClean="0"/>
-              <a:t>Var</a:t>
+              <a:t>ar</a:t>
             </a:r>
             <a:r>
               <a:rPr lang="en-US" dirty="0" smtClean="0"/>
@@ -13949,40 +14411,38 @@
                   </a:schemeClr>
                 </a:solidFill>
               </a:rPr>
-              <a:t>handler </a:t>
-            </a:r>
-            <a:r>
-              <a:rPr lang="en-US" b="1" dirty="0">
+              <a:t>version = </a:t>
+            </a:r>
+            <a:r>
+              <a:rPr lang="en-US" b="1" dirty="0" smtClean="0">
                 <a:solidFill>
                   <a:schemeClr val="accent2">
                     <a:lumMod val="75000"/>
                   </a:schemeClr>
                 </a:solidFill>
               </a:rPr>
-              <a:t>= </a:t>
-            </a:r>
-            <a:r>
-              <a:rPr lang="en-US" b="1" dirty="0" smtClean="0">
+              <a:t>function </a:t>
+            </a:r>
+            <a:r>
+              <a:rPr lang="en-US" b="1" dirty="0">
                 <a:solidFill>
                   <a:schemeClr val="accent2">
                     <a:lumMod val="75000"/>
                   </a:schemeClr>
                 </a:solidFill>
               </a:rPr>
-              <a:t>function </a:t>
-            </a:r>
-            <a:r>
-              <a:rPr lang="en-US" b="1" dirty="0">
+              <a:t>(</a:t>
+            </a:r>
+            <a:r>
+              <a:rPr lang="en-US" b="1" dirty="0" err="1" smtClean="0">
                 <a:solidFill>
                   <a:schemeClr val="accent2">
                     <a:lumMod val="75000"/>
                   </a:schemeClr>
                 </a:solidFill>
               </a:rPr>
-              <a:t>(request) {</a:t>
-            </a:r>
-          </a:p>
-          <a:p>
+              <a:t>req</a:t>
+            </a:r>
             <a:r>
               <a:rPr lang="en-US" b="1" dirty="0" smtClean="0">
                 <a:solidFill>
@@ -13991,47 +14451,49 @@
                   </a:schemeClr>
                 </a:solidFill>
               </a:rPr>
-              <a:t>  </a:t>
-            </a:r>
-            <a:r>
-              <a:rPr lang="en-US" b="1" dirty="0" err="1" smtClean="0">
+              <a:t>) </a:t>
+            </a:r>
+            <a:r>
+              <a:rPr lang="en-US" b="1" dirty="0">
                 <a:solidFill>
                   <a:schemeClr val="accent2">
                     <a:lumMod val="75000"/>
                   </a:schemeClr>
                 </a:solidFill>
               </a:rPr>
-              <a:t>request.reply</a:t>
-            </a:r>
-            <a:r>
-              <a:rPr lang="en-US" b="1" dirty="0">
+              <a:t>{</a:t>
+            </a:r>
+          </a:p>
+          <a:p>
+            <a:r>
+              <a:rPr lang="en-US" b="1" dirty="0" smtClean="0">
                 <a:solidFill>
                   <a:schemeClr val="accent2">
                     <a:lumMod val="75000"/>
                   </a:schemeClr>
                 </a:solidFill>
               </a:rPr>
-              <a:t>({ </a:t>
-            </a:r>
-            <a:r>
-              <a:rPr lang="en-US" b="1" dirty="0" smtClean="0">
+              <a:t>  </a:t>
+            </a:r>
+            <a:r>
+              <a:rPr lang="en-US" b="1" dirty="0" err="1" smtClean="0">
                 <a:solidFill>
                   <a:schemeClr val="accent2">
                     <a:lumMod val="75000"/>
                   </a:schemeClr>
                 </a:solidFill>
               </a:rPr>
-              <a:t>name: '</a:t>
-            </a:r>
-            <a:r>
-              <a:rPr lang="en-US" b="1" dirty="0" err="1" smtClean="0">
+              <a:t>req.reply</a:t>
+            </a:r>
+            <a:r>
+              <a:rPr lang="en-US" b="1" dirty="0">
                 <a:solidFill>
                   <a:schemeClr val="accent2">
                     <a:lumMod val="75000"/>
                   </a:schemeClr>
                 </a:solidFill>
               </a:rPr>
-              <a:t>steve</a:t>
+              <a:t>({ </a:t>
             </a:r>
             <a:r>
               <a:rPr lang="en-US" b="1" dirty="0" smtClean="0">
@@ -14041,7 +14503,7 @@
                   </a:schemeClr>
                 </a:solidFill>
               </a:rPr>
-              <a:t>' </a:t>
+              <a:t>version: '1.0.0' </a:t>
             </a:r>
             <a:r>
               <a:rPr lang="en-US" b="1" dirty="0">
@@ -14130,8 +14592,12 @@
           <a:lstStyle/>
           <a:p>
             <a:r>
+              <a:rPr lang="en-US" dirty="0" err="1"/>
+              <a:t>v</a:t>
+            </a:r>
+            <a:r>
               <a:rPr lang="en-US" dirty="0" err="1" smtClean="0"/>
-              <a:t>Var</a:t>
+              <a:t>ar</a:t>
             </a:r>
             <a:r>
               <a:rPr lang="en-US" dirty="0" smtClean="0"/>
@@ -14229,11 +14695,27 @@
             </a:r>
             <a:r>
               <a:rPr lang="en-US" dirty="0" smtClean="0"/>
-              <a:t>handler = function </a:t>
+              <a:t>version </a:t>
+            </a:r>
+            <a:r>
+              <a:rPr lang="en-US" dirty="0" smtClean="0"/>
+              <a:t>= function </a:t>
             </a:r>
             <a:r>
               <a:rPr lang="en-US" dirty="0"/>
-              <a:t>(request) {</a:t>
+              <a:t>(</a:t>
+            </a:r>
+            <a:r>
+              <a:rPr lang="en-US" dirty="0" err="1" smtClean="0"/>
+              <a:t>req</a:t>
+            </a:r>
+            <a:r>
+              <a:rPr lang="en-US" dirty="0" smtClean="0"/>
+              <a:t>) </a:t>
+            </a:r>
+            <a:r>
+              <a:rPr lang="en-US" dirty="0"/>
+              <a:t>{</a:t>
             </a:r>
           </a:p>
           <a:p>
@@ -14242,20 +14724,20 @@
               <a:t>  </a:t>
             </a:r>
             <a:r>
-              <a:rPr lang="en-US" dirty="0" err="1"/>
-              <a:t>request.reply</a:t>
+              <a:rPr lang="en-US" dirty="0" err="1" smtClean="0"/>
+              <a:t>req.reply</a:t>
             </a:r>
             <a:r>
               <a:rPr lang="en-US" dirty="0"/>
-              <a:t>({ name: '</a:t>
-            </a:r>
-            <a:r>
-              <a:rPr lang="en-US" dirty="0" err="1"/>
-              <a:t>steve</a:t>
+              <a:t>({ </a:t>
+            </a:r>
+            <a:r>
+              <a:rPr lang="en-US" dirty="0" smtClean="0"/>
+              <a:t>version: '1.0.0' </a:t>
             </a:r>
             <a:r>
               <a:rPr lang="en-US" dirty="0"/>
-              <a:t>' });</a:t>
+              <a:t>});</a:t>
             </a:r>
           </a:p>
           <a:p>
@@ -14311,10 +14793,8 @@
                   </a:schemeClr>
                 </a:solidFill>
               </a:rPr>
-              <a:t>  path: '/user',</a:t>
-            </a:r>
-          </a:p>
-          <a:p>
+              <a:t>  path: '</a:t>
+            </a:r>
             <a:r>
               <a:rPr lang="en-US" b="1" dirty="0" smtClean="0">
                 <a:solidFill>
@@ -14323,8 +14803,47 @@
                   </a:schemeClr>
                 </a:solidFill>
               </a:rPr>
-              <a:t>  handler: handler</a:t>
-            </a:r>
+              <a:t>/version'</a:t>
+            </a:r>
+            <a:r>
+              <a:rPr lang="en-US" b="1" dirty="0" smtClean="0">
+                <a:solidFill>
+                  <a:schemeClr val="accent2">
+                    <a:lumMod val="75000"/>
+                  </a:schemeClr>
+                </a:solidFill>
+              </a:rPr>
+              <a:t>,</a:t>
+            </a:r>
+          </a:p>
+          <a:p>
+            <a:r>
+              <a:rPr lang="en-US" b="1" dirty="0" smtClean="0">
+                <a:solidFill>
+                  <a:schemeClr val="accent2">
+                    <a:lumMod val="75000"/>
+                  </a:schemeClr>
+                </a:solidFill>
+              </a:rPr>
+              <a:t>  handler: </a:t>
+            </a:r>
+            <a:r>
+              <a:rPr lang="en-US" b="1" dirty="0" smtClean="0">
+                <a:solidFill>
+                  <a:schemeClr val="accent2">
+                    <a:lumMod val="75000"/>
+                  </a:schemeClr>
+                </a:solidFill>
+              </a:rPr>
+              <a:t>version</a:t>
+            </a:r>
+            <a:endParaRPr lang="en-US" b="1" dirty="0" smtClean="0">
+              <a:solidFill>
+                <a:schemeClr val="accent2">
+                  <a:lumMod val="75000"/>
+                </a:schemeClr>
+              </a:solidFill>
+            </a:endParaRPr>
           </a:p>
           <a:p>
             <a:r>
@@ -14407,8 +14926,12 @@
           <a:lstStyle/>
           <a:p>
             <a:r>
+              <a:rPr lang="en-US" dirty="0" err="1"/>
+              <a:t>v</a:t>
+            </a:r>
+            <a:r>
               <a:rPr lang="en-US" dirty="0" err="1" smtClean="0"/>
-              <a:t>Var</a:t>
+              <a:t>ar</a:t>
             </a:r>
             <a:r>
               <a:rPr lang="en-US" dirty="0" smtClean="0"/>
@@ -14515,7 +15038,7 @@
             </a:r>
             <a:r>
               <a:rPr lang="en-US" dirty="0" smtClean="0"/>
-              <a:t>handler </a:t>
+              <a:t>version </a:t>
             </a:r>
             <a:r>
               <a:rPr lang="en-US" dirty="0"/>
@@ -14527,7 +15050,19 @@
             </a:r>
             <a:r>
               <a:rPr lang="en-US" dirty="0"/>
-              <a:t>(request) {</a:t>
+              <a:t>(</a:t>
+            </a:r>
+            <a:r>
+              <a:rPr lang="en-US" dirty="0" err="1" smtClean="0"/>
+              <a:t>req</a:t>
+            </a:r>
+            <a:r>
+              <a:rPr lang="en-US" dirty="0" smtClean="0"/>
+              <a:t>) </a:t>
+            </a:r>
+            <a:r>
+              <a:rPr lang="en-US" dirty="0"/>
+              <a:t>{</a:t>
             </a:r>
           </a:p>
           <a:p>
@@ -14537,29 +15072,25 @@
             </a:r>
             <a:r>
               <a:rPr lang="en-US" dirty="0" err="1" smtClean="0"/>
-              <a:t>request.reply</a:t>
+              <a:t>req.reply</a:t>
+            </a:r>
+            <a:r>
+              <a:rPr lang="en-US" dirty="0"/>
+              <a:t>({ version: '1.0.0' })</a:t>
             </a:r>
             <a:r>
               <a:rPr lang="en-US" dirty="0" smtClean="0"/>
-              <a:t>({ </a:t>
-            </a:r>
-            <a:r>
-              <a:rPr lang="en-US" dirty="0"/>
-              <a:t>name: '</a:t>
-            </a:r>
-            <a:r>
-              <a:rPr lang="en-US" dirty="0" err="1"/>
-              <a:t>steve</a:t>
-            </a:r>
-            <a:r>
-              <a:rPr lang="en-US" dirty="0"/>
-              <a:t>' });</a:t>
+              <a:t>;</a:t>
             </a:r>
           </a:p>
           <a:p>
             <a:r>
               <a:rPr lang="en-US" dirty="0" smtClean="0"/>
-              <a:t>};</a:t>
+              <a:t>}</a:t>
+            </a:r>
+            <a:r>
+              <a:rPr lang="en-US" dirty="0" smtClean="0"/>
+              <a:t>;</a:t>
             </a:r>
             <a:endParaRPr lang="en-US" dirty="0"/>
           </a:p>
@@ -14585,14 +15116,27 @@
           <a:p>
             <a:r>
               <a:rPr lang="en-US" dirty="0" smtClean="0"/>
-              <a:t>  path: '/user',</a:t>
-            </a:r>
-          </a:p>
-          <a:p>
+              <a:t>  path: '</a:t>
+            </a:r>
             <a:r>
               <a:rPr lang="en-US" dirty="0" smtClean="0"/>
-              <a:t>  handler: handler</a:t>
-            </a:r>
+              <a:t>/version'</a:t>
+            </a:r>
+            <a:r>
+              <a:rPr lang="en-US" dirty="0" smtClean="0"/>
+              <a:t>,</a:t>
+            </a:r>
+          </a:p>
+          <a:p>
+            <a:r>
+              <a:rPr lang="en-US" dirty="0" smtClean="0"/>
+              <a:t>  handler: </a:t>
+            </a:r>
+            <a:r>
+              <a:rPr lang="en-US" dirty="0" smtClean="0"/>
+              <a:t>version</a:t>
+            </a:r>
+            <a:endParaRPr lang="en-US" dirty="0" smtClean="0"/>
           </a:p>
           <a:p>
             <a:r>
@@ -14651,6 +15195,2016 @@
       </p:par>
     </p:tnLst>
   </p:timing>
+</p:sld>
+</file>
+
+<file path=ppt/slides/slide44.xml><?xml version="1.0" encoding="utf-8"?>
+<p:sld xmlns:a="http://schemas.openxmlformats.org/drawingml/2006/main" xmlns:r="http://schemas.openxmlformats.org/officeDocument/2006/relationships" xmlns:p="http://schemas.openxmlformats.org/presentationml/2006/main">
+  <p:cSld>
+    <p:spTree>
+      <p:nvGrpSpPr>
+        <p:cNvPr id="1" name=""/>
+        <p:cNvGrpSpPr/>
+        <p:nvPr/>
+      </p:nvGrpSpPr>
+      <p:grpSpPr>
+        <a:xfrm>
+          <a:off x="0" y="0"/>
+          <a:ext cx="0" cy="0"/>
+          <a:chOff x="0" y="0"/>
+          <a:chExt cx="0" cy="0"/>
+        </a:xfrm>
+      </p:grpSpPr>
+      <p:sp>
+        <p:nvSpPr>
+          <p:cNvPr id="2" name="Subtitle 1"/>
+          <p:cNvSpPr>
+            <a:spLocks noGrp="1"/>
+          </p:cNvSpPr>
+          <p:nvPr>
+            <p:ph type="subTitle" idx="1"/>
+          </p:nvPr>
+        </p:nvSpPr>
+        <p:spPr/>
+        <p:txBody>
+          <a:bodyPr>
+            <a:normAutofit/>
+          </a:bodyPr>
+          <a:lstStyle/>
+          <a:p>
+            <a:endParaRPr lang="en-US" dirty="0" smtClean="0">
+              <a:solidFill>
+                <a:schemeClr val="bg2">
+                  <a:lumMod val="25000"/>
+                </a:schemeClr>
+              </a:solidFill>
+            </a:endParaRPr>
+          </a:p>
+          <a:p>
+            <a:endParaRPr lang="en-US" dirty="0">
+              <a:solidFill>
+                <a:schemeClr val="bg2">
+                  <a:lumMod val="25000"/>
+                </a:schemeClr>
+              </a:solidFill>
+            </a:endParaRPr>
+          </a:p>
+          <a:p>
+            <a:r>
+              <a:rPr lang="en-US" dirty="0" err="1" smtClean="0">
+                <a:solidFill>
+                  <a:schemeClr val="bg2">
+                    <a:lumMod val="25000"/>
+                  </a:schemeClr>
+                </a:solidFill>
+              </a:rPr>
+              <a:t>var</a:t>
+            </a:r>
+            <a:r>
+              <a:rPr lang="en-US" dirty="0" smtClean="0">
+                <a:solidFill>
+                  <a:schemeClr val="bg2">
+                    <a:lumMod val="25000"/>
+                  </a:schemeClr>
+                </a:solidFill>
+              </a:rPr>
+              <a:t> user = function (</a:t>
+            </a:r>
+            <a:r>
+              <a:rPr lang="en-US" dirty="0" err="1" smtClean="0">
+                <a:solidFill>
+                  <a:schemeClr val="bg2">
+                    <a:lumMod val="25000"/>
+                  </a:schemeClr>
+                </a:solidFill>
+              </a:rPr>
+              <a:t>req</a:t>
+            </a:r>
+            <a:r>
+              <a:rPr lang="en-US" dirty="0" smtClean="0">
+                <a:solidFill>
+                  <a:schemeClr val="bg2">
+                    <a:lumMod val="25000"/>
+                  </a:schemeClr>
+                </a:solidFill>
+              </a:rPr>
+              <a:t>) {</a:t>
+            </a:r>
+          </a:p>
+          <a:p>
+            <a:endParaRPr lang="en-US" dirty="0" smtClean="0">
+              <a:solidFill>
+                <a:schemeClr val="bg2">
+                  <a:lumMod val="25000"/>
+                </a:schemeClr>
+              </a:solidFill>
+            </a:endParaRPr>
+          </a:p>
+          <a:p>
+            <a:r>
+              <a:rPr lang="en-US" dirty="0" smtClean="0">
+                <a:solidFill>
+                  <a:schemeClr val="bg2">
+                    <a:lumMod val="25000"/>
+                  </a:schemeClr>
+                </a:solidFill>
+              </a:rPr>
+              <a:t>  </a:t>
+            </a:r>
+            <a:r>
+              <a:rPr lang="en-US" dirty="0" err="1" smtClean="0">
+                <a:solidFill>
+                  <a:schemeClr val="bg2">
+                    <a:lumMod val="25000"/>
+                  </a:schemeClr>
+                </a:solidFill>
+              </a:rPr>
+              <a:t>var</a:t>
+            </a:r>
+            <a:r>
+              <a:rPr lang="en-US" dirty="0" smtClean="0">
+                <a:solidFill>
+                  <a:schemeClr val="bg2">
+                    <a:lumMod val="25000"/>
+                  </a:schemeClr>
+                </a:solidFill>
+              </a:rPr>
+              <a:t> </a:t>
+            </a:r>
+            <a:r>
+              <a:rPr lang="en-US" dirty="0">
+                <a:solidFill>
+                  <a:schemeClr val="bg2">
+                    <a:lumMod val="25000"/>
+                  </a:schemeClr>
+                </a:solidFill>
+              </a:rPr>
+              <a:t>item = { id: 1, name: '</a:t>
+            </a:r>
+            <a:r>
+              <a:rPr lang="en-US" dirty="0" err="1">
+                <a:solidFill>
+                  <a:schemeClr val="bg2">
+                    <a:lumMod val="25000"/>
+                  </a:schemeClr>
+                </a:solidFill>
+              </a:rPr>
+              <a:t>steve</a:t>
+            </a:r>
+            <a:r>
+              <a:rPr lang="en-US" dirty="0">
+                <a:solidFill>
+                  <a:schemeClr val="bg2">
+                    <a:lumMod val="25000"/>
+                  </a:schemeClr>
+                </a:solidFill>
+              </a:rPr>
+              <a:t>' };</a:t>
+            </a:r>
+            <a:endParaRPr lang="en-US" dirty="0" smtClean="0">
+              <a:solidFill>
+                <a:schemeClr val="bg2">
+                  <a:lumMod val="25000"/>
+                </a:schemeClr>
+              </a:solidFill>
+            </a:endParaRPr>
+          </a:p>
+          <a:p>
+            <a:r>
+              <a:rPr lang="en-US" dirty="0" smtClean="0">
+                <a:solidFill>
+                  <a:schemeClr val="bg2">
+                    <a:lumMod val="25000"/>
+                  </a:schemeClr>
+                </a:solidFill>
+              </a:rPr>
+              <a:t>  </a:t>
+            </a:r>
+          </a:p>
+          <a:p>
+            <a:r>
+              <a:rPr lang="en-US" dirty="0">
+                <a:solidFill>
+                  <a:schemeClr val="bg2">
+                    <a:lumMod val="25000"/>
+                  </a:schemeClr>
+                </a:solidFill>
+              </a:rPr>
+              <a:t> </a:t>
+            </a:r>
+            <a:r>
+              <a:rPr lang="en-US" dirty="0" smtClean="0">
+                <a:solidFill>
+                  <a:schemeClr val="bg2">
+                    <a:lumMod val="25000"/>
+                  </a:schemeClr>
+                </a:solidFill>
+              </a:rPr>
+              <a:t> </a:t>
+            </a:r>
+            <a:r>
+              <a:rPr lang="en-US" dirty="0" err="1" smtClean="0">
+                <a:solidFill>
+                  <a:schemeClr val="bg2">
+                    <a:lumMod val="25000"/>
+                  </a:schemeClr>
+                </a:solidFill>
+              </a:rPr>
+              <a:t>req.reply</a:t>
+            </a:r>
+            <a:r>
+              <a:rPr lang="en-US" dirty="0" smtClean="0">
+                <a:solidFill>
+                  <a:schemeClr val="bg2">
+                    <a:lumMod val="25000"/>
+                  </a:schemeClr>
+                </a:solidFill>
+              </a:rPr>
+              <a:t>(item);</a:t>
+            </a:r>
+          </a:p>
+          <a:p>
+            <a:r>
+              <a:rPr lang="en-US" dirty="0" smtClean="0">
+                <a:solidFill>
+                  <a:schemeClr val="bg2">
+                    <a:lumMod val="25000"/>
+                  </a:schemeClr>
+                </a:solidFill>
+              </a:rPr>
+              <a:t>};</a:t>
+            </a:r>
+          </a:p>
+          <a:p>
+            <a:endParaRPr lang="en-US" dirty="0" smtClean="0">
+              <a:solidFill>
+                <a:schemeClr val="bg2">
+                  <a:lumMod val="25000"/>
+                </a:schemeClr>
+              </a:solidFill>
+            </a:endParaRPr>
+          </a:p>
+          <a:p>
+            <a:r>
+              <a:rPr lang="en-US" dirty="0" err="1"/>
+              <a:t>server.route</a:t>
+            </a:r>
+            <a:r>
+              <a:rPr lang="en-US" dirty="0"/>
+              <a:t>({</a:t>
+            </a:r>
+          </a:p>
+          <a:p>
+            <a:r>
+              <a:rPr lang="en-US" dirty="0"/>
+              <a:t>  method: 'GET',</a:t>
+            </a:r>
+          </a:p>
+          <a:p>
+            <a:r>
+              <a:rPr lang="en-US" dirty="0"/>
+              <a:t>  path: '</a:t>
+            </a:r>
+            <a:r>
+              <a:rPr lang="en-US" dirty="0" smtClean="0"/>
+              <a:t>/user'</a:t>
+            </a:r>
+            <a:r>
+              <a:rPr lang="en-US" dirty="0"/>
+              <a:t>,</a:t>
+            </a:r>
+          </a:p>
+          <a:p>
+            <a:r>
+              <a:rPr lang="en-US" dirty="0"/>
+              <a:t>  handler: </a:t>
+            </a:r>
+            <a:r>
+              <a:rPr lang="en-US" dirty="0" smtClean="0"/>
+              <a:t>user</a:t>
+            </a:r>
+            <a:endParaRPr lang="en-US" dirty="0"/>
+          </a:p>
+          <a:p>
+            <a:r>
+              <a:rPr lang="en-US" dirty="0"/>
+              <a:t>});</a:t>
+            </a:r>
+          </a:p>
+          <a:p>
+            <a:endParaRPr lang="en-US" dirty="0">
+              <a:solidFill>
+                <a:schemeClr val="bg2">
+                  <a:lumMod val="25000"/>
+                </a:schemeClr>
+              </a:solidFill>
+            </a:endParaRPr>
+          </a:p>
+        </p:txBody>
+      </p:sp>
+    </p:spTree>
+    <p:extLst>
+      <p:ext uri="{BB962C8B-B14F-4D97-AF65-F5344CB8AC3E}">
+        <p14:creationId xmlns:p14="http://schemas.microsoft.com/office/powerpoint/2010/main" val="3293453885"/>
+      </p:ext>
+    </p:extLst>
+  </p:cSld>
+  <p:clrMapOvr>
+    <a:masterClrMapping/>
+  </p:clrMapOvr>
+  <p:timing>
+    <p:tnLst>
+      <p:par>
+        <p:cTn xmlns:p14="http://schemas.microsoft.com/office/powerpoint/2010/main" id="1" dur="indefinite" restart="never" nodeType="tmRoot"/>
+      </p:par>
+    </p:tnLst>
+  </p:timing>
+</p:sld>
+</file>
+
+<file path=ppt/slides/slide45.xml><?xml version="1.0" encoding="utf-8"?>
+<p:sld xmlns:a="http://schemas.openxmlformats.org/drawingml/2006/main" xmlns:r="http://schemas.openxmlformats.org/officeDocument/2006/relationships" xmlns:p="http://schemas.openxmlformats.org/presentationml/2006/main">
+  <p:cSld>
+    <p:spTree>
+      <p:nvGrpSpPr>
+        <p:cNvPr id="1" name=""/>
+        <p:cNvGrpSpPr/>
+        <p:nvPr/>
+      </p:nvGrpSpPr>
+      <p:grpSpPr>
+        <a:xfrm>
+          <a:off x="0" y="0"/>
+          <a:ext cx="0" cy="0"/>
+          <a:chOff x="0" y="0"/>
+          <a:chExt cx="0" cy="0"/>
+        </a:xfrm>
+      </p:grpSpPr>
+      <p:sp>
+        <p:nvSpPr>
+          <p:cNvPr id="2" name="Subtitle 1"/>
+          <p:cNvSpPr>
+            <a:spLocks noGrp="1"/>
+          </p:cNvSpPr>
+          <p:nvPr>
+            <p:ph type="subTitle" idx="1"/>
+          </p:nvPr>
+        </p:nvSpPr>
+        <p:spPr/>
+        <p:txBody>
+          <a:bodyPr>
+            <a:normAutofit/>
+          </a:bodyPr>
+          <a:lstStyle/>
+          <a:p>
+            <a:r>
+              <a:rPr lang="en-US" b="1" dirty="0" err="1" smtClean="0">
+                <a:solidFill>
+                  <a:schemeClr val="accent2"/>
+                </a:solidFill>
+              </a:rPr>
+              <a:t>var</a:t>
+            </a:r>
+            <a:r>
+              <a:rPr lang="en-US" b="1" dirty="0" smtClean="0">
+                <a:solidFill>
+                  <a:schemeClr val="accent2"/>
+                </a:solidFill>
+              </a:rPr>
+              <a:t> users = require('./</a:t>
+            </a:r>
+            <a:r>
+              <a:rPr lang="en-US" b="1" dirty="0" err="1" smtClean="0">
+                <a:solidFill>
+                  <a:schemeClr val="accent2"/>
+                </a:solidFill>
+              </a:rPr>
+              <a:t>users.json</a:t>
+            </a:r>
+            <a:r>
+              <a:rPr lang="en-US" b="1" dirty="0" smtClean="0">
+                <a:solidFill>
+                  <a:schemeClr val="accent2"/>
+                </a:solidFill>
+              </a:rPr>
+              <a:t>');</a:t>
+            </a:r>
+          </a:p>
+          <a:p>
+            <a:endParaRPr lang="en-US" dirty="0">
+              <a:solidFill>
+                <a:schemeClr val="bg2">
+                  <a:lumMod val="25000"/>
+                </a:schemeClr>
+              </a:solidFill>
+            </a:endParaRPr>
+          </a:p>
+          <a:p>
+            <a:r>
+              <a:rPr lang="en-US" dirty="0" err="1" smtClean="0">
+                <a:solidFill>
+                  <a:schemeClr val="bg2">
+                    <a:lumMod val="25000"/>
+                  </a:schemeClr>
+                </a:solidFill>
+              </a:rPr>
+              <a:t>var</a:t>
+            </a:r>
+            <a:r>
+              <a:rPr lang="en-US" dirty="0" smtClean="0">
+                <a:solidFill>
+                  <a:schemeClr val="bg2">
+                    <a:lumMod val="25000"/>
+                  </a:schemeClr>
+                </a:solidFill>
+              </a:rPr>
+              <a:t> user = function (</a:t>
+            </a:r>
+            <a:r>
+              <a:rPr lang="en-US" dirty="0" err="1" smtClean="0">
+                <a:solidFill>
+                  <a:schemeClr val="bg2">
+                    <a:lumMod val="25000"/>
+                  </a:schemeClr>
+                </a:solidFill>
+              </a:rPr>
+              <a:t>req</a:t>
+            </a:r>
+            <a:r>
+              <a:rPr lang="en-US" dirty="0" smtClean="0">
+                <a:solidFill>
+                  <a:schemeClr val="bg2">
+                    <a:lumMod val="25000"/>
+                  </a:schemeClr>
+                </a:solidFill>
+              </a:rPr>
+              <a:t>) {</a:t>
+            </a:r>
+          </a:p>
+          <a:p>
+            <a:endParaRPr lang="en-US" dirty="0" smtClean="0">
+              <a:solidFill>
+                <a:schemeClr val="bg2">
+                  <a:lumMod val="25000"/>
+                </a:schemeClr>
+              </a:solidFill>
+            </a:endParaRPr>
+          </a:p>
+          <a:p>
+            <a:r>
+              <a:rPr lang="en-US" dirty="0" smtClean="0">
+                <a:solidFill>
+                  <a:schemeClr val="bg2">
+                    <a:lumMod val="25000"/>
+                  </a:schemeClr>
+                </a:solidFill>
+              </a:rPr>
+              <a:t>  </a:t>
+            </a:r>
+            <a:r>
+              <a:rPr lang="en-US" dirty="0" err="1" smtClean="0">
+                <a:solidFill>
+                  <a:schemeClr val="bg2">
+                    <a:lumMod val="25000"/>
+                  </a:schemeClr>
+                </a:solidFill>
+              </a:rPr>
+              <a:t>var</a:t>
+            </a:r>
+            <a:r>
+              <a:rPr lang="en-US" dirty="0" smtClean="0">
+                <a:solidFill>
+                  <a:schemeClr val="bg2">
+                    <a:lumMod val="25000"/>
+                  </a:schemeClr>
+                </a:solidFill>
+              </a:rPr>
+              <a:t> item = </a:t>
+            </a:r>
+            <a:r>
+              <a:rPr lang="en-US" b="1" dirty="0" smtClean="0">
+                <a:solidFill>
+                  <a:srgbClr val="ED7D31"/>
+                </a:solidFill>
+              </a:rPr>
+              <a:t>users[</a:t>
+            </a:r>
+            <a:r>
+              <a:rPr lang="en-US" b="1" dirty="0" err="1" smtClean="0">
+                <a:solidFill>
+                  <a:srgbClr val="ED7D31"/>
+                </a:solidFill>
+              </a:rPr>
+              <a:t>req.query.id</a:t>
+            </a:r>
+            <a:r>
+              <a:rPr lang="en-US" b="1" dirty="0" smtClean="0">
+                <a:solidFill>
+                  <a:srgbClr val="ED7D31"/>
+                </a:solidFill>
+              </a:rPr>
+              <a:t>]</a:t>
+            </a:r>
+            <a:r>
+              <a:rPr lang="en-US" dirty="0" smtClean="0">
+                <a:solidFill>
+                  <a:schemeClr val="bg2">
+                    <a:lumMod val="25000"/>
+                  </a:schemeClr>
+                </a:solidFill>
+              </a:rPr>
+              <a:t>;</a:t>
+            </a:r>
+          </a:p>
+          <a:p>
+            <a:endParaRPr lang="en-US" dirty="0" smtClean="0">
+              <a:solidFill>
+                <a:schemeClr val="bg2">
+                  <a:lumMod val="25000"/>
+                </a:schemeClr>
+              </a:solidFill>
+            </a:endParaRPr>
+          </a:p>
+          <a:p>
+            <a:r>
+              <a:rPr lang="en-US" dirty="0" smtClean="0">
+                <a:solidFill>
+                  <a:schemeClr val="bg2">
+                    <a:lumMod val="25000"/>
+                  </a:schemeClr>
+                </a:solidFill>
+              </a:rPr>
+              <a:t>  </a:t>
+            </a:r>
+            <a:r>
+              <a:rPr lang="en-US" dirty="0" err="1" smtClean="0">
+                <a:solidFill>
+                  <a:schemeClr val="bg2">
+                    <a:lumMod val="25000"/>
+                  </a:schemeClr>
+                </a:solidFill>
+              </a:rPr>
+              <a:t>req.reply</a:t>
+            </a:r>
+            <a:r>
+              <a:rPr lang="en-US" dirty="0" smtClean="0">
+                <a:solidFill>
+                  <a:schemeClr val="bg2">
+                    <a:lumMod val="25000"/>
+                  </a:schemeClr>
+                </a:solidFill>
+              </a:rPr>
+              <a:t>(item);</a:t>
+            </a:r>
+          </a:p>
+          <a:p>
+            <a:r>
+              <a:rPr lang="en-US" dirty="0" smtClean="0">
+                <a:solidFill>
+                  <a:schemeClr val="bg2">
+                    <a:lumMod val="25000"/>
+                  </a:schemeClr>
+                </a:solidFill>
+              </a:rPr>
+              <a:t>};</a:t>
+            </a:r>
+          </a:p>
+          <a:p>
+            <a:endParaRPr lang="en-US" dirty="0" smtClean="0">
+              <a:solidFill>
+                <a:schemeClr val="bg2">
+                  <a:lumMod val="25000"/>
+                </a:schemeClr>
+              </a:solidFill>
+            </a:endParaRPr>
+          </a:p>
+          <a:p>
+            <a:r>
+              <a:rPr lang="en-US" dirty="0" err="1"/>
+              <a:t>server.route</a:t>
+            </a:r>
+            <a:r>
+              <a:rPr lang="en-US" dirty="0"/>
+              <a:t>({</a:t>
+            </a:r>
+          </a:p>
+          <a:p>
+            <a:r>
+              <a:rPr lang="en-US" dirty="0"/>
+              <a:t>  method: 'GET',</a:t>
+            </a:r>
+          </a:p>
+          <a:p>
+            <a:r>
+              <a:rPr lang="en-US" dirty="0"/>
+              <a:t>  path: '</a:t>
+            </a:r>
+            <a:r>
+              <a:rPr lang="en-US" dirty="0" smtClean="0"/>
+              <a:t>/user'</a:t>
+            </a:r>
+            <a:r>
+              <a:rPr lang="en-US" dirty="0"/>
+              <a:t>,</a:t>
+            </a:r>
+          </a:p>
+          <a:p>
+            <a:r>
+              <a:rPr lang="en-US" dirty="0"/>
+              <a:t>  handler: </a:t>
+            </a:r>
+            <a:r>
+              <a:rPr lang="en-US" dirty="0" smtClean="0"/>
+              <a:t>user</a:t>
+            </a:r>
+            <a:endParaRPr lang="en-US" dirty="0"/>
+          </a:p>
+          <a:p>
+            <a:r>
+              <a:rPr lang="en-US" dirty="0"/>
+              <a:t>});</a:t>
+            </a:r>
+          </a:p>
+          <a:p>
+            <a:endParaRPr lang="en-US" dirty="0">
+              <a:solidFill>
+                <a:schemeClr val="bg2">
+                  <a:lumMod val="25000"/>
+                </a:schemeClr>
+              </a:solidFill>
+            </a:endParaRPr>
+          </a:p>
+        </p:txBody>
+      </p:sp>
+    </p:spTree>
+    <p:extLst>
+      <p:ext uri="{BB962C8B-B14F-4D97-AF65-F5344CB8AC3E}">
+        <p14:creationId xmlns:p14="http://schemas.microsoft.com/office/powerpoint/2010/main" val="3220433547"/>
+      </p:ext>
+    </p:extLst>
+  </p:cSld>
+  <p:clrMapOvr>
+    <a:masterClrMapping/>
+  </p:clrMapOvr>
+  <p:timing>
+    <p:tnLst>
+      <p:par>
+        <p:cTn xmlns:p14="http://schemas.microsoft.com/office/powerpoint/2010/main" id="1" dur="indefinite" restart="never" nodeType="tmRoot"/>
+      </p:par>
+    </p:tnLst>
+  </p:timing>
+</p:sld>
+</file>
+
+<file path=ppt/slides/slide46.xml><?xml version="1.0" encoding="utf-8"?>
+<p:sld xmlns:a="http://schemas.openxmlformats.org/drawingml/2006/main" xmlns:r="http://schemas.openxmlformats.org/officeDocument/2006/relationships" xmlns:p="http://schemas.openxmlformats.org/presentationml/2006/main">
+  <p:cSld>
+    <p:spTree>
+      <p:nvGrpSpPr>
+        <p:cNvPr id="1" name=""/>
+        <p:cNvGrpSpPr/>
+        <p:nvPr/>
+      </p:nvGrpSpPr>
+      <p:grpSpPr>
+        <a:xfrm>
+          <a:off x="0" y="0"/>
+          <a:ext cx="0" cy="0"/>
+          <a:chOff x="0" y="0"/>
+          <a:chExt cx="0" cy="0"/>
+        </a:xfrm>
+      </p:grpSpPr>
+      <p:sp>
+        <p:nvSpPr>
+          <p:cNvPr id="2" name="Subtitle 1"/>
+          <p:cNvSpPr>
+            <a:spLocks noGrp="1"/>
+          </p:cNvSpPr>
+          <p:nvPr>
+            <p:ph type="subTitle" idx="1"/>
+          </p:nvPr>
+        </p:nvSpPr>
+        <p:spPr/>
+        <p:txBody>
+          <a:bodyPr>
+            <a:normAutofit/>
+          </a:bodyPr>
+          <a:lstStyle/>
+          <a:p>
+            <a:r>
+              <a:rPr lang="en-US" dirty="0" err="1" smtClean="0">
+                <a:solidFill>
+                  <a:schemeClr val="bg2">
+                    <a:lumMod val="25000"/>
+                  </a:schemeClr>
+                </a:solidFill>
+              </a:rPr>
+              <a:t>var</a:t>
+            </a:r>
+            <a:r>
+              <a:rPr lang="en-US" dirty="0" smtClean="0">
+                <a:solidFill>
+                  <a:schemeClr val="bg2">
+                    <a:lumMod val="25000"/>
+                  </a:schemeClr>
+                </a:solidFill>
+              </a:rPr>
+              <a:t> users = require('./</a:t>
+            </a:r>
+            <a:r>
+              <a:rPr lang="en-US" dirty="0" err="1" smtClean="0">
+                <a:solidFill>
+                  <a:schemeClr val="bg2">
+                    <a:lumMod val="25000"/>
+                  </a:schemeClr>
+                </a:solidFill>
+              </a:rPr>
+              <a:t>users.json</a:t>
+            </a:r>
+            <a:r>
+              <a:rPr lang="en-US" dirty="0" smtClean="0">
+                <a:solidFill>
+                  <a:schemeClr val="bg2">
+                    <a:lumMod val="25000"/>
+                  </a:schemeClr>
+                </a:solidFill>
+              </a:rPr>
+              <a:t>');</a:t>
+            </a:r>
+          </a:p>
+          <a:p>
+            <a:endParaRPr lang="en-US" dirty="0">
+              <a:solidFill>
+                <a:schemeClr val="bg2">
+                  <a:lumMod val="25000"/>
+                </a:schemeClr>
+              </a:solidFill>
+            </a:endParaRPr>
+          </a:p>
+          <a:p>
+            <a:r>
+              <a:rPr lang="en-US" dirty="0" err="1" smtClean="0">
+                <a:solidFill>
+                  <a:schemeClr val="bg2">
+                    <a:lumMod val="25000"/>
+                  </a:schemeClr>
+                </a:solidFill>
+              </a:rPr>
+              <a:t>var</a:t>
+            </a:r>
+            <a:r>
+              <a:rPr lang="en-US" dirty="0" smtClean="0">
+                <a:solidFill>
+                  <a:schemeClr val="bg2">
+                    <a:lumMod val="25000"/>
+                  </a:schemeClr>
+                </a:solidFill>
+              </a:rPr>
+              <a:t> user = function (</a:t>
+            </a:r>
+            <a:r>
+              <a:rPr lang="en-US" dirty="0" err="1" smtClean="0">
+                <a:solidFill>
+                  <a:schemeClr val="bg2">
+                    <a:lumMod val="25000"/>
+                  </a:schemeClr>
+                </a:solidFill>
+              </a:rPr>
+              <a:t>req</a:t>
+            </a:r>
+            <a:r>
+              <a:rPr lang="en-US" dirty="0" smtClean="0">
+                <a:solidFill>
+                  <a:schemeClr val="bg2">
+                    <a:lumMod val="25000"/>
+                  </a:schemeClr>
+                </a:solidFill>
+              </a:rPr>
+              <a:t>) {</a:t>
+            </a:r>
+          </a:p>
+          <a:p>
+            <a:endParaRPr lang="en-US" dirty="0" smtClean="0">
+              <a:solidFill>
+                <a:schemeClr val="bg2">
+                  <a:lumMod val="25000"/>
+                </a:schemeClr>
+              </a:solidFill>
+            </a:endParaRPr>
+          </a:p>
+          <a:p>
+            <a:r>
+              <a:rPr lang="en-US" dirty="0" smtClean="0">
+                <a:solidFill>
+                  <a:schemeClr val="bg2">
+                    <a:lumMod val="25000"/>
+                  </a:schemeClr>
+                </a:solidFill>
+              </a:rPr>
+              <a:t>  </a:t>
+            </a:r>
+            <a:r>
+              <a:rPr lang="en-US" dirty="0" err="1" smtClean="0">
+                <a:solidFill>
+                  <a:schemeClr val="bg2">
+                    <a:lumMod val="25000"/>
+                  </a:schemeClr>
+                </a:solidFill>
+              </a:rPr>
+              <a:t>var</a:t>
+            </a:r>
+            <a:r>
+              <a:rPr lang="en-US" dirty="0" smtClean="0">
+                <a:solidFill>
+                  <a:schemeClr val="bg2">
+                    <a:lumMod val="25000"/>
+                  </a:schemeClr>
+                </a:solidFill>
+              </a:rPr>
+              <a:t> item = users[</a:t>
+            </a:r>
+            <a:r>
+              <a:rPr lang="en-US" dirty="0" err="1" smtClean="0">
+                <a:solidFill>
+                  <a:schemeClr val="bg2">
+                    <a:lumMod val="25000"/>
+                  </a:schemeClr>
+                </a:solidFill>
+              </a:rPr>
+              <a:t>req.</a:t>
+            </a:r>
+            <a:r>
+              <a:rPr lang="en-US" b="1" dirty="0" err="1" smtClean="0">
+                <a:solidFill>
+                  <a:srgbClr val="ED7D31"/>
+                </a:solidFill>
+              </a:rPr>
+              <a:t>params</a:t>
+            </a:r>
+            <a:r>
+              <a:rPr lang="en-US" dirty="0" err="1" smtClean="0">
+                <a:solidFill>
+                  <a:schemeClr val="bg2">
+                    <a:lumMod val="25000"/>
+                  </a:schemeClr>
+                </a:solidFill>
+              </a:rPr>
+              <a:t>.id</a:t>
+            </a:r>
+            <a:r>
+              <a:rPr lang="en-US" dirty="0" smtClean="0">
+                <a:solidFill>
+                  <a:schemeClr val="bg2">
+                    <a:lumMod val="25000"/>
+                  </a:schemeClr>
+                </a:solidFill>
+              </a:rPr>
+              <a:t>];</a:t>
+            </a:r>
+          </a:p>
+          <a:p>
+            <a:endParaRPr lang="en-US" dirty="0" smtClean="0">
+              <a:solidFill>
+                <a:schemeClr val="bg2">
+                  <a:lumMod val="25000"/>
+                </a:schemeClr>
+              </a:solidFill>
+            </a:endParaRPr>
+          </a:p>
+          <a:p>
+            <a:r>
+              <a:rPr lang="en-US" dirty="0" smtClean="0">
+                <a:solidFill>
+                  <a:schemeClr val="bg2">
+                    <a:lumMod val="25000"/>
+                  </a:schemeClr>
+                </a:solidFill>
+              </a:rPr>
+              <a:t>  </a:t>
+            </a:r>
+            <a:r>
+              <a:rPr lang="en-US" dirty="0" err="1" smtClean="0">
+                <a:solidFill>
+                  <a:schemeClr val="bg2">
+                    <a:lumMod val="25000"/>
+                  </a:schemeClr>
+                </a:solidFill>
+              </a:rPr>
+              <a:t>req.reply</a:t>
+            </a:r>
+            <a:r>
+              <a:rPr lang="en-US" dirty="0" smtClean="0">
+                <a:solidFill>
+                  <a:schemeClr val="bg2">
+                    <a:lumMod val="25000"/>
+                  </a:schemeClr>
+                </a:solidFill>
+              </a:rPr>
+              <a:t>(item);</a:t>
+            </a:r>
+          </a:p>
+          <a:p>
+            <a:r>
+              <a:rPr lang="en-US" dirty="0" smtClean="0">
+                <a:solidFill>
+                  <a:schemeClr val="bg2">
+                    <a:lumMod val="25000"/>
+                  </a:schemeClr>
+                </a:solidFill>
+              </a:rPr>
+              <a:t>};</a:t>
+            </a:r>
+          </a:p>
+          <a:p>
+            <a:endParaRPr lang="en-US" dirty="0" smtClean="0">
+              <a:solidFill>
+                <a:schemeClr val="bg2">
+                  <a:lumMod val="25000"/>
+                </a:schemeClr>
+              </a:solidFill>
+            </a:endParaRPr>
+          </a:p>
+          <a:p>
+            <a:r>
+              <a:rPr lang="en-US" dirty="0" err="1"/>
+              <a:t>server.route</a:t>
+            </a:r>
+            <a:r>
+              <a:rPr lang="en-US" dirty="0"/>
+              <a:t>({</a:t>
+            </a:r>
+          </a:p>
+          <a:p>
+            <a:r>
+              <a:rPr lang="en-US" dirty="0"/>
+              <a:t>  method: 'GET',</a:t>
+            </a:r>
+          </a:p>
+          <a:p>
+            <a:r>
+              <a:rPr lang="en-US" dirty="0"/>
+              <a:t>  path: '</a:t>
+            </a:r>
+            <a:r>
+              <a:rPr lang="en-US" dirty="0" smtClean="0"/>
+              <a:t>/user</a:t>
+            </a:r>
+            <a:r>
+              <a:rPr lang="en-US" b="1" dirty="0" smtClean="0">
+                <a:solidFill>
+                  <a:srgbClr val="ED7D31"/>
+                </a:solidFill>
+              </a:rPr>
+              <a:t>/{id}</a:t>
+            </a:r>
+            <a:r>
+              <a:rPr lang="en-US" dirty="0" smtClean="0"/>
+              <a:t>'</a:t>
+            </a:r>
+            <a:r>
+              <a:rPr lang="en-US" dirty="0"/>
+              <a:t>,</a:t>
+            </a:r>
+          </a:p>
+          <a:p>
+            <a:r>
+              <a:rPr lang="en-US" dirty="0"/>
+              <a:t>  handler: </a:t>
+            </a:r>
+            <a:r>
+              <a:rPr lang="en-US" dirty="0" smtClean="0"/>
+              <a:t>user</a:t>
+            </a:r>
+            <a:endParaRPr lang="en-US" dirty="0"/>
+          </a:p>
+          <a:p>
+            <a:r>
+              <a:rPr lang="en-US" dirty="0"/>
+              <a:t>});</a:t>
+            </a:r>
+          </a:p>
+          <a:p>
+            <a:endParaRPr lang="en-US" dirty="0">
+              <a:solidFill>
+                <a:schemeClr val="bg2">
+                  <a:lumMod val="25000"/>
+                </a:schemeClr>
+              </a:solidFill>
+            </a:endParaRPr>
+          </a:p>
+        </p:txBody>
+      </p:sp>
+    </p:spTree>
+    <p:extLst>
+      <p:ext uri="{BB962C8B-B14F-4D97-AF65-F5344CB8AC3E}">
+        <p14:creationId xmlns:p14="http://schemas.microsoft.com/office/powerpoint/2010/main" val="3478017834"/>
+      </p:ext>
+    </p:extLst>
+  </p:cSld>
+  <p:clrMapOvr>
+    <a:masterClrMapping/>
+  </p:clrMapOvr>
+  <p:timing>
+    <p:tnLst>
+      <p:par>
+        <p:cTn xmlns:p14="http://schemas.microsoft.com/office/powerpoint/2010/main" id="1" dur="indefinite" restart="never" nodeType="tmRoot"/>
+      </p:par>
+    </p:tnLst>
+  </p:timing>
+</p:sld>
+</file>
+
+<file path=ppt/slides/slide47.xml><?xml version="1.0" encoding="utf-8"?>
+<p:sld xmlns:a="http://schemas.openxmlformats.org/drawingml/2006/main" xmlns:r="http://schemas.openxmlformats.org/officeDocument/2006/relationships" xmlns:p="http://schemas.openxmlformats.org/presentationml/2006/main">
+  <p:cSld>
+    <p:spTree>
+      <p:nvGrpSpPr>
+        <p:cNvPr id="1" name=""/>
+        <p:cNvGrpSpPr/>
+        <p:nvPr/>
+      </p:nvGrpSpPr>
+      <p:grpSpPr>
+        <a:xfrm>
+          <a:off x="0" y="0"/>
+          <a:ext cx="0" cy="0"/>
+          <a:chOff x="0" y="0"/>
+          <a:chExt cx="0" cy="0"/>
+        </a:xfrm>
+      </p:grpSpPr>
+      <p:sp>
+        <p:nvSpPr>
+          <p:cNvPr id="2" name="Subtitle 1"/>
+          <p:cNvSpPr>
+            <a:spLocks noGrp="1"/>
+          </p:cNvSpPr>
+          <p:nvPr>
+            <p:ph type="subTitle" idx="1"/>
+          </p:nvPr>
+        </p:nvSpPr>
+        <p:spPr/>
+        <p:txBody>
+          <a:bodyPr>
+            <a:normAutofit/>
+          </a:bodyPr>
+          <a:lstStyle/>
+          <a:p>
+            <a:r>
+              <a:rPr lang="en-US" dirty="0" err="1" smtClean="0">
+                <a:solidFill>
+                  <a:schemeClr val="bg2">
+                    <a:lumMod val="25000"/>
+                  </a:schemeClr>
+                </a:solidFill>
+              </a:rPr>
+              <a:t>var</a:t>
+            </a:r>
+            <a:r>
+              <a:rPr lang="en-US" dirty="0" smtClean="0">
+                <a:solidFill>
+                  <a:schemeClr val="bg2">
+                    <a:lumMod val="25000"/>
+                  </a:schemeClr>
+                </a:solidFill>
+              </a:rPr>
+              <a:t> users = require('./</a:t>
+            </a:r>
+            <a:r>
+              <a:rPr lang="en-US" dirty="0" err="1" smtClean="0">
+                <a:solidFill>
+                  <a:schemeClr val="bg2">
+                    <a:lumMod val="25000"/>
+                  </a:schemeClr>
+                </a:solidFill>
+              </a:rPr>
+              <a:t>users.json</a:t>
+            </a:r>
+            <a:r>
+              <a:rPr lang="en-US" dirty="0" smtClean="0">
+                <a:solidFill>
+                  <a:schemeClr val="bg2">
+                    <a:lumMod val="25000"/>
+                  </a:schemeClr>
+                </a:solidFill>
+              </a:rPr>
+              <a:t>');</a:t>
+            </a:r>
+          </a:p>
+          <a:p>
+            <a:endParaRPr lang="en-US" dirty="0">
+              <a:solidFill>
+                <a:schemeClr val="bg2">
+                  <a:lumMod val="25000"/>
+                </a:schemeClr>
+              </a:solidFill>
+            </a:endParaRPr>
+          </a:p>
+          <a:p>
+            <a:r>
+              <a:rPr lang="en-US" dirty="0" err="1" smtClean="0">
+                <a:solidFill>
+                  <a:schemeClr val="bg2">
+                    <a:lumMod val="25000"/>
+                  </a:schemeClr>
+                </a:solidFill>
+              </a:rPr>
+              <a:t>var</a:t>
+            </a:r>
+            <a:r>
+              <a:rPr lang="en-US" dirty="0" smtClean="0">
+                <a:solidFill>
+                  <a:schemeClr val="bg2">
+                    <a:lumMod val="25000"/>
+                  </a:schemeClr>
+                </a:solidFill>
+              </a:rPr>
+              <a:t> user = function (</a:t>
+            </a:r>
+            <a:r>
+              <a:rPr lang="en-US" dirty="0" err="1" smtClean="0">
+                <a:solidFill>
+                  <a:schemeClr val="bg2">
+                    <a:lumMod val="25000"/>
+                  </a:schemeClr>
+                </a:solidFill>
+              </a:rPr>
+              <a:t>req</a:t>
+            </a:r>
+            <a:r>
+              <a:rPr lang="en-US" dirty="0" smtClean="0">
+                <a:solidFill>
+                  <a:schemeClr val="bg2">
+                    <a:lumMod val="25000"/>
+                  </a:schemeClr>
+                </a:solidFill>
+              </a:rPr>
+              <a:t>) {</a:t>
+            </a:r>
+          </a:p>
+          <a:p>
+            <a:endParaRPr lang="en-US" dirty="0" smtClean="0">
+              <a:solidFill>
+                <a:schemeClr val="bg2">
+                  <a:lumMod val="25000"/>
+                </a:schemeClr>
+              </a:solidFill>
+            </a:endParaRPr>
+          </a:p>
+          <a:p>
+            <a:r>
+              <a:rPr lang="en-US" dirty="0" smtClean="0">
+                <a:solidFill>
+                  <a:schemeClr val="bg2">
+                    <a:lumMod val="25000"/>
+                  </a:schemeClr>
+                </a:solidFill>
+              </a:rPr>
+              <a:t>  </a:t>
+            </a:r>
+            <a:r>
+              <a:rPr lang="en-US" dirty="0" err="1" smtClean="0">
+                <a:solidFill>
+                  <a:schemeClr val="bg2">
+                    <a:lumMod val="25000"/>
+                  </a:schemeClr>
+                </a:solidFill>
+              </a:rPr>
+              <a:t>var</a:t>
+            </a:r>
+            <a:r>
+              <a:rPr lang="en-US" dirty="0" smtClean="0">
+                <a:solidFill>
+                  <a:schemeClr val="bg2">
+                    <a:lumMod val="25000"/>
+                  </a:schemeClr>
+                </a:solidFill>
+              </a:rPr>
+              <a:t> item = users[</a:t>
+            </a:r>
+            <a:r>
+              <a:rPr lang="en-US" dirty="0" err="1" smtClean="0">
+                <a:solidFill>
+                  <a:schemeClr val="bg2">
+                    <a:lumMod val="25000"/>
+                  </a:schemeClr>
+                </a:solidFill>
+              </a:rPr>
+              <a:t>req.params.id</a:t>
+            </a:r>
+            <a:r>
+              <a:rPr lang="en-US" dirty="0" smtClean="0">
+                <a:solidFill>
+                  <a:schemeClr val="bg2">
+                    <a:lumMod val="25000"/>
+                  </a:schemeClr>
+                </a:solidFill>
+              </a:rPr>
+              <a:t>];</a:t>
+            </a:r>
+          </a:p>
+          <a:p>
+            <a:r>
+              <a:rPr lang="en-US" b="1" dirty="0" smtClean="0">
+                <a:solidFill>
+                  <a:srgbClr val="ED7D31"/>
+                </a:solidFill>
+              </a:rPr>
+              <a:t>  if (!item) return </a:t>
+            </a:r>
+            <a:r>
+              <a:rPr lang="en-US" b="1" dirty="0" err="1" smtClean="0">
+                <a:solidFill>
+                  <a:srgbClr val="ED7D31"/>
+                </a:solidFill>
+              </a:rPr>
+              <a:t>req.reply</a:t>
+            </a:r>
+            <a:r>
+              <a:rPr lang="en-US" b="1" dirty="0" smtClean="0">
+                <a:solidFill>
+                  <a:srgbClr val="ED7D31"/>
+                </a:solidFill>
+              </a:rPr>
+              <a:t>(</a:t>
+            </a:r>
+            <a:r>
+              <a:rPr lang="en-US" b="1" dirty="0" err="1" smtClean="0">
+                <a:solidFill>
+                  <a:srgbClr val="ED7D31"/>
+                </a:solidFill>
+              </a:rPr>
+              <a:t>hapi.error.notFound</a:t>
+            </a:r>
+            <a:r>
+              <a:rPr lang="en-US" b="1" dirty="0" smtClean="0">
+                <a:solidFill>
+                  <a:srgbClr val="ED7D31"/>
+                </a:solidFill>
+              </a:rPr>
+              <a:t>());</a:t>
+            </a:r>
+          </a:p>
+          <a:p>
+            <a:r>
+              <a:rPr lang="en-US" dirty="0" smtClean="0">
+                <a:solidFill>
+                  <a:schemeClr val="bg2">
+                    <a:lumMod val="25000"/>
+                  </a:schemeClr>
+                </a:solidFill>
+              </a:rPr>
+              <a:t>  </a:t>
+            </a:r>
+            <a:r>
+              <a:rPr lang="en-US" dirty="0" err="1" smtClean="0">
+                <a:solidFill>
+                  <a:schemeClr val="bg2">
+                    <a:lumMod val="25000"/>
+                  </a:schemeClr>
+                </a:solidFill>
+              </a:rPr>
+              <a:t>req.reply</a:t>
+            </a:r>
+            <a:r>
+              <a:rPr lang="en-US" dirty="0" smtClean="0">
+                <a:solidFill>
+                  <a:schemeClr val="bg2">
+                    <a:lumMod val="25000"/>
+                  </a:schemeClr>
+                </a:solidFill>
+              </a:rPr>
+              <a:t>(item);</a:t>
+            </a:r>
+          </a:p>
+          <a:p>
+            <a:r>
+              <a:rPr lang="en-US" dirty="0" smtClean="0">
+                <a:solidFill>
+                  <a:schemeClr val="bg2">
+                    <a:lumMod val="25000"/>
+                  </a:schemeClr>
+                </a:solidFill>
+              </a:rPr>
+              <a:t>};</a:t>
+            </a:r>
+          </a:p>
+          <a:p>
+            <a:endParaRPr lang="en-US" dirty="0" smtClean="0">
+              <a:solidFill>
+                <a:schemeClr val="bg2">
+                  <a:lumMod val="25000"/>
+                </a:schemeClr>
+              </a:solidFill>
+            </a:endParaRPr>
+          </a:p>
+          <a:p>
+            <a:r>
+              <a:rPr lang="en-US" dirty="0" err="1"/>
+              <a:t>server.route</a:t>
+            </a:r>
+            <a:r>
+              <a:rPr lang="en-US" dirty="0"/>
+              <a:t>({</a:t>
+            </a:r>
+          </a:p>
+          <a:p>
+            <a:r>
+              <a:rPr lang="en-US" dirty="0"/>
+              <a:t>  method: 'GET',</a:t>
+            </a:r>
+          </a:p>
+          <a:p>
+            <a:r>
+              <a:rPr lang="en-US" dirty="0"/>
+              <a:t>  path: '</a:t>
+            </a:r>
+            <a:r>
+              <a:rPr lang="en-US" dirty="0" smtClean="0"/>
+              <a:t>/user/{id}'</a:t>
+            </a:r>
+            <a:r>
+              <a:rPr lang="en-US" dirty="0"/>
+              <a:t>,</a:t>
+            </a:r>
+          </a:p>
+          <a:p>
+            <a:r>
+              <a:rPr lang="en-US" dirty="0"/>
+              <a:t>  handler: </a:t>
+            </a:r>
+            <a:r>
+              <a:rPr lang="en-US" dirty="0" smtClean="0"/>
+              <a:t>user</a:t>
+            </a:r>
+            <a:endParaRPr lang="en-US" dirty="0"/>
+          </a:p>
+          <a:p>
+            <a:r>
+              <a:rPr lang="en-US" dirty="0"/>
+              <a:t>});</a:t>
+            </a:r>
+          </a:p>
+          <a:p>
+            <a:endParaRPr lang="en-US" dirty="0">
+              <a:solidFill>
+                <a:schemeClr val="bg2">
+                  <a:lumMod val="25000"/>
+                </a:schemeClr>
+              </a:solidFill>
+            </a:endParaRPr>
+          </a:p>
+        </p:txBody>
+      </p:sp>
+    </p:spTree>
+    <p:extLst>
+      <p:ext uri="{BB962C8B-B14F-4D97-AF65-F5344CB8AC3E}">
+        <p14:creationId xmlns:p14="http://schemas.microsoft.com/office/powerpoint/2010/main" val="3220433547"/>
+      </p:ext>
+    </p:extLst>
+  </p:cSld>
+  <p:clrMapOvr>
+    <a:masterClrMapping/>
+  </p:clrMapOvr>
+  <p:timing>
+    <p:tnLst>
+      <p:par>
+        <p:cTn xmlns:p14="http://schemas.microsoft.com/office/powerpoint/2010/main" id="1" dur="indefinite" restart="never" nodeType="tmRoot"/>
+      </p:par>
+    </p:tnLst>
+  </p:timing>
+</p:sld>
+</file>
+
+<file path=ppt/slides/slide48.xml><?xml version="1.0" encoding="utf-8"?>
+<p:sld xmlns:a="http://schemas.openxmlformats.org/drawingml/2006/main" xmlns:r="http://schemas.openxmlformats.org/officeDocument/2006/relationships" xmlns:p="http://schemas.openxmlformats.org/presentationml/2006/main">
+  <p:cSld>
+    <p:spTree>
+      <p:nvGrpSpPr>
+        <p:cNvPr id="1" name=""/>
+        <p:cNvGrpSpPr/>
+        <p:nvPr/>
+      </p:nvGrpSpPr>
+      <p:grpSpPr>
+        <a:xfrm>
+          <a:off x="0" y="0"/>
+          <a:ext cx="0" cy="0"/>
+          <a:chOff x="0" y="0"/>
+          <a:chExt cx="0" cy="0"/>
+        </a:xfrm>
+      </p:grpSpPr>
+      <p:sp>
+        <p:nvSpPr>
+          <p:cNvPr id="2" name="Subtitle 1"/>
+          <p:cNvSpPr>
+            <a:spLocks noGrp="1"/>
+          </p:cNvSpPr>
+          <p:nvPr>
+            <p:ph type="subTitle" idx="1"/>
+          </p:nvPr>
+        </p:nvSpPr>
+        <p:spPr/>
+        <p:txBody>
+          <a:bodyPr>
+            <a:normAutofit/>
+          </a:bodyPr>
+          <a:lstStyle/>
+          <a:p>
+            <a:r>
+              <a:rPr lang="en-US" dirty="0" err="1" smtClean="0">
+                <a:solidFill>
+                  <a:schemeClr val="bg2">
+                    <a:lumMod val="25000"/>
+                  </a:schemeClr>
+                </a:solidFill>
+              </a:rPr>
+              <a:t>var</a:t>
+            </a:r>
+            <a:r>
+              <a:rPr lang="en-US" dirty="0" smtClean="0">
+                <a:solidFill>
+                  <a:schemeClr val="bg2">
+                    <a:lumMod val="25000"/>
+                  </a:schemeClr>
+                </a:solidFill>
+              </a:rPr>
+              <a:t> users = require('./</a:t>
+            </a:r>
+            <a:r>
+              <a:rPr lang="en-US" dirty="0" err="1" smtClean="0">
+                <a:solidFill>
+                  <a:schemeClr val="bg2">
+                    <a:lumMod val="25000"/>
+                  </a:schemeClr>
+                </a:solidFill>
+              </a:rPr>
+              <a:t>users.json</a:t>
+            </a:r>
+            <a:r>
+              <a:rPr lang="en-US" dirty="0" smtClean="0">
+                <a:solidFill>
+                  <a:schemeClr val="bg2">
+                    <a:lumMod val="25000"/>
+                  </a:schemeClr>
+                </a:solidFill>
+              </a:rPr>
+              <a:t>');</a:t>
+            </a:r>
+          </a:p>
+          <a:p>
+            <a:endParaRPr lang="en-US" dirty="0">
+              <a:solidFill>
+                <a:schemeClr val="bg2">
+                  <a:lumMod val="25000"/>
+                </a:schemeClr>
+              </a:solidFill>
+            </a:endParaRPr>
+          </a:p>
+          <a:p>
+            <a:r>
+              <a:rPr lang="en-US" dirty="0" err="1" smtClean="0">
+                <a:solidFill>
+                  <a:schemeClr val="bg2">
+                    <a:lumMod val="25000"/>
+                  </a:schemeClr>
+                </a:solidFill>
+              </a:rPr>
+              <a:t>var</a:t>
+            </a:r>
+            <a:r>
+              <a:rPr lang="en-US" dirty="0" smtClean="0">
+                <a:solidFill>
+                  <a:schemeClr val="bg2">
+                    <a:lumMod val="25000"/>
+                  </a:schemeClr>
+                </a:solidFill>
+              </a:rPr>
+              <a:t> user = function (</a:t>
+            </a:r>
+            <a:r>
+              <a:rPr lang="en-US" dirty="0" err="1" smtClean="0">
+                <a:solidFill>
+                  <a:schemeClr val="bg2">
+                    <a:lumMod val="25000"/>
+                  </a:schemeClr>
+                </a:solidFill>
+              </a:rPr>
+              <a:t>req</a:t>
+            </a:r>
+            <a:r>
+              <a:rPr lang="en-US" dirty="0" smtClean="0">
+                <a:solidFill>
+                  <a:schemeClr val="bg2">
+                    <a:lumMod val="25000"/>
+                  </a:schemeClr>
+                </a:solidFill>
+              </a:rPr>
+              <a:t>) {</a:t>
+            </a:r>
+          </a:p>
+          <a:p>
+            <a:r>
+              <a:rPr lang="en-US" b="1" dirty="0" smtClean="0">
+                <a:solidFill>
+                  <a:srgbClr val="ED7D31"/>
+                </a:solidFill>
+              </a:rPr>
+              <a:t>  if (!</a:t>
+            </a:r>
+            <a:r>
+              <a:rPr lang="en-US" b="1" dirty="0" err="1" smtClean="0">
+                <a:solidFill>
+                  <a:srgbClr val="ED7D31"/>
+                </a:solidFill>
+              </a:rPr>
+              <a:t>req.params.id</a:t>
+            </a:r>
+            <a:r>
+              <a:rPr lang="en-US" b="1" dirty="0" smtClean="0">
+                <a:solidFill>
+                  <a:srgbClr val="ED7D31"/>
+                </a:solidFill>
+              </a:rPr>
+              <a:t>) return </a:t>
+            </a:r>
+            <a:r>
+              <a:rPr lang="en-US" b="1" dirty="0" err="1" smtClean="0">
+                <a:solidFill>
+                  <a:srgbClr val="ED7D31"/>
+                </a:solidFill>
+              </a:rPr>
+              <a:t>req.reply</a:t>
+            </a:r>
+            <a:r>
+              <a:rPr lang="en-US" b="1" dirty="0" smtClean="0">
+                <a:solidFill>
+                  <a:srgbClr val="ED7D31"/>
+                </a:solidFill>
+              </a:rPr>
+              <a:t>(users);</a:t>
+            </a:r>
+          </a:p>
+          <a:p>
+            <a:r>
+              <a:rPr lang="en-US" dirty="0" smtClean="0">
+                <a:solidFill>
+                  <a:schemeClr val="bg2">
+                    <a:lumMod val="25000"/>
+                  </a:schemeClr>
+                </a:solidFill>
+              </a:rPr>
+              <a:t>  </a:t>
+            </a:r>
+            <a:r>
+              <a:rPr lang="en-US" dirty="0" err="1" smtClean="0">
+                <a:solidFill>
+                  <a:schemeClr val="bg2">
+                    <a:lumMod val="25000"/>
+                  </a:schemeClr>
+                </a:solidFill>
+              </a:rPr>
+              <a:t>var</a:t>
+            </a:r>
+            <a:r>
+              <a:rPr lang="en-US" dirty="0" smtClean="0">
+                <a:solidFill>
+                  <a:schemeClr val="bg2">
+                    <a:lumMod val="25000"/>
+                  </a:schemeClr>
+                </a:solidFill>
+              </a:rPr>
+              <a:t> item = users[</a:t>
+            </a:r>
+            <a:r>
+              <a:rPr lang="en-US" dirty="0" err="1" smtClean="0">
+                <a:solidFill>
+                  <a:schemeClr val="bg2">
+                    <a:lumMod val="25000"/>
+                  </a:schemeClr>
+                </a:solidFill>
+              </a:rPr>
+              <a:t>req.params.id</a:t>
+            </a:r>
+            <a:r>
+              <a:rPr lang="en-US" dirty="0" smtClean="0">
+                <a:solidFill>
+                  <a:schemeClr val="bg2">
+                    <a:lumMod val="25000"/>
+                  </a:schemeClr>
+                </a:solidFill>
+              </a:rPr>
+              <a:t>];</a:t>
+            </a:r>
+          </a:p>
+          <a:p>
+            <a:r>
+              <a:rPr lang="en-US" dirty="0" smtClean="0">
+                <a:solidFill>
+                  <a:schemeClr val="bg2">
+                    <a:lumMod val="25000"/>
+                  </a:schemeClr>
+                </a:solidFill>
+              </a:rPr>
+              <a:t>  if (!item) return </a:t>
+            </a:r>
+            <a:r>
+              <a:rPr lang="en-US" dirty="0" err="1" smtClean="0">
+                <a:solidFill>
+                  <a:schemeClr val="bg2">
+                    <a:lumMod val="25000"/>
+                  </a:schemeClr>
+                </a:solidFill>
+              </a:rPr>
+              <a:t>req.reply</a:t>
+            </a:r>
+            <a:r>
+              <a:rPr lang="en-US" dirty="0" smtClean="0">
+                <a:solidFill>
+                  <a:schemeClr val="bg2">
+                    <a:lumMod val="25000"/>
+                  </a:schemeClr>
+                </a:solidFill>
+              </a:rPr>
+              <a:t>(</a:t>
+            </a:r>
+            <a:r>
+              <a:rPr lang="en-US" dirty="0" err="1" smtClean="0">
+                <a:solidFill>
+                  <a:schemeClr val="bg2">
+                    <a:lumMod val="25000"/>
+                  </a:schemeClr>
+                </a:solidFill>
+              </a:rPr>
+              <a:t>hapi.error.notFound</a:t>
+            </a:r>
+            <a:r>
+              <a:rPr lang="en-US" dirty="0" smtClean="0">
+                <a:solidFill>
+                  <a:schemeClr val="bg2">
+                    <a:lumMod val="25000"/>
+                  </a:schemeClr>
+                </a:solidFill>
+              </a:rPr>
+              <a:t>());</a:t>
+            </a:r>
+          </a:p>
+          <a:p>
+            <a:r>
+              <a:rPr lang="en-US" dirty="0" smtClean="0">
+                <a:solidFill>
+                  <a:schemeClr val="bg2">
+                    <a:lumMod val="25000"/>
+                  </a:schemeClr>
+                </a:solidFill>
+              </a:rPr>
+              <a:t>  </a:t>
+            </a:r>
+            <a:r>
+              <a:rPr lang="en-US" dirty="0" err="1" smtClean="0">
+                <a:solidFill>
+                  <a:schemeClr val="bg2">
+                    <a:lumMod val="25000"/>
+                  </a:schemeClr>
+                </a:solidFill>
+              </a:rPr>
+              <a:t>req.reply</a:t>
+            </a:r>
+            <a:r>
+              <a:rPr lang="en-US" dirty="0" smtClean="0">
+                <a:solidFill>
+                  <a:schemeClr val="bg2">
+                    <a:lumMod val="25000"/>
+                  </a:schemeClr>
+                </a:solidFill>
+              </a:rPr>
+              <a:t>(item);</a:t>
+            </a:r>
+          </a:p>
+          <a:p>
+            <a:r>
+              <a:rPr lang="en-US" dirty="0" smtClean="0">
+                <a:solidFill>
+                  <a:schemeClr val="bg2">
+                    <a:lumMod val="25000"/>
+                  </a:schemeClr>
+                </a:solidFill>
+              </a:rPr>
+              <a:t>};</a:t>
+            </a:r>
+          </a:p>
+          <a:p>
+            <a:endParaRPr lang="en-US" dirty="0" smtClean="0">
+              <a:solidFill>
+                <a:schemeClr val="bg2">
+                  <a:lumMod val="25000"/>
+                </a:schemeClr>
+              </a:solidFill>
+            </a:endParaRPr>
+          </a:p>
+          <a:p>
+            <a:r>
+              <a:rPr lang="en-US" dirty="0" err="1"/>
+              <a:t>server.route</a:t>
+            </a:r>
+            <a:r>
+              <a:rPr lang="en-US" dirty="0"/>
+              <a:t>({</a:t>
+            </a:r>
+          </a:p>
+          <a:p>
+            <a:r>
+              <a:rPr lang="en-US" dirty="0"/>
+              <a:t>  method: 'GET',</a:t>
+            </a:r>
+          </a:p>
+          <a:p>
+            <a:r>
+              <a:rPr lang="en-US" dirty="0"/>
+              <a:t>  path: '</a:t>
+            </a:r>
+            <a:r>
+              <a:rPr lang="en-US" dirty="0" smtClean="0"/>
+              <a:t>/user/{id</a:t>
+            </a:r>
+            <a:r>
+              <a:rPr lang="en-US" b="1" dirty="0" smtClean="0">
+                <a:solidFill>
+                  <a:srgbClr val="ED7D31"/>
+                </a:solidFill>
+              </a:rPr>
+              <a:t>?</a:t>
+            </a:r>
+            <a:r>
+              <a:rPr lang="en-US" dirty="0" smtClean="0"/>
+              <a:t>}'</a:t>
+            </a:r>
+            <a:r>
+              <a:rPr lang="en-US" dirty="0"/>
+              <a:t>,</a:t>
+            </a:r>
+          </a:p>
+          <a:p>
+            <a:r>
+              <a:rPr lang="en-US" dirty="0"/>
+              <a:t>  handler: </a:t>
+            </a:r>
+            <a:r>
+              <a:rPr lang="en-US" dirty="0" smtClean="0"/>
+              <a:t>user</a:t>
+            </a:r>
+            <a:endParaRPr lang="en-US" dirty="0"/>
+          </a:p>
+          <a:p>
+            <a:r>
+              <a:rPr lang="en-US" dirty="0"/>
+              <a:t>});</a:t>
+            </a:r>
+          </a:p>
+          <a:p>
+            <a:endParaRPr lang="en-US" dirty="0">
+              <a:solidFill>
+                <a:schemeClr val="bg2">
+                  <a:lumMod val="25000"/>
+                </a:schemeClr>
+              </a:solidFill>
+            </a:endParaRPr>
+          </a:p>
+        </p:txBody>
+      </p:sp>
+    </p:spTree>
+    <p:extLst>
+      <p:ext uri="{BB962C8B-B14F-4D97-AF65-F5344CB8AC3E}">
+        <p14:creationId xmlns:p14="http://schemas.microsoft.com/office/powerpoint/2010/main" val="3220433547"/>
+      </p:ext>
+    </p:extLst>
+  </p:cSld>
+  <p:clrMapOvr>
+    <a:masterClrMapping/>
+  </p:clrMapOvr>
+  <p:timing>
+    <p:tnLst>
+      <p:par>
+        <p:cTn xmlns:p14="http://schemas.microsoft.com/office/powerpoint/2010/main" id="1" dur="indefinite" restart="never" nodeType="tmRoot"/>
+      </p:par>
+    </p:tnLst>
+  </p:timing>
+</p:sld>
+</file>
+
+<file path=ppt/slides/slide49.xml><?xml version="1.0" encoding="utf-8"?>
+<p:sld xmlns:a="http://schemas.openxmlformats.org/drawingml/2006/main" xmlns:r="http://schemas.openxmlformats.org/officeDocument/2006/relationships" xmlns:p="http://schemas.openxmlformats.org/presentationml/2006/main">
+  <p:cSld>
+    <p:spTree>
+      <p:nvGrpSpPr>
+        <p:cNvPr id="1" name=""/>
+        <p:cNvGrpSpPr/>
+        <p:nvPr/>
+      </p:nvGrpSpPr>
+      <p:grpSpPr>
+        <a:xfrm>
+          <a:off x="0" y="0"/>
+          <a:ext cx="0" cy="0"/>
+          <a:chOff x="0" y="0"/>
+          <a:chExt cx="0" cy="0"/>
+        </a:xfrm>
+      </p:grpSpPr>
+      <p:sp>
+        <p:nvSpPr>
+          <p:cNvPr id="2" name="Subtitle 1"/>
+          <p:cNvSpPr>
+            <a:spLocks noGrp="1"/>
+          </p:cNvSpPr>
+          <p:nvPr>
+            <p:ph type="subTitle" idx="1"/>
+          </p:nvPr>
+        </p:nvSpPr>
+        <p:spPr/>
+        <p:txBody>
+          <a:bodyPr>
+            <a:normAutofit/>
+          </a:bodyPr>
+          <a:lstStyle/>
+          <a:p>
+            <a:r>
+              <a:rPr lang="en-US" dirty="0" err="1">
+                <a:solidFill>
+                  <a:schemeClr val="bg2">
+                    <a:lumMod val="25000"/>
+                  </a:schemeClr>
+                </a:solidFill>
+              </a:rPr>
+              <a:t>var</a:t>
+            </a:r>
+            <a:r>
+              <a:rPr lang="en-US" dirty="0">
+                <a:solidFill>
+                  <a:schemeClr val="bg2">
+                    <a:lumMod val="25000"/>
+                  </a:schemeClr>
+                </a:solidFill>
+              </a:rPr>
+              <a:t> </a:t>
+            </a:r>
+            <a:r>
+              <a:rPr lang="en-US" dirty="0" smtClean="0">
+                <a:solidFill>
+                  <a:schemeClr val="bg2">
+                    <a:lumMod val="25000"/>
+                  </a:schemeClr>
+                </a:solidFill>
+              </a:rPr>
+              <a:t>register = </a:t>
+            </a:r>
+            <a:r>
+              <a:rPr lang="en-US" dirty="0">
+                <a:solidFill>
+                  <a:schemeClr val="bg2">
+                    <a:lumMod val="25000"/>
+                  </a:schemeClr>
+                </a:solidFill>
+              </a:rPr>
+              <a:t>function (</a:t>
+            </a:r>
+            <a:r>
+              <a:rPr lang="en-US" dirty="0" err="1">
+                <a:solidFill>
+                  <a:schemeClr val="bg2">
+                    <a:lumMod val="25000"/>
+                  </a:schemeClr>
+                </a:solidFill>
+              </a:rPr>
+              <a:t>req</a:t>
+            </a:r>
+            <a:r>
+              <a:rPr lang="en-US" dirty="0">
+                <a:solidFill>
+                  <a:schemeClr val="bg2">
+                    <a:lumMod val="25000"/>
+                  </a:schemeClr>
+                </a:solidFill>
+              </a:rPr>
+              <a:t>) </a:t>
+            </a:r>
+            <a:r>
+              <a:rPr lang="en-US" dirty="0" smtClean="0">
+                <a:solidFill>
+                  <a:schemeClr val="bg2">
+                    <a:lumMod val="25000"/>
+                  </a:schemeClr>
+                </a:solidFill>
+              </a:rPr>
+              <a:t>{</a:t>
+            </a:r>
+          </a:p>
+          <a:p>
+            <a:r>
+              <a:rPr lang="en-US" dirty="0" smtClean="0">
+                <a:solidFill>
+                  <a:schemeClr val="bg2">
+                    <a:lumMod val="25000"/>
+                  </a:schemeClr>
+                </a:solidFill>
+              </a:rPr>
+              <a:t>  // use </a:t>
+            </a:r>
+            <a:r>
+              <a:rPr lang="en-US" dirty="0" err="1" smtClean="0">
+                <a:solidFill>
+                  <a:schemeClr val="bg2">
+                    <a:lumMod val="25000"/>
+                  </a:schemeClr>
+                </a:solidFill>
+              </a:rPr>
+              <a:t>req.payload</a:t>
+            </a:r>
+            <a:r>
+              <a:rPr lang="en-US" dirty="0" smtClean="0">
+                <a:solidFill>
+                  <a:schemeClr val="bg2">
+                    <a:lumMod val="25000"/>
+                  </a:schemeClr>
+                </a:solidFill>
+              </a:rPr>
+              <a:t> to create new user</a:t>
+            </a:r>
+            <a:endParaRPr lang="en-US" dirty="0">
+              <a:solidFill>
+                <a:schemeClr val="bg2">
+                  <a:lumMod val="25000"/>
+                </a:schemeClr>
+              </a:solidFill>
+            </a:endParaRPr>
+          </a:p>
+          <a:p>
+            <a:r>
+              <a:rPr lang="en-US" dirty="0" smtClean="0">
+                <a:solidFill>
+                  <a:schemeClr val="bg2">
+                    <a:lumMod val="25000"/>
+                  </a:schemeClr>
+                </a:solidFill>
+              </a:rPr>
+              <a:t>}</a:t>
+            </a:r>
+            <a:r>
+              <a:rPr lang="en-US" dirty="0">
+                <a:solidFill>
+                  <a:schemeClr val="bg2">
+                    <a:lumMod val="25000"/>
+                  </a:schemeClr>
+                </a:solidFill>
+              </a:rPr>
+              <a:t>;</a:t>
+            </a:r>
+          </a:p>
+          <a:p>
+            <a:endParaRPr lang="en-US" dirty="0" smtClean="0"/>
+          </a:p>
+          <a:p>
+            <a:r>
+              <a:rPr lang="en-US" dirty="0" err="1" smtClean="0"/>
+              <a:t>server.route</a:t>
+            </a:r>
+            <a:r>
+              <a:rPr lang="en-US" dirty="0"/>
+              <a:t>({</a:t>
+            </a:r>
+          </a:p>
+          <a:p>
+            <a:r>
+              <a:rPr lang="en-US" dirty="0"/>
+              <a:t>  method: 'POST',</a:t>
+            </a:r>
+          </a:p>
+          <a:p>
+            <a:r>
+              <a:rPr lang="en-US" dirty="0"/>
+              <a:t>  path: '/user',</a:t>
+            </a:r>
+          </a:p>
+          <a:p>
+            <a:r>
+              <a:rPr lang="en-US" dirty="0"/>
+              <a:t>  handler: register</a:t>
+            </a:r>
+          </a:p>
+          <a:p>
+            <a:r>
+              <a:rPr lang="en-US" dirty="0"/>
+              <a:t>});</a:t>
+            </a:r>
+          </a:p>
+          <a:p>
+            <a:endParaRPr lang="en-US" dirty="0"/>
+          </a:p>
+        </p:txBody>
+      </p:sp>
+    </p:spTree>
+    <p:extLst>
+      <p:ext uri="{BB962C8B-B14F-4D97-AF65-F5344CB8AC3E}">
+        <p14:creationId xmlns:p14="http://schemas.microsoft.com/office/powerpoint/2010/main" val="1596627680"/>
+      </p:ext>
+    </p:extLst>
+  </p:cSld>
+  <p:clrMapOvr>
+    <a:masterClrMapping/>
+  </p:clrMapOvr>
 </p:sld>
 </file>
 
@@ -14800,10 +17354,10 @@
                   </a:schemeClr>
                 </a:solidFill>
               </a:rPr>
-              <a:t>    </a:t>
-            </a:r>
-            <a:r>
-              <a:rPr lang="en-US" b="1" dirty="0" err="1">
+              <a:t>  </a:t>
+            </a:r>
+            <a:r>
+              <a:rPr lang="en-US" b="1" dirty="0" err="1" smtClean="0">
                 <a:solidFill>
                   <a:schemeClr val="accent2">
                     <a:lumMod val="75000"/>
@@ -14845,14 +17399,14 @@
           </a:p>
           <a:p>
             <a:r>
-              <a:rPr lang="en-US" b="1" dirty="0">
+              <a:rPr lang="en-US" b="1" dirty="0" smtClean="0">
                 <a:solidFill>
                   <a:schemeClr val="accent2">
                     <a:lumMod val="75000"/>
                   </a:schemeClr>
                 </a:solidFill>
               </a:rPr>
-              <a:t>    </a:t>
+              <a:t>  </a:t>
             </a:r>
             <a:r>
               <a:rPr lang="en-US" b="1" dirty="0" err="1">
@@ -14892,19 +17446,29 @@
                   </a:schemeClr>
                 </a:solidFill>
               </a:rPr>
-              <a:t>};</a:t>
-            </a:r>
-          </a:p>
-          <a:p>
-            <a:r>
-              <a:rPr lang="en-US" b="1" dirty="0">
+              <a:t>}</a:t>
+            </a:r>
+            <a:r>
+              <a:rPr lang="en-US" b="1" dirty="0" smtClean="0">
                 <a:solidFill>
                   <a:schemeClr val="accent2">
                     <a:lumMod val="75000"/>
                   </a:schemeClr>
                 </a:solidFill>
               </a:rPr>
-              <a:t>    </a:t>
+              <a:t>;</a:t>
+            </a:r>
+          </a:p>
+          <a:p>
+            <a:r>
+              <a:rPr lang="en-US" b="1" dirty="0" smtClean="0">
+                <a:solidFill>
+                  <a:schemeClr val="accent2">
+                    <a:lumMod val="75000"/>
+                  </a:schemeClr>
+                </a:solidFill>
+              </a:rPr>
+              <a:t>  </a:t>
             </a:r>
             <a:r>
               <a:rPr lang="en-US" b="1" dirty="0" err="1">
@@ -14970,6 +17534,3550 @@
     <p:extLst>
       <p:ext uri="{BB962C8B-B14F-4D97-AF65-F5344CB8AC3E}">
         <p14:creationId xmlns:p14="http://schemas.microsoft.com/office/powerpoint/2010/main" val="809661657"/>
+      </p:ext>
+    </p:extLst>
+  </p:cSld>
+  <p:clrMapOvr>
+    <a:masterClrMapping/>
+  </p:clrMapOvr>
+  <p:timing>
+    <p:tnLst>
+      <p:par>
+        <p:cTn xmlns:p14="http://schemas.microsoft.com/office/powerpoint/2010/main" id="1" dur="indefinite" restart="never" nodeType="tmRoot"/>
+      </p:par>
+    </p:tnLst>
+  </p:timing>
+</p:sld>
+</file>
+
+<file path=ppt/slides/slide50.xml><?xml version="1.0" encoding="utf-8"?>
+<p:sld xmlns:a="http://schemas.openxmlformats.org/drawingml/2006/main" xmlns:r="http://schemas.openxmlformats.org/officeDocument/2006/relationships" xmlns:p="http://schemas.openxmlformats.org/presentationml/2006/main">
+  <p:cSld>
+    <p:spTree>
+      <p:nvGrpSpPr>
+        <p:cNvPr id="1" name=""/>
+        <p:cNvGrpSpPr/>
+        <p:nvPr/>
+      </p:nvGrpSpPr>
+      <p:grpSpPr>
+        <a:xfrm>
+          <a:off x="0" y="0"/>
+          <a:ext cx="0" cy="0"/>
+          <a:chOff x="0" y="0"/>
+          <a:chExt cx="0" cy="0"/>
+        </a:xfrm>
+      </p:grpSpPr>
+      <p:sp>
+        <p:nvSpPr>
+          <p:cNvPr id="2" name="Subtitle 1"/>
+          <p:cNvSpPr>
+            <a:spLocks noGrp="1"/>
+          </p:cNvSpPr>
+          <p:nvPr>
+            <p:ph type="subTitle" idx="1"/>
+          </p:nvPr>
+        </p:nvSpPr>
+        <p:spPr/>
+        <p:txBody>
+          <a:bodyPr>
+            <a:normAutofit/>
+          </a:bodyPr>
+          <a:lstStyle/>
+          <a:p>
+            <a:r>
+              <a:rPr lang="en-US" dirty="0" err="1">
+                <a:solidFill>
+                  <a:schemeClr val="bg2">
+                    <a:lumMod val="25000"/>
+                  </a:schemeClr>
+                </a:solidFill>
+              </a:rPr>
+              <a:t>var</a:t>
+            </a:r>
+            <a:r>
+              <a:rPr lang="en-US" dirty="0">
+                <a:solidFill>
+                  <a:schemeClr val="bg2">
+                    <a:lumMod val="25000"/>
+                  </a:schemeClr>
+                </a:solidFill>
+              </a:rPr>
+              <a:t> </a:t>
+            </a:r>
+            <a:r>
+              <a:rPr lang="en-US" dirty="0" smtClean="0">
+                <a:solidFill>
+                  <a:schemeClr val="bg2">
+                    <a:lumMod val="25000"/>
+                  </a:schemeClr>
+                </a:solidFill>
+              </a:rPr>
+              <a:t>register = </a:t>
+            </a:r>
+            <a:r>
+              <a:rPr lang="en-US" dirty="0">
+                <a:solidFill>
+                  <a:schemeClr val="bg2">
+                    <a:lumMod val="25000"/>
+                  </a:schemeClr>
+                </a:solidFill>
+              </a:rPr>
+              <a:t>function (</a:t>
+            </a:r>
+            <a:r>
+              <a:rPr lang="en-US" dirty="0" err="1">
+                <a:solidFill>
+                  <a:schemeClr val="bg2">
+                    <a:lumMod val="25000"/>
+                  </a:schemeClr>
+                </a:solidFill>
+              </a:rPr>
+              <a:t>req</a:t>
+            </a:r>
+            <a:r>
+              <a:rPr lang="en-US" dirty="0">
+                <a:solidFill>
+                  <a:schemeClr val="bg2">
+                    <a:lumMod val="25000"/>
+                  </a:schemeClr>
+                </a:solidFill>
+              </a:rPr>
+              <a:t>) </a:t>
+            </a:r>
+            <a:r>
+              <a:rPr lang="en-US" dirty="0" smtClean="0">
+                <a:solidFill>
+                  <a:schemeClr val="bg2">
+                    <a:lumMod val="25000"/>
+                  </a:schemeClr>
+                </a:solidFill>
+              </a:rPr>
+              <a:t>{</a:t>
+            </a:r>
+          </a:p>
+          <a:p>
+            <a:r>
+              <a:rPr lang="en-US" dirty="0" smtClean="0">
+                <a:solidFill>
+                  <a:schemeClr val="bg2">
+                    <a:lumMod val="25000"/>
+                  </a:schemeClr>
+                </a:solidFill>
+              </a:rPr>
+              <a:t>  // use </a:t>
+            </a:r>
+            <a:r>
+              <a:rPr lang="en-US" dirty="0" err="1" smtClean="0">
+                <a:solidFill>
+                  <a:schemeClr val="bg2">
+                    <a:lumMod val="25000"/>
+                  </a:schemeClr>
+                </a:solidFill>
+              </a:rPr>
+              <a:t>req.payload</a:t>
+            </a:r>
+            <a:r>
+              <a:rPr lang="en-US" dirty="0" smtClean="0">
+                <a:solidFill>
+                  <a:schemeClr val="bg2">
+                    <a:lumMod val="25000"/>
+                  </a:schemeClr>
+                </a:solidFill>
+              </a:rPr>
+              <a:t> to create new user</a:t>
+            </a:r>
+            <a:endParaRPr lang="en-US" dirty="0">
+              <a:solidFill>
+                <a:schemeClr val="bg2">
+                  <a:lumMod val="25000"/>
+                </a:schemeClr>
+              </a:solidFill>
+            </a:endParaRPr>
+          </a:p>
+          <a:p>
+            <a:r>
+              <a:rPr lang="en-US" dirty="0" smtClean="0">
+                <a:solidFill>
+                  <a:schemeClr val="bg2">
+                    <a:lumMod val="25000"/>
+                  </a:schemeClr>
+                </a:solidFill>
+              </a:rPr>
+              <a:t>}</a:t>
+            </a:r>
+            <a:r>
+              <a:rPr lang="en-US" dirty="0">
+                <a:solidFill>
+                  <a:schemeClr val="bg2">
+                    <a:lumMod val="25000"/>
+                  </a:schemeClr>
+                </a:solidFill>
+              </a:rPr>
+              <a:t>;</a:t>
+            </a:r>
+          </a:p>
+          <a:p>
+            <a:endParaRPr lang="en-US" dirty="0" smtClean="0"/>
+          </a:p>
+          <a:p>
+            <a:r>
+              <a:rPr lang="en-US" dirty="0" err="1" smtClean="0"/>
+              <a:t>server.route</a:t>
+            </a:r>
+            <a:r>
+              <a:rPr lang="en-US" dirty="0"/>
+              <a:t>({</a:t>
+            </a:r>
+          </a:p>
+          <a:p>
+            <a:r>
+              <a:rPr lang="en-US" dirty="0"/>
+              <a:t>  method: 'POST',</a:t>
+            </a:r>
+          </a:p>
+          <a:p>
+            <a:r>
+              <a:rPr lang="en-US" dirty="0"/>
+              <a:t>  path: '/user',</a:t>
+            </a:r>
+          </a:p>
+          <a:p>
+            <a:r>
+              <a:rPr lang="en-US" dirty="0"/>
+              <a:t>  handler: </a:t>
+            </a:r>
+            <a:r>
+              <a:rPr lang="en-US" dirty="0" smtClean="0"/>
+              <a:t>register,</a:t>
+            </a:r>
+          </a:p>
+          <a:p>
+            <a:r>
+              <a:rPr lang="en-US" dirty="0"/>
+              <a:t> </a:t>
+            </a:r>
+            <a:r>
+              <a:rPr lang="en-US" dirty="0" smtClean="0"/>
+              <a:t> </a:t>
+            </a:r>
+            <a:r>
+              <a:rPr lang="en-US" b="1" dirty="0" err="1" smtClean="0">
+                <a:solidFill>
+                  <a:srgbClr val="ED7D31"/>
+                </a:solidFill>
+              </a:rPr>
+              <a:t>config</a:t>
+            </a:r>
+            <a:r>
+              <a:rPr lang="en-US" b="1" dirty="0" smtClean="0">
+                <a:solidFill>
+                  <a:srgbClr val="ED7D31"/>
+                </a:solidFill>
+              </a:rPr>
+              <a:t>: {</a:t>
+            </a:r>
+          </a:p>
+          <a:p>
+            <a:r>
+              <a:rPr lang="en-US" b="1" dirty="0">
+                <a:solidFill>
+                  <a:srgbClr val="ED7D31"/>
+                </a:solidFill>
+              </a:rPr>
+              <a:t> </a:t>
+            </a:r>
+            <a:r>
+              <a:rPr lang="en-US" b="1" dirty="0" smtClean="0">
+                <a:solidFill>
+                  <a:srgbClr val="ED7D31"/>
+                </a:solidFill>
+              </a:rPr>
+              <a:t>   validate: {</a:t>
+            </a:r>
+          </a:p>
+          <a:p>
+            <a:r>
+              <a:rPr lang="en-US" b="1" dirty="0">
+                <a:solidFill>
+                  <a:srgbClr val="ED7D31"/>
+                </a:solidFill>
+              </a:rPr>
+              <a:t> </a:t>
+            </a:r>
+            <a:r>
+              <a:rPr lang="en-US" b="1" dirty="0" smtClean="0">
+                <a:solidFill>
+                  <a:srgbClr val="ED7D31"/>
+                </a:solidFill>
+              </a:rPr>
+              <a:t>     payload: {</a:t>
+            </a:r>
+          </a:p>
+          <a:p>
+            <a:r>
+              <a:rPr lang="en-US" b="1" dirty="0">
+                <a:solidFill>
+                  <a:srgbClr val="ED7D31"/>
+                </a:solidFill>
+              </a:rPr>
+              <a:t> </a:t>
+            </a:r>
+            <a:r>
+              <a:rPr lang="en-US" b="1" dirty="0" smtClean="0">
+                <a:solidFill>
+                  <a:srgbClr val="ED7D31"/>
+                </a:solidFill>
+              </a:rPr>
+              <a:t>       name: </a:t>
+            </a:r>
+            <a:r>
+              <a:rPr lang="en-US" b="1" dirty="0" err="1" smtClean="0">
+                <a:solidFill>
+                  <a:srgbClr val="ED7D31"/>
+                </a:solidFill>
+              </a:rPr>
+              <a:t>hapi.types.String</a:t>
+            </a:r>
+            <a:r>
+              <a:rPr lang="en-US" b="1" dirty="0" smtClean="0">
+                <a:solidFill>
+                  <a:srgbClr val="ED7D31"/>
+                </a:solidFill>
+              </a:rPr>
+              <a:t>().</a:t>
+            </a:r>
+            <a:r>
+              <a:rPr lang="en-US" b="1" dirty="0" err="1" smtClean="0">
+                <a:solidFill>
+                  <a:srgbClr val="ED7D31"/>
+                </a:solidFill>
+              </a:rPr>
+              <a:t>alphanum</a:t>
+            </a:r>
+            <a:r>
+              <a:rPr lang="en-US" b="1" dirty="0" smtClean="0">
+                <a:solidFill>
+                  <a:srgbClr val="ED7D31"/>
+                </a:solidFill>
+              </a:rPr>
+              <a:t>().max(30).required()</a:t>
+            </a:r>
+          </a:p>
+          <a:p>
+            <a:r>
+              <a:rPr lang="en-US" b="1" dirty="0">
+                <a:solidFill>
+                  <a:srgbClr val="ED7D31"/>
+                </a:solidFill>
+              </a:rPr>
+              <a:t> </a:t>
+            </a:r>
+            <a:r>
+              <a:rPr lang="en-US" b="1" dirty="0" smtClean="0">
+                <a:solidFill>
+                  <a:srgbClr val="ED7D31"/>
+                </a:solidFill>
+              </a:rPr>
+              <a:t>     }</a:t>
+            </a:r>
+          </a:p>
+          <a:p>
+            <a:r>
+              <a:rPr lang="en-US" b="1" dirty="0">
+                <a:solidFill>
+                  <a:srgbClr val="ED7D31"/>
+                </a:solidFill>
+              </a:rPr>
+              <a:t> </a:t>
+            </a:r>
+            <a:r>
+              <a:rPr lang="en-US" b="1" dirty="0" smtClean="0">
+                <a:solidFill>
+                  <a:srgbClr val="ED7D31"/>
+                </a:solidFill>
+              </a:rPr>
+              <a:t>   }</a:t>
+            </a:r>
+          </a:p>
+          <a:p>
+            <a:r>
+              <a:rPr lang="en-US" b="1" dirty="0">
+                <a:solidFill>
+                  <a:srgbClr val="ED7D31"/>
+                </a:solidFill>
+              </a:rPr>
+              <a:t> </a:t>
+            </a:r>
+            <a:r>
+              <a:rPr lang="en-US" b="1" dirty="0" smtClean="0">
+                <a:solidFill>
+                  <a:srgbClr val="ED7D31"/>
+                </a:solidFill>
+              </a:rPr>
+              <a:t> }</a:t>
+            </a:r>
+            <a:endParaRPr lang="en-US" b="1" dirty="0">
+              <a:solidFill>
+                <a:srgbClr val="ED7D31"/>
+              </a:solidFill>
+            </a:endParaRPr>
+          </a:p>
+          <a:p>
+            <a:r>
+              <a:rPr lang="en-US" dirty="0"/>
+              <a:t>});</a:t>
+            </a:r>
+          </a:p>
+          <a:p>
+            <a:endParaRPr lang="en-US" dirty="0"/>
+          </a:p>
+        </p:txBody>
+      </p:sp>
+    </p:spTree>
+    <p:extLst>
+      <p:ext uri="{BB962C8B-B14F-4D97-AF65-F5344CB8AC3E}">
+        <p14:creationId xmlns:p14="http://schemas.microsoft.com/office/powerpoint/2010/main" val="3447676552"/>
+      </p:ext>
+    </p:extLst>
+  </p:cSld>
+  <p:clrMapOvr>
+    <a:masterClrMapping/>
+  </p:clrMapOvr>
+</p:sld>
+</file>
+
+<file path=ppt/slides/slide51.xml><?xml version="1.0" encoding="utf-8"?>
+<p:sld xmlns:a="http://schemas.openxmlformats.org/drawingml/2006/main" xmlns:r="http://schemas.openxmlformats.org/officeDocument/2006/relationships" xmlns:p="http://schemas.openxmlformats.org/presentationml/2006/main">
+  <p:cSld>
+    <p:spTree>
+      <p:nvGrpSpPr>
+        <p:cNvPr id="1" name=""/>
+        <p:cNvGrpSpPr/>
+        <p:nvPr/>
+      </p:nvGrpSpPr>
+      <p:grpSpPr>
+        <a:xfrm>
+          <a:off x="0" y="0"/>
+          <a:ext cx="0" cy="0"/>
+          <a:chOff x="0" y="0"/>
+          <a:chExt cx="0" cy="0"/>
+        </a:xfrm>
+      </p:grpSpPr>
+      <p:sp>
+        <p:nvSpPr>
+          <p:cNvPr id="2" name="Subtitle 1"/>
+          <p:cNvSpPr>
+            <a:spLocks noGrp="1"/>
+          </p:cNvSpPr>
+          <p:nvPr>
+            <p:ph type="subTitle" idx="1"/>
+          </p:nvPr>
+        </p:nvSpPr>
+        <p:spPr>
+          <a:xfrm>
+            <a:off x="389860" y="396949"/>
+            <a:ext cx="8392633" cy="6400800"/>
+          </a:xfrm>
+        </p:spPr>
+        <p:txBody>
+          <a:bodyPr>
+            <a:normAutofit/>
+          </a:bodyPr>
+          <a:lstStyle/>
+          <a:p>
+            <a:r>
+              <a:rPr lang="en-US" dirty="0" err="1" smtClean="0">
+                <a:solidFill>
+                  <a:schemeClr val="bg2">
+                    <a:lumMod val="25000"/>
+                  </a:schemeClr>
+                </a:solidFill>
+              </a:rPr>
+              <a:t>var</a:t>
+            </a:r>
+            <a:r>
+              <a:rPr lang="en-US" dirty="0" smtClean="0">
+                <a:solidFill>
+                  <a:schemeClr val="bg2">
+                    <a:lumMod val="25000"/>
+                  </a:schemeClr>
+                </a:solidFill>
+              </a:rPr>
+              <a:t> </a:t>
+            </a:r>
+            <a:r>
+              <a:rPr lang="en-US" dirty="0">
+                <a:solidFill>
+                  <a:schemeClr val="bg2">
+                    <a:lumMod val="25000"/>
+                  </a:schemeClr>
+                </a:solidFill>
+              </a:rPr>
+              <a:t>server = new </a:t>
+            </a:r>
+            <a:r>
+              <a:rPr lang="en-US" dirty="0" err="1">
+                <a:solidFill>
+                  <a:schemeClr val="bg2">
+                    <a:lumMod val="25000"/>
+                  </a:schemeClr>
+                </a:solidFill>
+              </a:rPr>
+              <a:t>h</a:t>
+            </a:r>
+            <a:r>
+              <a:rPr lang="en-US" dirty="0" err="1" smtClean="0">
+                <a:solidFill>
+                  <a:schemeClr val="bg2">
+                    <a:lumMod val="25000"/>
+                  </a:schemeClr>
+                </a:solidFill>
+              </a:rPr>
+              <a:t>api.Server</a:t>
+            </a:r>
+            <a:r>
+              <a:rPr lang="en-US" dirty="0" smtClean="0">
+                <a:solidFill>
+                  <a:schemeClr val="bg2">
+                    <a:lumMod val="25000"/>
+                  </a:schemeClr>
+                </a:solidFill>
+              </a:rPr>
+              <a:t>(8000</a:t>
+            </a:r>
+            <a:r>
+              <a:rPr lang="en-US" dirty="0" smtClean="0">
+                <a:solidFill>
+                  <a:schemeClr val="tx1">
+                    <a:lumMod val="85000"/>
+                    <a:lumOff val="15000"/>
+                  </a:schemeClr>
+                </a:solidFill>
+              </a:rPr>
+              <a:t>);</a:t>
+            </a:r>
+            <a:endParaRPr lang="en-US" dirty="0">
+              <a:solidFill>
+                <a:schemeClr val="tx1">
+                  <a:lumMod val="85000"/>
+                  <a:lumOff val="15000"/>
+                </a:schemeClr>
+              </a:solidFill>
+            </a:endParaRPr>
+          </a:p>
+          <a:p>
+            <a:endParaRPr lang="en-US" dirty="0" smtClean="0"/>
+          </a:p>
+          <a:p>
+            <a:r>
+              <a:rPr lang="en-US" dirty="0" err="1" smtClean="0"/>
+              <a:t>var</a:t>
+            </a:r>
+            <a:r>
+              <a:rPr lang="en-US" dirty="0" smtClean="0"/>
+              <a:t> version </a:t>
+            </a:r>
+            <a:r>
+              <a:rPr lang="en-US" dirty="0"/>
+              <a:t>= </a:t>
+            </a:r>
+            <a:r>
+              <a:rPr lang="en-US" dirty="0" smtClean="0"/>
+              <a:t>function </a:t>
+            </a:r>
+            <a:r>
+              <a:rPr lang="en-US" dirty="0"/>
+              <a:t>(</a:t>
+            </a:r>
+            <a:r>
+              <a:rPr lang="en-US" dirty="0" err="1" smtClean="0"/>
+              <a:t>req</a:t>
+            </a:r>
+            <a:r>
+              <a:rPr lang="en-US" dirty="0" smtClean="0"/>
+              <a:t>) </a:t>
+            </a:r>
+            <a:r>
+              <a:rPr lang="en-US" dirty="0"/>
+              <a:t>{</a:t>
+            </a:r>
+          </a:p>
+          <a:p>
+            <a:r>
+              <a:rPr lang="en-US" dirty="0" smtClean="0"/>
+              <a:t>  </a:t>
+            </a:r>
+            <a:r>
+              <a:rPr lang="en-US" dirty="0" err="1" smtClean="0"/>
+              <a:t>req.reply</a:t>
+            </a:r>
+            <a:r>
+              <a:rPr lang="en-US" dirty="0"/>
+              <a:t>({ version: '1.0.0' })</a:t>
+            </a:r>
+            <a:r>
+              <a:rPr lang="en-US" dirty="0" smtClean="0"/>
+              <a:t>;</a:t>
+            </a:r>
+          </a:p>
+          <a:p>
+            <a:r>
+              <a:rPr lang="en-US" dirty="0" smtClean="0"/>
+              <a:t>}</a:t>
+            </a:r>
+            <a:r>
+              <a:rPr lang="en-US" dirty="0" smtClean="0"/>
+              <a:t>;</a:t>
+            </a:r>
+            <a:endParaRPr lang="en-US" dirty="0"/>
+          </a:p>
+          <a:p>
+            <a:endParaRPr lang="en-US" dirty="0" smtClean="0"/>
+          </a:p>
+          <a:p>
+            <a:endParaRPr lang="en-US" dirty="0"/>
+          </a:p>
+          <a:p>
+            <a:r>
+              <a:rPr lang="en-US" dirty="0" err="1" smtClean="0"/>
+              <a:t>server.route</a:t>
+            </a:r>
+            <a:r>
+              <a:rPr lang="en-US" dirty="0" smtClean="0"/>
+              <a:t>({</a:t>
+            </a:r>
+          </a:p>
+          <a:p>
+            <a:r>
+              <a:rPr lang="en-US" dirty="0" smtClean="0"/>
+              <a:t>  method: 'GET',</a:t>
+            </a:r>
+          </a:p>
+          <a:p>
+            <a:r>
+              <a:rPr lang="en-US" dirty="0" smtClean="0"/>
+              <a:t>  path: '</a:t>
+            </a:r>
+            <a:r>
+              <a:rPr lang="en-US" dirty="0" smtClean="0"/>
+              <a:t>/version'</a:t>
+            </a:r>
+            <a:r>
+              <a:rPr lang="en-US" dirty="0" smtClean="0"/>
+              <a:t>,</a:t>
+            </a:r>
+          </a:p>
+          <a:p>
+            <a:r>
+              <a:rPr lang="en-US" dirty="0" smtClean="0"/>
+              <a:t>  handler: </a:t>
+            </a:r>
+            <a:r>
+              <a:rPr lang="en-US" dirty="0" smtClean="0"/>
+              <a:t>version</a:t>
+            </a:r>
+            <a:endParaRPr lang="en-US" dirty="0" smtClean="0"/>
+          </a:p>
+          <a:p>
+            <a:r>
+              <a:rPr lang="en-US" dirty="0" smtClean="0"/>
+              <a:t>})</a:t>
+            </a:r>
+            <a:r>
+              <a:rPr lang="en-US" dirty="0" smtClean="0"/>
+              <a:t>;</a:t>
+            </a:r>
+            <a:endParaRPr lang="en-US" dirty="0" smtClean="0"/>
+          </a:p>
+        </p:txBody>
+      </p:sp>
+    </p:spTree>
+    <p:extLst>
+      <p:ext uri="{BB962C8B-B14F-4D97-AF65-F5344CB8AC3E}">
+        <p14:creationId xmlns:p14="http://schemas.microsoft.com/office/powerpoint/2010/main" val="2757085096"/>
+      </p:ext>
+    </p:extLst>
+  </p:cSld>
+  <p:clrMapOvr>
+    <a:masterClrMapping/>
+  </p:clrMapOvr>
+  <p:timing>
+    <p:tnLst>
+      <p:par>
+        <p:cTn xmlns:p14="http://schemas.microsoft.com/office/powerpoint/2010/main" id="1" dur="indefinite" restart="never" nodeType="tmRoot"/>
+      </p:par>
+    </p:tnLst>
+  </p:timing>
+</p:sld>
+</file>
+
+<file path=ppt/slides/slide52.xml><?xml version="1.0" encoding="utf-8"?>
+<p:sld xmlns:a="http://schemas.openxmlformats.org/drawingml/2006/main" xmlns:r="http://schemas.openxmlformats.org/officeDocument/2006/relationships" xmlns:p="http://schemas.openxmlformats.org/presentationml/2006/main">
+  <p:cSld>
+    <p:spTree>
+      <p:nvGrpSpPr>
+        <p:cNvPr id="1" name=""/>
+        <p:cNvGrpSpPr/>
+        <p:nvPr/>
+      </p:nvGrpSpPr>
+      <p:grpSpPr>
+        <a:xfrm>
+          <a:off x="0" y="0"/>
+          <a:ext cx="0" cy="0"/>
+          <a:chOff x="0" y="0"/>
+          <a:chExt cx="0" cy="0"/>
+        </a:xfrm>
+      </p:grpSpPr>
+      <p:sp>
+        <p:nvSpPr>
+          <p:cNvPr id="2" name="Subtitle 1"/>
+          <p:cNvSpPr>
+            <a:spLocks noGrp="1"/>
+          </p:cNvSpPr>
+          <p:nvPr>
+            <p:ph type="subTitle" idx="1"/>
+          </p:nvPr>
+        </p:nvSpPr>
+        <p:spPr>
+          <a:xfrm>
+            <a:off x="389860" y="396949"/>
+            <a:ext cx="8392633" cy="6400800"/>
+          </a:xfrm>
+        </p:spPr>
+        <p:txBody>
+          <a:bodyPr>
+            <a:normAutofit/>
+          </a:bodyPr>
+          <a:lstStyle/>
+          <a:p>
+            <a:r>
+              <a:rPr lang="en-US" dirty="0" err="1" smtClean="0">
+                <a:solidFill>
+                  <a:schemeClr val="bg2">
+                    <a:lumMod val="25000"/>
+                  </a:schemeClr>
+                </a:solidFill>
+              </a:rPr>
+              <a:t>var</a:t>
+            </a:r>
+            <a:r>
+              <a:rPr lang="en-US" dirty="0" smtClean="0">
+                <a:solidFill>
+                  <a:schemeClr val="bg2">
+                    <a:lumMod val="25000"/>
+                  </a:schemeClr>
+                </a:solidFill>
+              </a:rPr>
+              <a:t> </a:t>
+            </a:r>
+            <a:r>
+              <a:rPr lang="en-US" dirty="0">
+                <a:solidFill>
+                  <a:schemeClr val="bg2">
+                    <a:lumMod val="25000"/>
+                  </a:schemeClr>
+                </a:solidFill>
+              </a:rPr>
+              <a:t>server = new </a:t>
+            </a:r>
+            <a:r>
+              <a:rPr lang="en-US" dirty="0" err="1">
+                <a:solidFill>
+                  <a:schemeClr val="bg2">
+                    <a:lumMod val="25000"/>
+                  </a:schemeClr>
+                </a:solidFill>
+              </a:rPr>
+              <a:t>h</a:t>
+            </a:r>
+            <a:r>
+              <a:rPr lang="en-US" dirty="0" err="1" smtClean="0">
+                <a:solidFill>
+                  <a:schemeClr val="bg2">
+                    <a:lumMod val="25000"/>
+                  </a:schemeClr>
+                </a:solidFill>
+              </a:rPr>
+              <a:t>api.Server</a:t>
+            </a:r>
+            <a:r>
+              <a:rPr lang="en-US" dirty="0" smtClean="0">
+                <a:solidFill>
+                  <a:schemeClr val="bg2">
+                    <a:lumMod val="25000"/>
+                  </a:schemeClr>
+                </a:solidFill>
+              </a:rPr>
+              <a:t>(8000</a:t>
+            </a:r>
+            <a:r>
+              <a:rPr lang="en-US" dirty="0" smtClean="0">
+                <a:solidFill>
+                  <a:schemeClr val="tx1">
+                    <a:lumMod val="85000"/>
+                    <a:lumOff val="15000"/>
+                  </a:schemeClr>
+                </a:solidFill>
+              </a:rPr>
+              <a:t>);</a:t>
+            </a:r>
+            <a:endParaRPr lang="en-US" dirty="0">
+              <a:solidFill>
+                <a:schemeClr val="tx1">
+                  <a:lumMod val="85000"/>
+                  <a:lumOff val="15000"/>
+                </a:schemeClr>
+              </a:solidFill>
+            </a:endParaRPr>
+          </a:p>
+          <a:p>
+            <a:endParaRPr lang="en-US" dirty="0" smtClean="0"/>
+          </a:p>
+          <a:p>
+            <a:r>
+              <a:rPr lang="en-US" dirty="0" err="1" smtClean="0"/>
+              <a:t>var</a:t>
+            </a:r>
+            <a:r>
+              <a:rPr lang="en-US" dirty="0" smtClean="0"/>
+              <a:t> version </a:t>
+            </a:r>
+            <a:r>
+              <a:rPr lang="en-US" dirty="0"/>
+              <a:t>= </a:t>
+            </a:r>
+            <a:r>
+              <a:rPr lang="en-US" dirty="0" smtClean="0"/>
+              <a:t>function </a:t>
+            </a:r>
+            <a:r>
+              <a:rPr lang="en-US" dirty="0"/>
+              <a:t>(</a:t>
+            </a:r>
+            <a:r>
+              <a:rPr lang="en-US" dirty="0" err="1" smtClean="0"/>
+              <a:t>req</a:t>
+            </a:r>
+            <a:r>
+              <a:rPr lang="en-US" dirty="0" smtClean="0"/>
+              <a:t>) </a:t>
+            </a:r>
+            <a:r>
+              <a:rPr lang="en-US" dirty="0"/>
+              <a:t>{</a:t>
+            </a:r>
+          </a:p>
+          <a:p>
+            <a:r>
+              <a:rPr lang="en-US" dirty="0" smtClean="0"/>
+              <a:t>  </a:t>
+            </a:r>
+            <a:r>
+              <a:rPr lang="en-US" dirty="0" err="1" smtClean="0"/>
+              <a:t>req.reply</a:t>
+            </a:r>
+            <a:r>
+              <a:rPr lang="en-US" dirty="0"/>
+              <a:t>({ version: '1.0.0' }</a:t>
+            </a:r>
+            <a:r>
+              <a:rPr lang="en-US" dirty="0" smtClean="0"/>
+              <a:t>)</a:t>
+            </a:r>
+          </a:p>
+          <a:p>
+            <a:r>
+              <a:rPr lang="en-US" b="1" dirty="0" smtClean="0">
+                <a:solidFill>
+                  <a:schemeClr val="accent2"/>
+                </a:solidFill>
+              </a:rPr>
+              <a:t>     .header(</a:t>
+            </a:r>
+            <a:r>
+              <a:rPr lang="tr-TR" b="1" dirty="0" smtClean="0">
+                <a:solidFill>
+                  <a:schemeClr val="accent2"/>
+                </a:solidFill>
+              </a:rPr>
+              <a:t>'X-API-</a:t>
+            </a:r>
+            <a:r>
+              <a:rPr lang="tr-TR" b="1" dirty="0" err="1" smtClean="0">
+                <a:solidFill>
+                  <a:schemeClr val="accent2"/>
+                </a:solidFill>
+              </a:rPr>
+              <a:t>Version</a:t>
+            </a:r>
+            <a:r>
+              <a:rPr lang="tr-TR" b="1" dirty="0" smtClean="0">
+                <a:solidFill>
+                  <a:schemeClr val="accent2"/>
+                </a:solidFill>
+              </a:rPr>
+              <a:t>', '1.0.0')</a:t>
+            </a:r>
+            <a:r>
+              <a:rPr lang="en-US" b="1" dirty="0" smtClean="0">
+                <a:solidFill>
+                  <a:schemeClr val="accent2"/>
+                </a:solidFill>
+              </a:rPr>
+              <a:t>;</a:t>
+            </a:r>
+          </a:p>
+          <a:p>
+            <a:r>
+              <a:rPr lang="en-US" dirty="0" smtClean="0"/>
+              <a:t>}</a:t>
+            </a:r>
+            <a:r>
+              <a:rPr lang="en-US" dirty="0" smtClean="0"/>
+              <a:t>;</a:t>
+            </a:r>
+          </a:p>
+          <a:p>
+            <a:endParaRPr lang="en-US" dirty="0"/>
+          </a:p>
+          <a:p>
+            <a:r>
+              <a:rPr lang="en-US" dirty="0" err="1" smtClean="0"/>
+              <a:t>server.route</a:t>
+            </a:r>
+            <a:r>
+              <a:rPr lang="en-US" dirty="0" smtClean="0"/>
+              <a:t>(</a:t>
+            </a:r>
+            <a:r>
+              <a:rPr lang="en-US" dirty="0" smtClean="0"/>
+              <a:t>{</a:t>
+            </a:r>
+          </a:p>
+          <a:p>
+            <a:r>
+              <a:rPr lang="en-US" dirty="0" smtClean="0"/>
+              <a:t>  method: 'GET',</a:t>
+            </a:r>
+          </a:p>
+          <a:p>
+            <a:r>
+              <a:rPr lang="en-US" dirty="0" smtClean="0"/>
+              <a:t>  path: '/version',</a:t>
+            </a:r>
+          </a:p>
+          <a:p>
+            <a:r>
+              <a:rPr lang="en-US" dirty="0" smtClean="0"/>
+              <a:t>  handler: version</a:t>
+            </a:r>
+          </a:p>
+          <a:p>
+            <a:r>
+              <a:rPr lang="en-US" dirty="0" smtClean="0"/>
+              <a:t>}</a:t>
+            </a:r>
+            <a:r>
+              <a:rPr lang="en-US" dirty="0" smtClean="0"/>
+              <a:t>)</a:t>
+            </a:r>
+            <a:r>
+              <a:rPr lang="en-US" dirty="0" smtClean="0"/>
+              <a:t>;</a:t>
+            </a:r>
+            <a:endParaRPr lang="en-US" dirty="0" smtClean="0"/>
+          </a:p>
+        </p:txBody>
+      </p:sp>
+    </p:spTree>
+    <p:extLst>
+      <p:ext uri="{BB962C8B-B14F-4D97-AF65-F5344CB8AC3E}">
+        <p14:creationId xmlns:p14="http://schemas.microsoft.com/office/powerpoint/2010/main" val="607412240"/>
+      </p:ext>
+    </p:extLst>
+  </p:cSld>
+  <p:clrMapOvr>
+    <a:masterClrMapping/>
+  </p:clrMapOvr>
+  <p:timing>
+    <p:tnLst>
+      <p:par>
+        <p:cTn xmlns:p14="http://schemas.microsoft.com/office/powerpoint/2010/main" id="1" dur="indefinite" restart="never" nodeType="tmRoot"/>
+      </p:par>
+    </p:tnLst>
+  </p:timing>
+</p:sld>
+</file>
+
+<file path=ppt/slides/slide53.xml><?xml version="1.0" encoding="utf-8"?>
+<p:sld xmlns:a="http://schemas.openxmlformats.org/drawingml/2006/main" xmlns:r="http://schemas.openxmlformats.org/officeDocument/2006/relationships" xmlns:p="http://schemas.openxmlformats.org/presentationml/2006/main">
+  <p:cSld>
+    <p:spTree>
+      <p:nvGrpSpPr>
+        <p:cNvPr id="1" name=""/>
+        <p:cNvGrpSpPr/>
+        <p:nvPr/>
+      </p:nvGrpSpPr>
+      <p:grpSpPr>
+        <a:xfrm>
+          <a:off x="0" y="0"/>
+          <a:ext cx="0" cy="0"/>
+          <a:chOff x="0" y="0"/>
+          <a:chExt cx="0" cy="0"/>
+        </a:xfrm>
+      </p:grpSpPr>
+      <p:sp>
+        <p:nvSpPr>
+          <p:cNvPr id="2" name="Subtitle 1"/>
+          <p:cNvSpPr>
+            <a:spLocks noGrp="1"/>
+          </p:cNvSpPr>
+          <p:nvPr>
+            <p:ph type="subTitle" idx="1"/>
+          </p:nvPr>
+        </p:nvSpPr>
+        <p:spPr>
+          <a:xfrm>
+            <a:off x="389860" y="396949"/>
+            <a:ext cx="8392633" cy="6400800"/>
+          </a:xfrm>
+        </p:spPr>
+        <p:txBody>
+          <a:bodyPr>
+            <a:normAutofit/>
+          </a:bodyPr>
+          <a:lstStyle/>
+          <a:p>
+            <a:r>
+              <a:rPr lang="en-US" dirty="0" err="1" smtClean="0">
+                <a:solidFill>
+                  <a:schemeClr val="bg2">
+                    <a:lumMod val="25000"/>
+                  </a:schemeClr>
+                </a:solidFill>
+              </a:rPr>
+              <a:t>var</a:t>
+            </a:r>
+            <a:r>
+              <a:rPr lang="en-US" dirty="0" smtClean="0">
+                <a:solidFill>
+                  <a:schemeClr val="bg2">
+                    <a:lumMod val="25000"/>
+                  </a:schemeClr>
+                </a:solidFill>
+              </a:rPr>
+              <a:t> </a:t>
+            </a:r>
+            <a:r>
+              <a:rPr lang="en-US" dirty="0">
+                <a:solidFill>
+                  <a:schemeClr val="bg2">
+                    <a:lumMod val="25000"/>
+                  </a:schemeClr>
+                </a:solidFill>
+              </a:rPr>
+              <a:t>server = new </a:t>
+            </a:r>
+            <a:r>
+              <a:rPr lang="en-US" dirty="0" err="1">
+                <a:solidFill>
+                  <a:schemeClr val="bg2">
+                    <a:lumMod val="25000"/>
+                  </a:schemeClr>
+                </a:solidFill>
+              </a:rPr>
+              <a:t>h</a:t>
+            </a:r>
+            <a:r>
+              <a:rPr lang="en-US" dirty="0" err="1" smtClean="0">
+                <a:solidFill>
+                  <a:schemeClr val="bg2">
+                    <a:lumMod val="25000"/>
+                  </a:schemeClr>
+                </a:solidFill>
+              </a:rPr>
+              <a:t>api.Server</a:t>
+            </a:r>
+            <a:r>
+              <a:rPr lang="en-US" dirty="0" smtClean="0">
+                <a:solidFill>
+                  <a:schemeClr val="bg2">
+                    <a:lumMod val="25000"/>
+                  </a:schemeClr>
+                </a:solidFill>
+              </a:rPr>
+              <a:t>(8000</a:t>
+            </a:r>
+            <a:r>
+              <a:rPr lang="en-US" dirty="0" smtClean="0">
+                <a:solidFill>
+                  <a:schemeClr val="tx1">
+                    <a:lumMod val="85000"/>
+                    <a:lumOff val="15000"/>
+                  </a:schemeClr>
+                </a:solidFill>
+              </a:rPr>
+              <a:t>);</a:t>
+            </a:r>
+            <a:endParaRPr lang="en-US" dirty="0">
+              <a:solidFill>
+                <a:schemeClr val="tx1">
+                  <a:lumMod val="85000"/>
+                  <a:lumOff val="15000"/>
+                </a:schemeClr>
+              </a:solidFill>
+            </a:endParaRPr>
+          </a:p>
+          <a:p>
+            <a:endParaRPr lang="en-US" dirty="0" smtClean="0"/>
+          </a:p>
+          <a:p>
+            <a:r>
+              <a:rPr lang="en-US" dirty="0" err="1" smtClean="0"/>
+              <a:t>var</a:t>
+            </a:r>
+            <a:r>
+              <a:rPr lang="en-US" dirty="0" smtClean="0"/>
+              <a:t> version </a:t>
+            </a:r>
+            <a:r>
+              <a:rPr lang="en-US" dirty="0"/>
+              <a:t>= </a:t>
+            </a:r>
+            <a:r>
+              <a:rPr lang="en-US" dirty="0" smtClean="0"/>
+              <a:t>function </a:t>
+            </a:r>
+            <a:r>
+              <a:rPr lang="en-US" dirty="0"/>
+              <a:t>(</a:t>
+            </a:r>
+            <a:r>
+              <a:rPr lang="en-US" dirty="0" err="1" smtClean="0"/>
+              <a:t>req</a:t>
+            </a:r>
+            <a:r>
+              <a:rPr lang="en-US" dirty="0" smtClean="0"/>
+              <a:t>) </a:t>
+            </a:r>
+            <a:r>
+              <a:rPr lang="en-US" dirty="0"/>
+              <a:t>{</a:t>
+            </a:r>
+          </a:p>
+          <a:p>
+            <a:r>
+              <a:rPr lang="en-US" dirty="0" smtClean="0"/>
+              <a:t>  </a:t>
+            </a:r>
+            <a:r>
+              <a:rPr lang="en-US" dirty="0" err="1" smtClean="0"/>
+              <a:t>req.reply</a:t>
+            </a:r>
+            <a:r>
+              <a:rPr lang="en-US" dirty="0"/>
+              <a:t>({ version: '1.0.0' })</a:t>
+            </a:r>
+            <a:r>
+              <a:rPr lang="en-US" dirty="0" smtClean="0"/>
+              <a:t>;</a:t>
+            </a:r>
+          </a:p>
+          <a:p>
+            <a:r>
+              <a:rPr lang="en-US" dirty="0" smtClean="0"/>
+              <a:t>}</a:t>
+            </a:r>
+            <a:r>
+              <a:rPr lang="en-US" dirty="0" smtClean="0"/>
+              <a:t>;</a:t>
+            </a:r>
+            <a:endParaRPr lang="en-US" dirty="0"/>
+          </a:p>
+          <a:p>
+            <a:endParaRPr lang="en-US" dirty="0" smtClean="0"/>
+          </a:p>
+          <a:p>
+            <a:endParaRPr lang="en-US" dirty="0"/>
+          </a:p>
+          <a:p>
+            <a:r>
+              <a:rPr lang="en-US" dirty="0" err="1" smtClean="0"/>
+              <a:t>server.route</a:t>
+            </a:r>
+            <a:r>
+              <a:rPr lang="en-US" dirty="0" smtClean="0"/>
+              <a:t>({</a:t>
+            </a:r>
+          </a:p>
+          <a:p>
+            <a:r>
+              <a:rPr lang="en-US" dirty="0" smtClean="0"/>
+              <a:t>  method: 'GET',</a:t>
+            </a:r>
+          </a:p>
+          <a:p>
+            <a:r>
+              <a:rPr lang="en-US" dirty="0" smtClean="0"/>
+              <a:t>  path: '</a:t>
+            </a:r>
+            <a:r>
+              <a:rPr lang="en-US" dirty="0" smtClean="0"/>
+              <a:t>/version'</a:t>
+            </a:r>
+            <a:r>
+              <a:rPr lang="en-US" dirty="0" smtClean="0"/>
+              <a:t>,</a:t>
+            </a:r>
+          </a:p>
+          <a:p>
+            <a:r>
+              <a:rPr lang="en-US" dirty="0" smtClean="0"/>
+              <a:t>  handler: </a:t>
+            </a:r>
+            <a:r>
+              <a:rPr lang="en-US" dirty="0" smtClean="0"/>
+              <a:t>version</a:t>
+            </a:r>
+            <a:endParaRPr lang="en-US" dirty="0" smtClean="0"/>
+          </a:p>
+          <a:p>
+            <a:r>
+              <a:rPr lang="en-US" dirty="0" smtClean="0"/>
+              <a:t>})</a:t>
+            </a:r>
+            <a:r>
+              <a:rPr lang="en-US" dirty="0" smtClean="0"/>
+              <a:t>;</a:t>
+            </a:r>
+          </a:p>
+          <a:p>
+            <a:endParaRPr lang="en-US" dirty="0"/>
+          </a:p>
+          <a:p>
+            <a:r>
+              <a:rPr lang="en-US" b="1" dirty="0" err="1" smtClean="0">
+                <a:solidFill>
+                  <a:srgbClr val="ED7D31"/>
+                </a:solidFill>
+              </a:rPr>
+              <a:t>server.ext</a:t>
+            </a:r>
+            <a:r>
+              <a:rPr lang="en-US" b="1" dirty="0" smtClean="0">
+                <a:solidFill>
+                  <a:srgbClr val="ED7D31"/>
+                </a:solidFill>
+              </a:rPr>
+              <a:t>('</a:t>
+            </a:r>
+            <a:r>
+              <a:rPr lang="en-US" b="1" dirty="0" err="1" smtClean="0">
+                <a:solidFill>
+                  <a:srgbClr val="ED7D31"/>
+                </a:solidFill>
+              </a:rPr>
+              <a:t>onPreResponse</a:t>
+            </a:r>
+            <a:r>
+              <a:rPr lang="en-US" b="1" dirty="0">
+                <a:solidFill>
+                  <a:srgbClr val="ED7D31"/>
+                </a:solidFill>
+              </a:rPr>
+              <a:t>', function  (request, next) {</a:t>
+            </a:r>
+          </a:p>
+          <a:p>
+            <a:r>
+              <a:rPr lang="en-US" b="1" dirty="0">
+                <a:solidFill>
+                  <a:srgbClr val="ED7D31"/>
+                </a:solidFill>
+              </a:rPr>
+              <a:t>    </a:t>
+            </a:r>
+            <a:r>
+              <a:rPr lang="en-US" b="1" dirty="0" err="1">
+                <a:solidFill>
+                  <a:srgbClr val="ED7D31"/>
+                </a:solidFill>
+              </a:rPr>
+              <a:t>request.response</a:t>
+            </a:r>
+            <a:r>
+              <a:rPr lang="en-US" b="1" dirty="0">
+                <a:solidFill>
+                  <a:srgbClr val="ED7D31"/>
+                </a:solidFill>
+              </a:rPr>
+              <a:t>().header('X-API-Version', </a:t>
+            </a:r>
+            <a:r>
+              <a:rPr lang="en-US" b="1" dirty="0" smtClean="0">
+                <a:solidFill>
+                  <a:srgbClr val="ED7D31"/>
+                </a:solidFill>
+              </a:rPr>
+              <a:t>'1.0.0'</a:t>
+            </a:r>
+            <a:r>
+              <a:rPr lang="en-US" b="1" dirty="0">
+                <a:solidFill>
+                  <a:srgbClr val="ED7D31"/>
+                </a:solidFill>
+              </a:rPr>
+              <a:t>);</a:t>
+            </a:r>
+          </a:p>
+          <a:p>
+            <a:r>
+              <a:rPr lang="en-US" b="1" dirty="0">
+                <a:solidFill>
+                  <a:srgbClr val="ED7D31"/>
+                </a:solidFill>
+              </a:rPr>
+              <a:t>    return next();</a:t>
+            </a:r>
+          </a:p>
+          <a:p>
+            <a:r>
+              <a:rPr lang="en-US" b="1" dirty="0">
+                <a:solidFill>
+                  <a:srgbClr val="ED7D31"/>
+                </a:solidFill>
+              </a:rPr>
+              <a:t>};</a:t>
+            </a:r>
+            <a:endParaRPr lang="en-US" b="1" dirty="0" smtClean="0">
+              <a:solidFill>
+                <a:srgbClr val="ED7D31"/>
+              </a:solidFill>
+            </a:endParaRPr>
+          </a:p>
+        </p:txBody>
+      </p:sp>
+    </p:spTree>
+    <p:extLst>
+      <p:ext uri="{BB962C8B-B14F-4D97-AF65-F5344CB8AC3E}">
+        <p14:creationId xmlns:p14="http://schemas.microsoft.com/office/powerpoint/2010/main" val="3450995308"/>
+      </p:ext>
+    </p:extLst>
+  </p:cSld>
+  <p:clrMapOvr>
+    <a:masterClrMapping/>
+  </p:clrMapOvr>
+  <p:timing>
+    <p:tnLst>
+      <p:par>
+        <p:cTn xmlns:p14="http://schemas.microsoft.com/office/powerpoint/2010/main" id="1" dur="indefinite" restart="never" nodeType="tmRoot"/>
+      </p:par>
+    </p:tnLst>
+  </p:timing>
+</p:sld>
+</file>
+
+<file path=ppt/slides/slide54.xml><?xml version="1.0" encoding="utf-8"?>
+<p:sld xmlns:a="http://schemas.openxmlformats.org/drawingml/2006/main" xmlns:r="http://schemas.openxmlformats.org/officeDocument/2006/relationships" xmlns:p="http://schemas.openxmlformats.org/presentationml/2006/main">
+  <p:cSld>
+    <p:spTree>
+      <p:nvGrpSpPr>
+        <p:cNvPr id="1" name=""/>
+        <p:cNvGrpSpPr/>
+        <p:nvPr/>
+      </p:nvGrpSpPr>
+      <p:grpSpPr>
+        <a:xfrm>
+          <a:off x="0" y="0"/>
+          <a:ext cx="0" cy="0"/>
+          <a:chOff x="0" y="0"/>
+          <a:chExt cx="0" cy="0"/>
+        </a:xfrm>
+      </p:grpSpPr>
+      <p:sp>
+        <p:nvSpPr>
+          <p:cNvPr id="2" name="Subtitle 1"/>
+          <p:cNvSpPr>
+            <a:spLocks noGrp="1"/>
+          </p:cNvSpPr>
+          <p:nvPr>
+            <p:ph type="subTitle" idx="1"/>
+          </p:nvPr>
+        </p:nvSpPr>
+        <p:spPr>
+          <a:xfrm>
+            <a:off x="389860" y="396949"/>
+            <a:ext cx="8392633" cy="6400800"/>
+          </a:xfrm>
+        </p:spPr>
+        <p:txBody>
+          <a:bodyPr>
+            <a:normAutofit/>
+          </a:bodyPr>
+          <a:lstStyle/>
+          <a:p>
+            <a:r>
+              <a:rPr lang="en-US" dirty="0" err="1" smtClean="0">
+                <a:solidFill>
+                  <a:schemeClr val="bg2">
+                    <a:lumMod val="25000"/>
+                  </a:schemeClr>
+                </a:solidFill>
+              </a:rPr>
+              <a:t>var</a:t>
+            </a:r>
+            <a:r>
+              <a:rPr lang="en-US" dirty="0" smtClean="0">
+                <a:solidFill>
+                  <a:schemeClr val="bg2">
+                    <a:lumMod val="25000"/>
+                  </a:schemeClr>
+                </a:solidFill>
+              </a:rPr>
+              <a:t> </a:t>
+            </a:r>
+            <a:r>
+              <a:rPr lang="en-US" dirty="0">
+                <a:solidFill>
+                  <a:schemeClr val="bg2">
+                    <a:lumMod val="25000"/>
+                  </a:schemeClr>
+                </a:solidFill>
+              </a:rPr>
+              <a:t>server = new </a:t>
+            </a:r>
+            <a:r>
+              <a:rPr lang="en-US" dirty="0" err="1">
+                <a:solidFill>
+                  <a:schemeClr val="bg2">
+                    <a:lumMod val="25000"/>
+                  </a:schemeClr>
+                </a:solidFill>
+              </a:rPr>
+              <a:t>h</a:t>
+            </a:r>
+            <a:r>
+              <a:rPr lang="en-US" dirty="0" err="1" smtClean="0">
+                <a:solidFill>
+                  <a:schemeClr val="bg2">
+                    <a:lumMod val="25000"/>
+                  </a:schemeClr>
+                </a:solidFill>
+              </a:rPr>
+              <a:t>api.Server</a:t>
+            </a:r>
+            <a:r>
+              <a:rPr lang="en-US" dirty="0" smtClean="0">
+                <a:solidFill>
+                  <a:schemeClr val="bg2">
+                    <a:lumMod val="25000"/>
+                  </a:schemeClr>
+                </a:solidFill>
+              </a:rPr>
+              <a:t>(8000</a:t>
+            </a:r>
+            <a:r>
+              <a:rPr lang="en-US" dirty="0" smtClean="0">
+                <a:solidFill>
+                  <a:schemeClr val="tx1">
+                    <a:lumMod val="85000"/>
+                    <a:lumOff val="15000"/>
+                  </a:schemeClr>
+                </a:solidFill>
+              </a:rPr>
+              <a:t>);</a:t>
+            </a:r>
+            <a:endParaRPr lang="en-US" dirty="0">
+              <a:solidFill>
+                <a:schemeClr val="tx1">
+                  <a:lumMod val="85000"/>
+                  <a:lumOff val="15000"/>
+                </a:schemeClr>
+              </a:solidFill>
+            </a:endParaRPr>
+          </a:p>
+          <a:p>
+            <a:endParaRPr lang="en-US" dirty="0" smtClean="0"/>
+          </a:p>
+          <a:p>
+            <a:r>
+              <a:rPr lang="en-US" dirty="0" err="1" smtClean="0"/>
+              <a:t>var</a:t>
+            </a:r>
+            <a:r>
+              <a:rPr lang="en-US" dirty="0" smtClean="0"/>
+              <a:t> version </a:t>
+            </a:r>
+            <a:r>
+              <a:rPr lang="en-US" dirty="0"/>
+              <a:t>= </a:t>
+            </a:r>
+            <a:r>
+              <a:rPr lang="en-US" dirty="0" smtClean="0"/>
+              <a:t>function </a:t>
+            </a:r>
+            <a:r>
+              <a:rPr lang="en-US" dirty="0"/>
+              <a:t>(</a:t>
+            </a:r>
+            <a:r>
+              <a:rPr lang="en-US" dirty="0" err="1" smtClean="0"/>
+              <a:t>req</a:t>
+            </a:r>
+            <a:r>
+              <a:rPr lang="en-US" dirty="0" smtClean="0"/>
+              <a:t>) </a:t>
+            </a:r>
+            <a:r>
+              <a:rPr lang="en-US" dirty="0"/>
+              <a:t>{</a:t>
+            </a:r>
+          </a:p>
+          <a:p>
+            <a:r>
+              <a:rPr lang="en-US" dirty="0" smtClean="0"/>
+              <a:t>  </a:t>
+            </a:r>
+            <a:r>
+              <a:rPr lang="en-US" dirty="0" err="1" smtClean="0"/>
+              <a:t>req.reply</a:t>
+            </a:r>
+            <a:r>
+              <a:rPr lang="en-US" dirty="0"/>
+              <a:t>({ version: '1.0.0' })</a:t>
+            </a:r>
+            <a:r>
+              <a:rPr lang="en-US" dirty="0" smtClean="0"/>
+              <a:t>;</a:t>
+            </a:r>
+          </a:p>
+          <a:p>
+            <a:r>
+              <a:rPr lang="en-US" dirty="0" smtClean="0"/>
+              <a:t>}</a:t>
+            </a:r>
+            <a:r>
+              <a:rPr lang="en-US" dirty="0" smtClean="0"/>
+              <a:t>;</a:t>
+            </a:r>
+            <a:endParaRPr lang="en-US" dirty="0"/>
+          </a:p>
+          <a:p>
+            <a:endParaRPr lang="en-US" dirty="0" smtClean="0"/>
+          </a:p>
+          <a:p>
+            <a:endParaRPr lang="en-US" dirty="0"/>
+          </a:p>
+          <a:p>
+            <a:r>
+              <a:rPr lang="en-US" dirty="0" err="1" smtClean="0"/>
+              <a:t>server.route</a:t>
+            </a:r>
+            <a:r>
+              <a:rPr lang="en-US" dirty="0" smtClean="0"/>
+              <a:t>({</a:t>
+            </a:r>
+          </a:p>
+          <a:p>
+            <a:r>
+              <a:rPr lang="en-US" dirty="0" smtClean="0"/>
+              <a:t>  method: 'GET',</a:t>
+            </a:r>
+          </a:p>
+          <a:p>
+            <a:r>
+              <a:rPr lang="en-US" dirty="0" smtClean="0"/>
+              <a:t>  path: '</a:t>
+            </a:r>
+            <a:r>
+              <a:rPr lang="en-US" dirty="0" smtClean="0"/>
+              <a:t>/version'</a:t>
+            </a:r>
+            <a:r>
+              <a:rPr lang="en-US" dirty="0" smtClean="0"/>
+              <a:t>,</a:t>
+            </a:r>
+          </a:p>
+          <a:p>
+            <a:r>
+              <a:rPr lang="en-US" dirty="0" smtClean="0"/>
+              <a:t>  handler: </a:t>
+            </a:r>
+            <a:r>
+              <a:rPr lang="en-US" dirty="0" smtClean="0"/>
+              <a:t>version</a:t>
+            </a:r>
+            <a:endParaRPr lang="en-US" dirty="0" smtClean="0"/>
+          </a:p>
+          <a:p>
+            <a:r>
+              <a:rPr lang="en-US" dirty="0" smtClean="0"/>
+              <a:t>})</a:t>
+            </a:r>
+            <a:r>
+              <a:rPr lang="en-US" dirty="0" smtClean="0"/>
+              <a:t>;</a:t>
+            </a:r>
+          </a:p>
+          <a:p>
+            <a:endParaRPr lang="en-US" dirty="0"/>
+          </a:p>
+          <a:p>
+            <a:r>
+              <a:rPr lang="en-US" dirty="0" err="1" smtClean="0">
+                <a:solidFill>
+                  <a:schemeClr val="bg2">
+                    <a:lumMod val="25000"/>
+                  </a:schemeClr>
+                </a:solidFill>
+              </a:rPr>
+              <a:t>server.ext</a:t>
+            </a:r>
+            <a:r>
+              <a:rPr lang="en-US" dirty="0" smtClean="0">
+                <a:solidFill>
+                  <a:schemeClr val="bg2">
+                    <a:lumMod val="25000"/>
+                  </a:schemeClr>
+                </a:solidFill>
+              </a:rPr>
+              <a:t>('</a:t>
+            </a:r>
+            <a:r>
+              <a:rPr lang="en-US" b="1" dirty="0" err="1" smtClean="0">
+                <a:solidFill>
+                  <a:schemeClr val="accent2"/>
+                </a:solidFill>
+              </a:rPr>
+              <a:t>onPreResponse</a:t>
+            </a:r>
+            <a:r>
+              <a:rPr lang="en-US" dirty="0">
+                <a:solidFill>
+                  <a:schemeClr val="bg2">
+                    <a:lumMod val="25000"/>
+                  </a:schemeClr>
+                </a:solidFill>
+              </a:rPr>
+              <a:t>', function  (request, next) {</a:t>
+            </a:r>
+          </a:p>
+          <a:p>
+            <a:r>
+              <a:rPr lang="en-US" dirty="0">
+                <a:solidFill>
+                  <a:schemeClr val="bg2">
+                    <a:lumMod val="25000"/>
+                  </a:schemeClr>
+                </a:solidFill>
+              </a:rPr>
+              <a:t>    </a:t>
+            </a:r>
+            <a:r>
+              <a:rPr lang="en-US" dirty="0" err="1">
+                <a:solidFill>
+                  <a:schemeClr val="bg2">
+                    <a:lumMod val="25000"/>
+                  </a:schemeClr>
+                </a:solidFill>
+              </a:rPr>
+              <a:t>request.response</a:t>
+            </a:r>
+            <a:r>
+              <a:rPr lang="en-US" dirty="0">
+                <a:solidFill>
+                  <a:schemeClr val="bg2">
+                    <a:lumMod val="25000"/>
+                  </a:schemeClr>
+                </a:solidFill>
+              </a:rPr>
+              <a:t>().header('X-API-Version', </a:t>
+            </a:r>
+            <a:r>
+              <a:rPr lang="en-US" dirty="0" smtClean="0">
+                <a:solidFill>
+                  <a:schemeClr val="bg2">
+                    <a:lumMod val="25000"/>
+                  </a:schemeClr>
+                </a:solidFill>
+              </a:rPr>
+              <a:t>'1.0.0'</a:t>
+            </a:r>
+            <a:r>
+              <a:rPr lang="en-US" dirty="0">
+                <a:solidFill>
+                  <a:schemeClr val="bg2">
+                    <a:lumMod val="25000"/>
+                  </a:schemeClr>
+                </a:solidFill>
+              </a:rPr>
+              <a:t>);</a:t>
+            </a:r>
+          </a:p>
+          <a:p>
+            <a:r>
+              <a:rPr lang="en-US" dirty="0">
+                <a:solidFill>
+                  <a:schemeClr val="bg2">
+                    <a:lumMod val="25000"/>
+                  </a:schemeClr>
+                </a:solidFill>
+              </a:rPr>
+              <a:t>    return next();</a:t>
+            </a:r>
+          </a:p>
+          <a:p>
+            <a:r>
+              <a:rPr lang="en-US" dirty="0">
+                <a:solidFill>
+                  <a:schemeClr val="bg2">
+                    <a:lumMod val="25000"/>
+                  </a:schemeClr>
+                </a:solidFill>
+              </a:rPr>
+              <a:t>};</a:t>
+            </a:r>
+            <a:endParaRPr lang="en-US" dirty="0" smtClean="0">
+              <a:solidFill>
+                <a:schemeClr val="bg2">
+                  <a:lumMod val="25000"/>
+                </a:schemeClr>
+              </a:solidFill>
+            </a:endParaRPr>
+          </a:p>
+        </p:txBody>
+      </p:sp>
+      <p:sp>
+        <p:nvSpPr>
+          <p:cNvPr id="3" name="Freeform 2"/>
+          <p:cNvSpPr/>
+          <p:nvPr/>
+        </p:nvSpPr>
+        <p:spPr>
+          <a:xfrm>
+            <a:off x="2936258" y="3218837"/>
+            <a:ext cx="2647194" cy="2068682"/>
+          </a:xfrm>
+          <a:custGeom>
+            <a:avLst/>
+            <a:gdLst>
+              <a:gd name="connsiteX0" fmla="*/ 128955 w 1782423"/>
+              <a:gd name="connsiteY0" fmla="*/ 1301912 h 1301912"/>
+              <a:gd name="connsiteX1" fmla="*/ 168894 w 1782423"/>
+              <a:gd name="connsiteY1" fmla="*/ 998398 h 1301912"/>
+              <a:gd name="connsiteX2" fmla="*/ 1782423 w 1782423"/>
+              <a:gd name="connsiteY2" fmla="*/ 0 h 1301912"/>
+              <a:gd name="connsiteX0" fmla="*/ 83197 w 1736665"/>
+              <a:gd name="connsiteY0" fmla="*/ 1301912 h 1301912"/>
+              <a:gd name="connsiteX1" fmla="*/ 217961 w 1736665"/>
+              <a:gd name="connsiteY1" fmla="*/ 842570 h 1301912"/>
+              <a:gd name="connsiteX2" fmla="*/ 1736665 w 1736665"/>
+              <a:gd name="connsiteY2" fmla="*/ 0 h 1301912"/>
+              <a:gd name="connsiteX0" fmla="*/ 83197 w 1736665"/>
+              <a:gd name="connsiteY0" fmla="*/ 1301912 h 1301912"/>
+              <a:gd name="connsiteX1" fmla="*/ 217961 w 1736665"/>
+              <a:gd name="connsiteY1" fmla="*/ 842570 h 1301912"/>
+              <a:gd name="connsiteX2" fmla="*/ 1736665 w 1736665"/>
+              <a:gd name="connsiteY2" fmla="*/ 0 h 1301912"/>
+              <a:gd name="connsiteX0" fmla="*/ 37100 w 1690568"/>
+              <a:gd name="connsiteY0" fmla="*/ 1301912 h 1301912"/>
+              <a:gd name="connsiteX1" fmla="*/ 171864 w 1690568"/>
+              <a:gd name="connsiteY1" fmla="*/ 842570 h 1301912"/>
+              <a:gd name="connsiteX2" fmla="*/ 1690568 w 1690568"/>
+              <a:gd name="connsiteY2" fmla="*/ 0 h 1301912"/>
+              <a:gd name="connsiteX0" fmla="*/ 502 w 1653970"/>
+              <a:gd name="connsiteY0" fmla="*/ 1301912 h 1301912"/>
+              <a:gd name="connsiteX1" fmla="*/ 275007 w 1653970"/>
+              <a:gd name="connsiteY1" fmla="*/ 772197 h 1301912"/>
+              <a:gd name="connsiteX2" fmla="*/ 1653970 w 1653970"/>
+              <a:gd name="connsiteY2" fmla="*/ 0 h 1301912"/>
+            </a:gdLst>
+            <a:ahLst/>
+            <a:cxnLst>
+              <a:cxn ang="0">
+                <a:pos x="connsiteX0" y="connsiteY0"/>
+              </a:cxn>
+              <a:cxn ang="0">
+                <a:pos x="connsiteX1" y="connsiteY1"/>
+              </a:cxn>
+              <a:cxn ang="0">
+                <a:pos x="connsiteX2" y="connsiteY2"/>
+              </a:cxn>
+            </a:cxnLst>
+            <a:rect l="l" t="t" r="r" b="b"/>
+            <a:pathLst>
+              <a:path w="1653970" h="1301912">
+                <a:moveTo>
+                  <a:pt x="502" y="1301912"/>
+                </a:moveTo>
+                <a:cubicBezTo>
+                  <a:pt x="-2530" y="1163140"/>
+                  <a:pt x="-571" y="989182"/>
+                  <a:pt x="275007" y="772197"/>
+                </a:cubicBezTo>
+                <a:cubicBezTo>
+                  <a:pt x="550585" y="555212"/>
+                  <a:pt x="1653970" y="0"/>
+                  <a:pt x="1653970" y="0"/>
+                </a:cubicBezTo>
+              </a:path>
+            </a:pathLst>
+          </a:custGeom>
+          <a:ln>
+            <a:solidFill>
+              <a:schemeClr val="bg2">
+                <a:lumMod val="50000"/>
+              </a:schemeClr>
+            </a:solidFill>
+          </a:ln>
+        </p:spPr>
+        <p:style>
+          <a:lnRef idx="2">
+            <a:schemeClr val="accent1"/>
+          </a:lnRef>
+          <a:fillRef idx="0">
+            <a:schemeClr val="accent1"/>
+          </a:fillRef>
+          <a:effectRef idx="1">
+            <a:schemeClr val="accent1"/>
+          </a:effectRef>
+          <a:fontRef idx="minor">
+            <a:schemeClr val="tx1"/>
+          </a:fontRef>
+        </p:style>
+        <p:txBody>
+          <a:bodyPr rtlCol="0" anchor="ctr"/>
+          <a:lstStyle/>
+          <a:p>
+            <a:pPr algn="ctr"/>
+            <a:endParaRPr lang="en-US"/>
+          </a:p>
+        </p:txBody>
+      </p:sp>
+      <p:sp>
+        <p:nvSpPr>
+          <p:cNvPr id="4" name="TextBox 3"/>
+          <p:cNvSpPr txBox="1"/>
+          <p:nvPr/>
+        </p:nvSpPr>
+        <p:spPr>
+          <a:xfrm>
+            <a:off x="5687290" y="1884978"/>
+            <a:ext cx="1710725" cy="2174954"/>
+          </a:xfrm>
+          <a:prstGeom prst="rect">
+            <a:avLst/>
+          </a:prstGeom>
+          <a:noFill/>
+        </p:spPr>
+        <p:txBody>
+          <a:bodyPr wrap="none" rtlCol="0">
+            <a:spAutoFit/>
+          </a:bodyPr>
+          <a:lstStyle/>
+          <a:p>
+            <a:pPr>
+              <a:lnSpc>
+                <a:spcPct val="80000"/>
+              </a:lnSpc>
+            </a:pPr>
+            <a:r>
+              <a:rPr lang="en-US" sz="2800" dirty="0" err="1" smtClean="0">
+                <a:solidFill>
+                  <a:schemeClr val="bg2">
+                    <a:lumMod val="50000"/>
+                  </a:schemeClr>
+                </a:solidFill>
+                <a:latin typeface="Max's Handwritin"/>
+                <a:cs typeface="Max's Handwritin"/>
+              </a:rPr>
+              <a:t>onRequest</a:t>
+            </a:r>
+            <a:endParaRPr lang="en-US" sz="2800" dirty="0" smtClean="0">
+              <a:solidFill>
+                <a:schemeClr val="bg2">
+                  <a:lumMod val="50000"/>
+                </a:schemeClr>
+              </a:solidFill>
+              <a:latin typeface="Max's Handwritin"/>
+              <a:cs typeface="Max's Handwritin"/>
+            </a:endParaRPr>
+          </a:p>
+          <a:p>
+            <a:pPr>
+              <a:lnSpc>
+                <a:spcPct val="80000"/>
+              </a:lnSpc>
+            </a:pPr>
+            <a:r>
+              <a:rPr lang="en-US" sz="2800" dirty="0" err="1" smtClean="0">
+                <a:solidFill>
+                  <a:schemeClr val="bg2">
+                    <a:lumMod val="50000"/>
+                  </a:schemeClr>
+                </a:solidFill>
+                <a:latin typeface="Max's Handwritin"/>
+                <a:cs typeface="Max's Handwritin"/>
+              </a:rPr>
+              <a:t>onPreAuth</a:t>
+            </a:r>
+            <a:endParaRPr lang="en-US" sz="2800" dirty="0" smtClean="0">
+              <a:solidFill>
+                <a:schemeClr val="bg2">
+                  <a:lumMod val="50000"/>
+                </a:schemeClr>
+              </a:solidFill>
+              <a:latin typeface="Max's Handwritin"/>
+              <a:cs typeface="Max's Handwritin"/>
+            </a:endParaRPr>
+          </a:p>
+          <a:p>
+            <a:pPr>
+              <a:lnSpc>
+                <a:spcPct val="80000"/>
+              </a:lnSpc>
+            </a:pPr>
+            <a:r>
+              <a:rPr lang="en-US" sz="2800" dirty="0" err="1" smtClean="0">
+                <a:solidFill>
+                  <a:schemeClr val="bg2">
+                    <a:lumMod val="50000"/>
+                  </a:schemeClr>
+                </a:solidFill>
+                <a:latin typeface="Max's Handwritin"/>
+                <a:cs typeface="Max's Handwritin"/>
+              </a:rPr>
+              <a:t>onPostAuth</a:t>
+            </a:r>
+            <a:endParaRPr lang="en-US" sz="2800" dirty="0" smtClean="0">
+              <a:solidFill>
+                <a:schemeClr val="bg2">
+                  <a:lumMod val="50000"/>
+                </a:schemeClr>
+              </a:solidFill>
+              <a:latin typeface="Max's Handwritin"/>
+              <a:cs typeface="Max's Handwritin"/>
+            </a:endParaRPr>
+          </a:p>
+          <a:p>
+            <a:pPr>
+              <a:lnSpc>
+                <a:spcPct val="80000"/>
+              </a:lnSpc>
+            </a:pPr>
+            <a:r>
+              <a:rPr lang="en-US" sz="2800" dirty="0" err="1" smtClean="0">
+                <a:solidFill>
+                  <a:schemeClr val="bg2">
+                    <a:lumMod val="50000"/>
+                  </a:schemeClr>
+                </a:solidFill>
+                <a:latin typeface="Max's Handwritin"/>
+                <a:cs typeface="Max's Handwritin"/>
+              </a:rPr>
+              <a:t>onPreHandler</a:t>
+            </a:r>
+            <a:endParaRPr lang="en-US" sz="2800" dirty="0" smtClean="0">
+              <a:solidFill>
+                <a:schemeClr val="bg2">
+                  <a:lumMod val="50000"/>
+                </a:schemeClr>
+              </a:solidFill>
+              <a:latin typeface="Max's Handwritin"/>
+              <a:cs typeface="Max's Handwritin"/>
+            </a:endParaRPr>
+          </a:p>
+          <a:p>
+            <a:pPr>
+              <a:lnSpc>
+                <a:spcPct val="80000"/>
+              </a:lnSpc>
+            </a:pPr>
+            <a:r>
+              <a:rPr lang="en-US" sz="2800" dirty="0" err="1" smtClean="0">
+                <a:solidFill>
+                  <a:schemeClr val="bg2">
+                    <a:lumMod val="50000"/>
+                  </a:schemeClr>
+                </a:solidFill>
+                <a:latin typeface="Max's Handwritin"/>
+                <a:cs typeface="Max's Handwritin"/>
+              </a:rPr>
+              <a:t>onPostHandler</a:t>
+            </a:r>
+            <a:endParaRPr lang="en-US" sz="2800" dirty="0" smtClean="0">
+              <a:solidFill>
+                <a:schemeClr val="bg2">
+                  <a:lumMod val="50000"/>
+                </a:schemeClr>
+              </a:solidFill>
+              <a:latin typeface="Max's Handwritin"/>
+              <a:cs typeface="Max's Handwritin"/>
+            </a:endParaRPr>
+          </a:p>
+          <a:p>
+            <a:pPr>
+              <a:lnSpc>
+                <a:spcPct val="80000"/>
+              </a:lnSpc>
+            </a:pPr>
+            <a:r>
+              <a:rPr lang="en-US" sz="2800" dirty="0" err="1" smtClean="0">
+                <a:solidFill>
+                  <a:schemeClr val="bg2">
+                    <a:lumMod val="50000"/>
+                  </a:schemeClr>
+                </a:solidFill>
+                <a:latin typeface="Max's Handwritin"/>
+                <a:cs typeface="Max's Handwritin"/>
+              </a:rPr>
+              <a:t>onPreResponse</a:t>
+            </a:r>
+            <a:endParaRPr lang="en-US" sz="2800" dirty="0">
+              <a:solidFill>
+                <a:schemeClr val="bg2">
+                  <a:lumMod val="50000"/>
+                </a:schemeClr>
+              </a:solidFill>
+              <a:latin typeface="Max's Handwritin"/>
+              <a:cs typeface="Max's Handwritin"/>
+            </a:endParaRPr>
+          </a:p>
+        </p:txBody>
+      </p:sp>
+    </p:spTree>
+    <p:extLst>
+      <p:ext uri="{BB962C8B-B14F-4D97-AF65-F5344CB8AC3E}">
+        <p14:creationId xmlns:p14="http://schemas.microsoft.com/office/powerpoint/2010/main" val="3607642844"/>
+      </p:ext>
+    </p:extLst>
+  </p:cSld>
+  <p:clrMapOvr>
+    <a:masterClrMapping/>
+  </p:clrMapOvr>
+  <p:timing>
+    <p:tnLst>
+      <p:par>
+        <p:cTn xmlns:p14="http://schemas.microsoft.com/office/powerpoint/2010/main" id="1" dur="indefinite" restart="never" nodeType="tmRoot"/>
+      </p:par>
+    </p:tnLst>
+  </p:timing>
+</p:sld>
+</file>
+
+<file path=ppt/slides/slide55.xml><?xml version="1.0" encoding="utf-8"?>
+<p:sld xmlns:a="http://schemas.openxmlformats.org/drawingml/2006/main" xmlns:r="http://schemas.openxmlformats.org/officeDocument/2006/relationships" xmlns:p="http://schemas.openxmlformats.org/presentationml/2006/main">
+  <p:cSld>
+    <p:spTree>
+      <p:nvGrpSpPr>
+        <p:cNvPr id="1" name=""/>
+        <p:cNvGrpSpPr/>
+        <p:nvPr/>
+      </p:nvGrpSpPr>
+      <p:grpSpPr>
+        <a:xfrm>
+          <a:off x="0" y="0"/>
+          <a:ext cx="0" cy="0"/>
+          <a:chOff x="0" y="0"/>
+          <a:chExt cx="0" cy="0"/>
+        </a:xfrm>
+      </p:grpSpPr>
+      <p:sp>
+        <p:nvSpPr>
+          <p:cNvPr id="2" name="Subtitle 1"/>
+          <p:cNvSpPr>
+            <a:spLocks noGrp="1"/>
+          </p:cNvSpPr>
+          <p:nvPr>
+            <p:ph type="subTitle" idx="1"/>
+          </p:nvPr>
+        </p:nvSpPr>
+        <p:spPr/>
+        <p:txBody>
+          <a:bodyPr/>
+          <a:lstStyle/>
+          <a:p>
+            <a:endParaRPr lang="en-US" dirty="0" smtClean="0"/>
+          </a:p>
+          <a:p>
+            <a:endParaRPr lang="en-US" dirty="0"/>
+          </a:p>
+          <a:p>
+            <a:endParaRPr lang="en-US" dirty="0" smtClean="0"/>
+          </a:p>
+          <a:p>
+            <a:endParaRPr lang="en-US" dirty="0"/>
+          </a:p>
+          <a:p>
+            <a:endParaRPr lang="en-US" dirty="0" smtClean="0"/>
+          </a:p>
+          <a:p>
+            <a:endParaRPr lang="en-US" dirty="0"/>
+          </a:p>
+          <a:p>
+            <a:endParaRPr lang="en-US" dirty="0" smtClean="0"/>
+          </a:p>
+          <a:p>
+            <a:endParaRPr lang="en-US" dirty="0" smtClean="0"/>
+          </a:p>
+          <a:p>
+            <a:endParaRPr lang="en-US" dirty="0" smtClean="0"/>
+          </a:p>
+          <a:p>
+            <a:endParaRPr lang="en-US" dirty="0"/>
+          </a:p>
+          <a:p>
+            <a:endParaRPr lang="en-US" dirty="0"/>
+          </a:p>
+          <a:p>
+            <a:r>
+              <a:rPr lang="en-US" dirty="0" err="1"/>
+              <a:t>server.route</a:t>
+            </a:r>
+            <a:r>
+              <a:rPr lang="en-US" dirty="0"/>
+              <a:t>({</a:t>
+            </a:r>
+          </a:p>
+          <a:p>
+            <a:r>
+              <a:rPr lang="en-US" dirty="0"/>
+              <a:t>  method: 'GET',</a:t>
+            </a:r>
+          </a:p>
+          <a:p>
+            <a:r>
+              <a:rPr lang="en-US" dirty="0"/>
+              <a:t>  path: '/version',</a:t>
+            </a:r>
+          </a:p>
+          <a:p>
+            <a:r>
+              <a:rPr lang="en-US" dirty="0"/>
+              <a:t>  handler: </a:t>
+            </a:r>
+            <a:r>
+              <a:rPr lang="en-US" dirty="0" smtClean="0"/>
+              <a:t>version</a:t>
+            </a:r>
+            <a:endParaRPr lang="en-US" dirty="0"/>
+          </a:p>
+          <a:p>
+            <a:r>
+              <a:rPr lang="en-US" dirty="0" smtClean="0"/>
+              <a:t>}</a:t>
+            </a:r>
+            <a:r>
+              <a:rPr lang="en-US" dirty="0"/>
+              <a:t>);</a:t>
+            </a:r>
+          </a:p>
+          <a:p>
+            <a:endParaRPr lang="en-US" dirty="0"/>
+          </a:p>
+        </p:txBody>
+      </p:sp>
+    </p:spTree>
+    <p:extLst>
+      <p:ext uri="{BB962C8B-B14F-4D97-AF65-F5344CB8AC3E}">
+        <p14:creationId xmlns:p14="http://schemas.microsoft.com/office/powerpoint/2010/main" val="2777546301"/>
+      </p:ext>
+    </p:extLst>
+  </p:cSld>
+  <p:clrMapOvr>
+    <a:masterClrMapping/>
+  </p:clrMapOvr>
+</p:sld>
+</file>
+
+<file path=ppt/slides/slide56.xml><?xml version="1.0" encoding="utf-8"?>
+<p:sld xmlns:a="http://schemas.openxmlformats.org/drawingml/2006/main" xmlns:r="http://schemas.openxmlformats.org/officeDocument/2006/relationships" xmlns:p="http://schemas.openxmlformats.org/presentationml/2006/main">
+  <p:cSld>
+    <p:spTree>
+      <p:nvGrpSpPr>
+        <p:cNvPr id="1" name=""/>
+        <p:cNvGrpSpPr/>
+        <p:nvPr/>
+      </p:nvGrpSpPr>
+      <p:grpSpPr>
+        <a:xfrm>
+          <a:off x="0" y="0"/>
+          <a:ext cx="0" cy="0"/>
+          <a:chOff x="0" y="0"/>
+          <a:chExt cx="0" cy="0"/>
+        </a:xfrm>
+      </p:grpSpPr>
+      <p:sp>
+        <p:nvSpPr>
+          <p:cNvPr id="2" name="Subtitle 1"/>
+          <p:cNvSpPr>
+            <a:spLocks noGrp="1"/>
+          </p:cNvSpPr>
+          <p:nvPr>
+            <p:ph type="subTitle" idx="1"/>
+          </p:nvPr>
+        </p:nvSpPr>
+        <p:spPr>
+          <a:xfrm>
+            <a:off x="389860" y="396949"/>
+            <a:ext cx="8392633" cy="6400800"/>
+          </a:xfrm>
+        </p:spPr>
+        <p:txBody>
+          <a:bodyPr>
+            <a:normAutofit/>
+          </a:bodyPr>
+          <a:lstStyle/>
+          <a:p>
+            <a:r>
+              <a:rPr lang="en-US" b="1" dirty="0" err="1" smtClean="0">
+                <a:solidFill>
+                  <a:srgbClr val="ED7D31"/>
+                </a:solidFill>
+              </a:rPr>
+              <a:t>var</a:t>
+            </a:r>
+            <a:r>
+              <a:rPr lang="en-US" b="1" dirty="0" smtClean="0">
+                <a:solidFill>
+                  <a:srgbClr val="ED7D31"/>
+                </a:solidFill>
+              </a:rPr>
+              <a:t> </a:t>
+            </a:r>
+            <a:r>
+              <a:rPr lang="en-US" b="1" dirty="0">
+                <a:solidFill>
+                  <a:srgbClr val="ED7D31"/>
+                </a:solidFill>
+              </a:rPr>
+              <a:t>validate</a:t>
+            </a:r>
+            <a:r>
+              <a:rPr lang="en-US" b="1" dirty="0" smtClean="0">
+                <a:solidFill>
+                  <a:srgbClr val="ED7D31"/>
+                </a:solidFill>
+              </a:rPr>
+              <a:t> </a:t>
+            </a:r>
+            <a:r>
+              <a:rPr lang="en-US" b="1" dirty="0">
+                <a:solidFill>
+                  <a:srgbClr val="ED7D31"/>
+                </a:solidFill>
+              </a:rPr>
+              <a:t>= function (username, password, callback) {</a:t>
+            </a:r>
+          </a:p>
+          <a:p>
+            <a:r>
+              <a:rPr lang="en-US" b="1" dirty="0">
+                <a:solidFill>
+                  <a:srgbClr val="ED7D31"/>
+                </a:solidFill>
+              </a:rPr>
+              <a:t>  </a:t>
+            </a:r>
+            <a:r>
+              <a:rPr lang="en-US" b="1" dirty="0" err="1">
+                <a:solidFill>
+                  <a:srgbClr val="ED7D31"/>
+                </a:solidFill>
+              </a:rPr>
+              <a:t>var</a:t>
+            </a:r>
+            <a:r>
+              <a:rPr lang="en-US" b="1" dirty="0">
+                <a:solidFill>
+                  <a:srgbClr val="ED7D31"/>
+                </a:solidFill>
+              </a:rPr>
+              <a:t> result = (username === '</a:t>
+            </a:r>
+            <a:r>
+              <a:rPr lang="en-US" b="1" dirty="0" err="1">
+                <a:solidFill>
+                  <a:srgbClr val="ED7D31"/>
+                </a:solidFill>
+              </a:rPr>
+              <a:t>steve</a:t>
+            </a:r>
+            <a:r>
+              <a:rPr lang="en-US" b="1" dirty="0">
+                <a:solidFill>
+                  <a:srgbClr val="ED7D31"/>
+                </a:solidFill>
+              </a:rPr>
+              <a:t>' &amp;&amp; password === '12345');</a:t>
+            </a:r>
+          </a:p>
+          <a:p>
+            <a:r>
+              <a:rPr lang="en-US" b="1" dirty="0">
+                <a:solidFill>
+                  <a:srgbClr val="ED7D31"/>
+                </a:solidFill>
+              </a:rPr>
+              <a:t>  callback(null, result);</a:t>
+            </a:r>
+          </a:p>
+          <a:p>
+            <a:r>
+              <a:rPr lang="en-US" b="1" dirty="0">
+                <a:solidFill>
+                  <a:srgbClr val="ED7D31"/>
+                </a:solidFill>
+              </a:rPr>
+              <a:t>}</a:t>
+            </a:r>
+            <a:r>
+              <a:rPr lang="en-US" b="1" dirty="0" smtClean="0">
+                <a:solidFill>
+                  <a:srgbClr val="ED7D31"/>
+                </a:solidFill>
+              </a:rPr>
+              <a:t>;</a:t>
+            </a:r>
+          </a:p>
+          <a:p>
+            <a:endParaRPr lang="en-US" dirty="0"/>
+          </a:p>
+          <a:p>
+            <a:endParaRPr lang="en-US" dirty="0"/>
+          </a:p>
+          <a:p>
+            <a:endParaRPr lang="en-US" dirty="0"/>
+          </a:p>
+          <a:p>
+            <a:endParaRPr lang="en-US" dirty="0"/>
+          </a:p>
+          <a:p>
+            <a:endParaRPr lang="en-US" dirty="0"/>
+          </a:p>
+          <a:p>
+            <a:endParaRPr lang="en-US" dirty="0" smtClean="0"/>
+          </a:p>
+          <a:p>
+            <a:endParaRPr lang="en-US" dirty="0"/>
+          </a:p>
+          <a:p>
+            <a:r>
+              <a:rPr lang="en-US" dirty="0" err="1"/>
+              <a:t>server.route</a:t>
+            </a:r>
+            <a:r>
+              <a:rPr lang="en-US" dirty="0"/>
+              <a:t>({</a:t>
+            </a:r>
+          </a:p>
+          <a:p>
+            <a:r>
+              <a:rPr lang="en-US" dirty="0"/>
+              <a:t>  method: 'GET',</a:t>
+            </a:r>
+          </a:p>
+          <a:p>
+            <a:r>
+              <a:rPr lang="en-US" dirty="0"/>
+              <a:t>  path: '/version',</a:t>
+            </a:r>
+          </a:p>
+          <a:p>
+            <a:r>
+              <a:rPr lang="en-US" dirty="0"/>
+              <a:t>  handler: version</a:t>
+            </a:r>
+          </a:p>
+          <a:p>
+            <a:r>
+              <a:rPr lang="en-US" dirty="0"/>
+              <a:t>})</a:t>
+            </a:r>
+            <a:r>
+              <a:rPr lang="en-US" dirty="0" smtClean="0"/>
+              <a:t>;</a:t>
+            </a:r>
+            <a:endParaRPr lang="en-US" dirty="0"/>
+          </a:p>
+        </p:txBody>
+      </p:sp>
+    </p:spTree>
+    <p:extLst>
+      <p:ext uri="{BB962C8B-B14F-4D97-AF65-F5344CB8AC3E}">
+        <p14:creationId xmlns:p14="http://schemas.microsoft.com/office/powerpoint/2010/main" val="235815398"/>
+      </p:ext>
+    </p:extLst>
+  </p:cSld>
+  <p:clrMapOvr>
+    <a:masterClrMapping/>
+  </p:clrMapOvr>
+  <p:timing>
+    <p:tnLst>
+      <p:par>
+        <p:cTn xmlns:p14="http://schemas.microsoft.com/office/powerpoint/2010/main" id="1" dur="indefinite" restart="never" nodeType="tmRoot"/>
+      </p:par>
+    </p:tnLst>
+  </p:timing>
+</p:sld>
+</file>
+
+<file path=ppt/slides/slide57.xml><?xml version="1.0" encoding="utf-8"?>
+<p:sld xmlns:a="http://schemas.openxmlformats.org/drawingml/2006/main" xmlns:r="http://schemas.openxmlformats.org/officeDocument/2006/relationships" xmlns:p="http://schemas.openxmlformats.org/presentationml/2006/main">
+  <p:cSld>
+    <p:spTree>
+      <p:nvGrpSpPr>
+        <p:cNvPr id="1" name=""/>
+        <p:cNvGrpSpPr/>
+        <p:nvPr/>
+      </p:nvGrpSpPr>
+      <p:grpSpPr>
+        <a:xfrm>
+          <a:off x="0" y="0"/>
+          <a:ext cx="0" cy="0"/>
+          <a:chOff x="0" y="0"/>
+          <a:chExt cx="0" cy="0"/>
+        </a:xfrm>
+      </p:grpSpPr>
+      <p:sp>
+        <p:nvSpPr>
+          <p:cNvPr id="2" name="Subtitle 1"/>
+          <p:cNvSpPr>
+            <a:spLocks noGrp="1"/>
+          </p:cNvSpPr>
+          <p:nvPr>
+            <p:ph type="subTitle" idx="1"/>
+          </p:nvPr>
+        </p:nvSpPr>
+        <p:spPr>
+          <a:xfrm>
+            <a:off x="389860" y="396949"/>
+            <a:ext cx="8392633" cy="6400800"/>
+          </a:xfrm>
+        </p:spPr>
+        <p:txBody>
+          <a:bodyPr>
+            <a:normAutofit/>
+          </a:bodyPr>
+          <a:lstStyle/>
+          <a:p>
+            <a:r>
+              <a:rPr lang="en-US" dirty="0" err="1" smtClean="0">
+                <a:solidFill>
+                  <a:schemeClr val="bg2">
+                    <a:lumMod val="25000"/>
+                  </a:schemeClr>
+                </a:solidFill>
+              </a:rPr>
+              <a:t>var</a:t>
+            </a:r>
+            <a:r>
+              <a:rPr lang="en-US" dirty="0" smtClean="0">
+                <a:solidFill>
+                  <a:schemeClr val="bg2">
+                    <a:lumMod val="25000"/>
+                  </a:schemeClr>
+                </a:solidFill>
+              </a:rPr>
+              <a:t> </a:t>
+            </a:r>
+            <a:r>
+              <a:rPr lang="en-US" dirty="0"/>
+              <a:t>validate</a:t>
+            </a:r>
+            <a:r>
+              <a:rPr lang="en-US" dirty="0" smtClean="0">
+                <a:solidFill>
+                  <a:schemeClr val="bg2">
+                    <a:lumMod val="25000"/>
+                  </a:schemeClr>
+                </a:solidFill>
+              </a:rPr>
+              <a:t> </a:t>
+            </a:r>
+            <a:r>
+              <a:rPr lang="en-US" dirty="0">
+                <a:solidFill>
+                  <a:schemeClr val="bg2">
+                    <a:lumMod val="25000"/>
+                  </a:schemeClr>
+                </a:solidFill>
+              </a:rPr>
+              <a:t>= function (username, password, callback) {</a:t>
+            </a:r>
+          </a:p>
+          <a:p>
+            <a:r>
+              <a:rPr lang="en-US" dirty="0">
+                <a:solidFill>
+                  <a:schemeClr val="bg2">
+                    <a:lumMod val="25000"/>
+                  </a:schemeClr>
+                </a:solidFill>
+              </a:rPr>
+              <a:t>  </a:t>
+            </a:r>
+            <a:r>
+              <a:rPr lang="en-US" dirty="0" err="1">
+                <a:solidFill>
+                  <a:schemeClr val="bg2">
+                    <a:lumMod val="25000"/>
+                  </a:schemeClr>
+                </a:solidFill>
+              </a:rPr>
+              <a:t>var</a:t>
+            </a:r>
+            <a:r>
+              <a:rPr lang="en-US" dirty="0">
+                <a:solidFill>
+                  <a:schemeClr val="bg2">
+                    <a:lumMod val="25000"/>
+                  </a:schemeClr>
+                </a:solidFill>
+              </a:rPr>
+              <a:t> result = (username === '</a:t>
+            </a:r>
+            <a:r>
+              <a:rPr lang="en-US" dirty="0" err="1">
+                <a:solidFill>
+                  <a:schemeClr val="bg2">
+                    <a:lumMod val="25000"/>
+                  </a:schemeClr>
+                </a:solidFill>
+              </a:rPr>
+              <a:t>steve</a:t>
+            </a:r>
+            <a:r>
+              <a:rPr lang="en-US" dirty="0">
+                <a:solidFill>
+                  <a:schemeClr val="bg2">
+                    <a:lumMod val="25000"/>
+                  </a:schemeClr>
+                </a:solidFill>
+              </a:rPr>
+              <a:t>' &amp;&amp; password === '12345');</a:t>
+            </a:r>
+          </a:p>
+          <a:p>
+            <a:r>
+              <a:rPr lang="en-US" dirty="0">
+                <a:solidFill>
+                  <a:schemeClr val="bg2">
+                    <a:lumMod val="25000"/>
+                  </a:schemeClr>
+                </a:solidFill>
+              </a:rPr>
+              <a:t>  callback(null, result);</a:t>
+            </a:r>
+          </a:p>
+          <a:p>
+            <a:r>
+              <a:rPr lang="en-US" dirty="0">
+                <a:solidFill>
+                  <a:schemeClr val="bg2">
+                    <a:lumMod val="25000"/>
+                  </a:schemeClr>
+                </a:solidFill>
+              </a:rPr>
+              <a:t>};</a:t>
+            </a:r>
+          </a:p>
+          <a:p>
+            <a:endParaRPr lang="en-US" dirty="0"/>
+          </a:p>
+          <a:p>
+            <a:r>
+              <a:rPr lang="en-US" b="1" dirty="0" err="1">
+                <a:solidFill>
+                  <a:srgbClr val="ED7D31"/>
+                </a:solidFill>
+              </a:rPr>
+              <a:t>server.auth</a:t>
+            </a:r>
+            <a:r>
+              <a:rPr lang="en-US" b="1" dirty="0">
+                <a:solidFill>
+                  <a:srgbClr val="ED7D31"/>
+                </a:solidFill>
+              </a:rPr>
+              <a:t>('password', </a:t>
+            </a:r>
+            <a:r>
+              <a:rPr lang="en-US" b="1" dirty="0" smtClean="0">
+                <a:solidFill>
+                  <a:srgbClr val="ED7D31"/>
+                </a:solidFill>
+              </a:rPr>
+              <a:t>{</a:t>
+            </a:r>
+          </a:p>
+          <a:p>
+            <a:r>
+              <a:rPr lang="en-US" b="1" dirty="0" smtClean="0">
+                <a:solidFill>
+                  <a:srgbClr val="ED7D31"/>
+                </a:solidFill>
+              </a:rPr>
+              <a:t>  scheme: 'basic',</a:t>
+            </a:r>
+          </a:p>
+          <a:p>
+            <a:r>
+              <a:rPr lang="en-US" b="1" dirty="0" smtClean="0">
+                <a:solidFill>
+                  <a:srgbClr val="ED7D31"/>
+                </a:solidFill>
+              </a:rPr>
+              <a:t>  </a:t>
+            </a:r>
+            <a:r>
+              <a:rPr lang="en-US" b="1" dirty="0" err="1" smtClean="0">
+                <a:solidFill>
+                  <a:srgbClr val="ED7D31"/>
+                </a:solidFill>
+              </a:rPr>
+              <a:t>validateFunc</a:t>
+            </a:r>
+            <a:r>
+              <a:rPr lang="en-US" b="1" dirty="0" smtClean="0">
+                <a:solidFill>
+                  <a:srgbClr val="ED7D31"/>
+                </a:solidFill>
+              </a:rPr>
+              <a:t>: validate</a:t>
+            </a:r>
+          </a:p>
+          <a:p>
+            <a:r>
+              <a:rPr lang="en-US" b="1" dirty="0" smtClean="0">
+                <a:solidFill>
+                  <a:srgbClr val="ED7D31"/>
+                </a:solidFill>
+              </a:rPr>
+              <a:t>}</a:t>
+            </a:r>
+            <a:r>
+              <a:rPr lang="en-US" b="1" dirty="0">
+                <a:solidFill>
+                  <a:srgbClr val="ED7D31"/>
+                </a:solidFill>
+              </a:rPr>
+              <a:t>)</a:t>
+            </a:r>
+            <a:r>
+              <a:rPr lang="en-US" b="1" dirty="0" smtClean="0">
+                <a:solidFill>
+                  <a:srgbClr val="ED7D31"/>
+                </a:solidFill>
+              </a:rPr>
+              <a:t>;</a:t>
+            </a:r>
+          </a:p>
+          <a:p>
+            <a:endParaRPr lang="en-US" dirty="0" smtClean="0"/>
+          </a:p>
+          <a:p>
+            <a:endParaRPr lang="en-US" dirty="0"/>
+          </a:p>
+          <a:p>
+            <a:r>
+              <a:rPr lang="en-US" dirty="0" err="1"/>
+              <a:t>server.route</a:t>
+            </a:r>
+            <a:r>
+              <a:rPr lang="en-US" dirty="0"/>
+              <a:t>({</a:t>
+            </a:r>
+          </a:p>
+          <a:p>
+            <a:r>
+              <a:rPr lang="en-US" dirty="0"/>
+              <a:t>  method: 'GET',</a:t>
+            </a:r>
+          </a:p>
+          <a:p>
+            <a:r>
+              <a:rPr lang="en-US" dirty="0"/>
+              <a:t>  path: '/version',</a:t>
+            </a:r>
+          </a:p>
+          <a:p>
+            <a:r>
+              <a:rPr lang="en-US" dirty="0"/>
+              <a:t>  handler: version</a:t>
+            </a:r>
+          </a:p>
+          <a:p>
+            <a:r>
+              <a:rPr lang="en-US" dirty="0"/>
+              <a:t>})</a:t>
+            </a:r>
+            <a:r>
+              <a:rPr lang="en-US" dirty="0" smtClean="0"/>
+              <a:t>;</a:t>
+            </a:r>
+            <a:endParaRPr lang="en-US" dirty="0"/>
+          </a:p>
+        </p:txBody>
+      </p:sp>
+    </p:spTree>
+    <p:extLst>
+      <p:ext uri="{BB962C8B-B14F-4D97-AF65-F5344CB8AC3E}">
+        <p14:creationId xmlns:p14="http://schemas.microsoft.com/office/powerpoint/2010/main" val="456324268"/>
+      </p:ext>
+    </p:extLst>
+  </p:cSld>
+  <p:clrMapOvr>
+    <a:masterClrMapping/>
+  </p:clrMapOvr>
+  <p:timing>
+    <p:tnLst>
+      <p:par>
+        <p:cTn xmlns:p14="http://schemas.microsoft.com/office/powerpoint/2010/main" id="1" dur="indefinite" restart="never" nodeType="tmRoot"/>
+      </p:par>
+    </p:tnLst>
+  </p:timing>
+</p:sld>
+</file>
+
+<file path=ppt/slides/slide58.xml><?xml version="1.0" encoding="utf-8"?>
+<p:sld xmlns:a="http://schemas.openxmlformats.org/drawingml/2006/main" xmlns:r="http://schemas.openxmlformats.org/officeDocument/2006/relationships" xmlns:p="http://schemas.openxmlformats.org/presentationml/2006/main">
+  <p:cSld>
+    <p:spTree>
+      <p:nvGrpSpPr>
+        <p:cNvPr id="1" name=""/>
+        <p:cNvGrpSpPr/>
+        <p:nvPr/>
+      </p:nvGrpSpPr>
+      <p:grpSpPr>
+        <a:xfrm>
+          <a:off x="0" y="0"/>
+          <a:ext cx="0" cy="0"/>
+          <a:chOff x="0" y="0"/>
+          <a:chExt cx="0" cy="0"/>
+        </a:xfrm>
+      </p:grpSpPr>
+      <p:sp>
+        <p:nvSpPr>
+          <p:cNvPr id="2" name="Subtitle 1"/>
+          <p:cNvSpPr>
+            <a:spLocks noGrp="1"/>
+          </p:cNvSpPr>
+          <p:nvPr>
+            <p:ph type="subTitle" idx="1"/>
+          </p:nvPr>
+        </p:nvSpPr>
+        <p:spPr>
+          <a:xfrm>
+            <a:off x="389860" y="396949"/>
+            <a:ext cx="8392633" cy="6400800"/>
+          </a:xfrm>
+        </p:spPr>
+        <p:txBody>
+          <a:bodyPr>
+            <a:normAutofit/>
+          </a:bodyPr>
+          <a:lstStyle/>
+          <a:p>
+            <a:r>
+              <a:rPr lang="en-US" dirty="0" err="1" smtClean="0">
+                <a:solidFill>
+                  <a:schemeClr val="bg2">
+                    <a:lumMod val="25000"/>
+                  </a:schemeClr>
+                </a:solidFill>
+              </a:rPr>
+              <a:t>var</a:t>
+            </a:r>
+            <a:r>
+              <a:rPr lang="en-US" dirty="0" smtClean="0">
+                <a:solidFill>
+                  <a:schemeClr val="bg2">
+                    <a:lumMod val="25000"/>
+                  </a:schemeClr>
+                </a:solidFill>
+              </a:rPr>
+              <a:t> </a:t>
+            </a:r>
+            <a:r>
+              <a:rPr lang="en-US" dirty="0"/>
+              <a:t>validate</a:t>
+            </a:r>
+            <a:r>
+              <a:rPr lang="en-US" dirty="0" smtClean="0">
+                <a:solidFill>
+                  <a:schemeClr val="bg2">
+                    <a:lumMod val="25000"/>
+                  </a:schemeClr>
+                </a:solidFill>
+              </a:rPr>
+              <a:t> </a:t>
+            </a:r>
+            <a:r>
+              <a:rPr lang="en-US" dirty="0">
+                <a:solidFill>
+                  <a:schemeClr val="bg2">
+                    <a:lumMod val="25000"/>
+                  </a:schemeClr>
+                </a:solidFill>
+              </a:rPr>
+              <a:t>= function (username, password, callback) {</a:t>
+            </a:r>
+          </a:p>
+          <a:p>
+            <a:r>
+              <a:rPr lang="en-US" dirty="0">
+                <a:solidFill>
+                  <a:schemeClr val="bg2">
+                    <a:lumMod val="25000"/>
+                  </a:schemeClr>
+                </a:solidFill>
+              </a:rPr>
+              <a:t>  </a:t>
+            </a:r>
+            <a:r>
+              <a:rPr lang="en-US" dirty="0" err="1">
+                <a:solidFill>
+                  <a:schemeClr val="bg2">
+                    <a:lumMod val="25000"/>
+                  </a:schemeClr>
+                </a:solidFill>
+              </a:rPr>
+              <a:t>var</a:t>
+            </a:r>
+            <a:r>
+              <a:rPr lang="en-US" dirty="0">
+                <a:solidFill>
+                  <a:schemeClr val="bg2">
+                    <a:lumMod val="25000"/>
+                  </a:schemeClr>
+                </a:solidFill>
+              </a:rPr>
+              <a:t> result = (username === '</a:t>
+            </a:r>
+            <a:r>
+              <a:rPr lang="en-US" dirty="0" err="1">
+                <a:solidFill>
+                  <a:schemeClr val="bg2">
+                    <a:lumMod val="25000"/>
+                  </a:schemeClr>
+                </a:solidFill>
+              </a:rPr>
+              <a:t>steve</a:t>
+            </a:r>
+            <a:r>
+              <a:rPr lang="en-US" dirty="0">
+                <a:solidFill>
+                  <a:schemeClr val="bg2">
+                    <a:lumMod val="25000"/>
+                  </a:schemeClr>
+                </a:solidFill>
+              </a:rPr>
+              <a:t>' &amp;&amp; password === '12345');</a:t>
+            </a:r>
+          </a:p>
+          <a:p>
+            <a:r>
+              <a:rPr lang="en-US" dirty="0">
+                <a:solidFill>
+                  <a:schemeClr val="bg2">
+                    <a:lumMod val="25000"/>
+                  </a:schemeClr>
+                </a:solidFill>
+              </a:rPr>
+              <a:t>  callback(null, result);</a:t>
+            </a:r>
+          </a:p>
+          <a:p>
+            <a:r>
+              <a:rPr lang="en-US" dirty="0">
+                <a:solidFill>
+                  <a:schemeClr val="bg2">
+                    <a:lumMod val="25000"/>
+                  </a:schemeClr>
+                </a:solidFill>
+              </a:rPr>
+              <a:t>};</a:t>
+            </a:r>
+          </a:p>
+          <a:p>
+            <a:endParaRPr lang="en-US" dirty="0"/>
+          </a:p>
+          <a:p>
+            <a:r>
+              <a:rPr lang="en-US" b="1" dirty="0" err="1">
+                <a:solidFill>
+                  <a:srgbClr val="ED7D31"/>
+                </a:solidFill>
+              </a:rPr>
+              <a:t>server.auth</a:t>
+            </a:r>
+            <a:r>
+              <a:rPr lang="en-US" b="1" dirty="0">
+                <a:solidFill>
+                  <a:srgbClr val="ED7D31"/>
+                </a:solidFill>
+              </a:rPr>
+              <a:t>('password', </a:t>
+            </a:r>
+            <a:r>
+              <a:rPr lang="en-US" b="1" dirty="0" smtClean="0">
+                <a:solidFill>
+                  <a:srgbClr val="ED7D31"/>
+                </a:solidFill>
+              </a:rPr>
+              <a:t>{</a:t>
+            </a:r>
+          </a:p>
+          <a:p>
+            <a:r>
+              <a:rPr lang="en-US" b="1" dirty="0" smtClean="0">
+                <a:solidFill>
+                  <a:srgbClr val="ED7D31"/>
+                </a:solidFill>
+              </a:rPr>
+              <a:t>  scheme: 'basic',</a:t>
+            </a:r>
+          </a:p>
+          <a:p>
+            <a:r>
+              <a:rPr lang="en-US" b="1" dirty="0" smtClean="0">
+                <a:solidFill>
+                  <a:srgbClr val="ED7D31"/>
+                </a:solidFill>
+              </a:rPr>
+              <a:t>  </a:t>
+            </a:r>
+            <a:r>
+              <a:rPr lang="en-US" b="1" dirty="0" err="1" smtClean="0">
+                <a:solidFill>
+                  <a:srgbClr val="ED7D31"/>
+                </a:solidFill>
+              </a:rPr>
+              <a:t>validateFunc</a:t>
+            </a:r>
+            <a:r>
+              <a:rPr lang="en-US" b="1" dirty="0" smtClean="0">
+                <a:solidFill>
+                  <a:srgbClr val="ED7D31"/>
+                </a:solidFill>
+              </a:rPr>
+              <a:t>: validate</a:t>
+            </a:r>
+          </a:p>
+          <a:p>
+            <a:r>
+              <a:rPr lang="en-US" b="1" dirty="0" smtClean="0">
+                <a:solidFill>
+                  <a:srgbClr val="ED7D31"/>
+                </a:solidFill>
+              </a:rPr>
+              <a:t>}</a:t>
+            </a:r>
+            <a:r>
+              <a:rPr lang="en-US" b="1" dirty="0">
+                <a:solidFill>
+                  <a:srgbClr val="ED7D31"/>
+                </a:solidFill>
+              </a:rPr>
+              <a:t>)</a:t>
+            </a:r>
+            <a:r>
+              <a:rPr lang="en-US" b="1" dirty="0" smtClean="0">
+                <a:solidFill>
+                  <a:srgbClr val="ED7D31"/>
+                </a:solidFill>
+              </a:rPr>
+              <a:t>;</a:t>
+            </a:r>
+          </a:p>
+          <a:p>
+            <a:endParaRPr lang="en-US" dirty="0" smtClean="0"/>
+          </a:p>
+          <a:p>
+            <a:endParaRPr lang="en-US" dirty="0"/>
+          </a:p>
+          <a:p>
+            <a:r>
+              <a:rPr lang="en-US" dirty="0" err="1"/>
+              <a:t>server.route</a:t>
+            </a:r>
+            <a:r>
+              <a:rPr lang="en-US" dirty="0"/>
+              <a:t>({</a:t>
+            </a:r>
+          </a:p>
+          <a:p>
+            <a:r>
+              <a:rPr lang="en-US" dirty="0"/>
+              <a:t>  method: 'GET',</a:t>
+            </a:r>
+          </a:p>
+          <a:p>
+            <a:r>
+              <a:rPr lang="en-US" dirty="0"/>
+              <a:t>  path: '/version',</a:t>
+            </a:r>
+          </a:p>
+          <a:p>
+            <a:r>
+              <a:rPr lang="en-US" dirty="0"/>
+              <a:t>  handler: version</a:t>
+            </a:r>
+          </a:p>
+          <a:p>
+            <a:r>
+              <a:rPr lang="en-US" dirty="0"/>
+              <a:t>})</a:t>
+            </a:r>
+            <a:r>
+              <a:rPr lang="en-US" dirty="0" smtClean="0"/>
+              <a:t>;</a:t>
+            </a:r>
+            <a:endParaRPr lang="en-US" dirty="0"/>
+          </a:p>
+        </p:txBody>
+      </p:sp>
+      <p:sp>
+        <p:nvSpPr>
+          <p:cNvPr id="3" name="Freeform 2"/>
+          <p:cNvSpPr/>
+          <p:nvPr/>
+        </p:nvSpPr>
+        <p:spPr>
+          <a:xfrm rot="4518791">
+            <a:off x="3434322" y="2390290"/>
+            <a:ext cx="1476770" cy="1824976"/>
+          </a:xfrm>
+          <a:custGeom>
+            <a:avLst/>
+            <a:gdLst>
+              <a:gd name="connsiteX0" fmla="*/ 128955 w 1782423"/>
+              <a:gd name="connsiteY0" fmla="*/ 1301912 h 1301912"/>
+              <a:gd name="connsiteX1" fmla="*/ 168894 w 1782423"/>
+              <a:gd name="connsiteY1" fmla="*/ 998398 h 1301912"/>
+              <a:gd name="connsiteX2" fmla="*/ 1782423 w 1782423"/>
+              <a:gd name="connsiteY2" fmla="*/ 0 h 1301912"/>
+              <a:gd name="connsiteX0" fmla="*/ 83197 w 1736665"/>
+              <a:gd name="connsiteY0" fmla="*/ 1301912 h 1301912"/>
+              <a:gd name="connsiteX1" fmla="*/ 217961 w 1736665"/>
+              <a:gd name="connsiteY1" fmla="*/ 842570 h 1301912"/>
+              <a:gd name="connsiteX2" fmla="*/ 1736665 w 1736665"/>
+              <a:gd name="connsiteY2" fmla="*/ 0 h 1301912"/>
+              <a:gd name="connsiteX0" fmla="*/ 83197 w 1736665"/>
+              <a:gd name="connsiteY0" fmla="*/ 1301912 h 1301912"/>
+              <a:gd name="connsiteX1" fmla="*/ 217961 w 1736665"/>
+              <a:gd name="connsiteY1" fmla="*/ 842570 h 1301912"/>
+              <a:gd name="connsiteX2" fmla="*/ 1736665 w 1736665"/>
+              <a:gd name="connsiteY2" fmla="*/ 0 h 1301912"/>
+              <a:gd name="connsiteX0" fmla="*/ 37100 w 1690568"/>
+              <a:gd name="connsiteY0" fmla="*/ 1301912 h 1301912"/>
+              <a:gd name="connsiteX1" fmla="*/ 171864 w 1690568"/>
+              <a:gd name="connsiteY1" fmla="*/ 842570 h 1301912"/>
+              <a:gd name="connsiteX2" fmla="*/ 1690568 w 1690568"/>
+              <a:gd name="connsiteY2" fmla="*/ 0 h 1301912"/>
+              <a:gd name="connsiteX0" fmla="*/ 502 w 1653970"/>
+              <a:gd name="connsiteY0" fmla="*/ 1301912 h 1301912"/>
+              <a:gd name="connsiteX1" fmla="*/ 275007 w 1653970"/>
+              <a:gd name="connsiteY1" fmla="*/ 772197 h 1301912"/>
+              <a:gd name="connsiteX2" fmla="*/ 1653970 w 1653970"/>
+              <a:gd name="connsiteY2" fmla="*/ 0 h 1301912"/>
+            </a:gdLst>
+            <a:ahLst/>
+            <a:cxnLst>
+              <a:cxn ang="0">
+                <a:pos x="connsiteX0" y="connsiteY0"/>
+              </a:cxn>
+              <a:cxn ang="0">
+                <a:pos x="connsiteX1" y="connsiteY1"/>
+              </a:cxn>
+              <a:cxn ang="0">
+                <a:pos x="connsiteX2" y="connsiteY2"/>
+              </a:cxn>
+            </a:cxnLst>
+            <a:rect l="l" t="t" r="r" b="b"/>
+            <a:pathLst>
+              <a:path w="1653970" h="1301912">
+                <a:moveTo>
+                  <a:pt x="502" y="1301912"/>
+                </a:moveTo>
+                <a:cubicBezTo>
+                  <a:pt x="-2530" y="1163140"/>
+                  <a:pt x="-571" y="989182"/>
+                  <a:pt x="275007" y="772197"/>
+                </a:cubicBezTo>
+                <a:cubicBezTo>
+                  <a:pt x="550585" y="555212"/>
+                  <a:pt x="1653970" y="0"/>
+                  <a:pt x="1653970" y="0"/>
+                </a:cubicBezTo>
+              </a:path>
+            </a:pathLst>
+          </a:custGeom>
+          <a:ln>
+            <a:solidFill>
+              <a:schemeClr val="bg2">
+                <a:lumMod val="50000"/>
+              </a:schemeClr>
+            </a:solidFill>
+          </a:ln>
+        </p:spPr>
+        <p:style>
+          <a:lnRef idx="2">
+            <a:schemeClr val="accent1"/>
+          </a:lnRef>
+          <a:fillRef idx="0">
+            <a:schemeClr val="accent1"/>
+          </a:fillRef>
+          <a:effectRef idx="1">
+            <a:schemeClr val="accent1"/>
+          </a:effectRef>
+          <a:fontRef idx="minor">
+            <a:schemeClr val="tx1"/>
+          </a:fontRef>
+        </p:style>
+        <p:txBody>
+          <a:bodyPr rtlCol="0" anchor="ctr"/>
+          <a:lstStyle/>
+          <a:p>
+            <a:pPr algn="ctr"/>
+            <a:endParaRPr lang="en-US"/>
+          </a:p>
+        </p:txBody>
+      </p:sp>
+      <p:sp>
+        <p:nvSpPr>
+          <p:cNvPr id="4" name="TextBox 3"/>
+          <p:cNvSpPr txBox="1"/>
+          <p:nvPr/>
+        </p:nvSpPr>
+        <p:spPr>
+          <a:xfrm>
+            <a:off x="5402368" y="3260853"/>
+            <a:ext cx="825867" cy="1485535"/>
+          </a:xfrm>
+          <a:prstGeom prst="rect">
+            <a:avLst/>
+          </a:prstGeom>
+          <a:noFill/>
+        </p:spPr>
+        <p:txBody>
+          <a:bodyPr wrap="none" rtlCol="0">
+            <a:spAutoFit/>
+          </a:bodyPr>
+          <a:lstStyle/>
+          <a:p>
+            <a:pPr>
+              <a:lnSpc>
+                <a:spcPct val="80000"/>
+              </a:lnSpc>
+            </a:pPr>
+            <a:r>
+              <a:rPr lang="en-US" sz="2800" dirty="0" smtClean="0">
+                <a:solidFill>
+                  <a:schemeClr val="bg2">
+                    <a:lumMod val="50000"/>
+                  </a:schemeClr>
+                </a:solidFill>
+                <a:latin typeface="Max's Handwritin"/>
+                <a:cs typeface="Max's Handwritin"/>
+              </a:rPr>
+              <a:t>basic</a:t>
+            </a:r>
+          </a:p>
+          <a:p>
+            <a:pPr>
+              <a:lnSpc>
+                <a:spcPct val="80000"/>
+              </a:lnSpc>
+            </a:pPr>
+            <a:r>
+              <a:rPr lang="en-US" sz="2800" dirty="0" smtClean="0">
+                <a:solidFill>
+                  <a:schemeClr val="bg2">
+                    <a:lumMod val="50000"/>
+                  </a:schemeClr>
+                </a:solidFill>
+                <a:latin typeface="Max's Handwritin"/>
+                <a:cs typeface="Max's Handwritin"/>
+              </a:rPr>
+              <a:t>cookie</a:t>
+            </a:r>
+          </a:p>
+          <a:p>
+            <a:pPr>
+              <a:lnSpc>
+                <a:spcPct val="80000"/>
+              </a:lnSpc>
+            </a:pPr>
+            <a:r>
+              <a:rPr lang="en-US" sz="2800" dirty="0" smtClean="0">
+                <a:solidFill>
+                  <a:schemeClr val="bg2">
+                    <a:lumMod val="50000"/>
+                  </a:schemeClr>
+                </a:solidFill>
+                <a:latin typeface="Max's Handwritin"/>
+                <a:cs typeface="Max's Handwritin"/>
+              </a:rPr>
+              <a:t>hawk</a:t>
+            </a:r>
+          </a:p>
+          <a:p>
+            <a:pPr>
+              <a:lnSpc>
+                <a:spcPct val="80000"/>
+              </a:lnSpc>
+            </a:pPr>
+            <a:r>
+              <a:rPr lang="en-US" sz="2800" dirty="0" err="1" smtClean="0">
+                <a:solidFill>
+                  <a:schemeClr val="bg2">
+                    <a:lumMod val="50000"/>
+                  </a:schemeClr>
+                </a:solidFill>
+                <a:latin typeface="Max's Handwritin"/>
+                <a:cs typeface="Max's Handwritin"/>
+              </a:rPr>
+              <a:t>bewit</a:t>
+            </a:r>
+            <a:endParaRPr lang="en-US" sz="2800" dirty="0">
+              <a:solidFill>
+                <a:schemeClr val="bg2">
+                  <a:lumMod val="50000"/>
+                </a:schemeClr>
+              </a:solidFill>
+              <a:latin typeface="Max's Handwritin"/>
+              <a:cs typeface="Max's Handwritin"/>
+            </a:endParaRPr>
+          </a:p>
+        </p:txBody>
+      </p:sp>
+    </p:spTree>
+    <p:extLst>
+      <p:ext uri="{BB962C8B-B14F-4D97-AF65-F5344CB8AC3E}">
+        <p14:creationId xmlns:p14="http://schemas.microsoft.com/office/powerpoint/2010/main" val="3213682398"/>
+      </p:ext>
+    </p:extLst>
+  </p:cSld>
+  <p:clrMapOvr>
+    <a:masterClrMapping/>
+  </p:clrMapOvr>
+  <p:timing>
+    <p:tnLst>
+      <p:par>
+        <p:cTn xmlns:p14="http://schemas.microsoft.com/office/powerpoint/2010/main" id="1" dur="indefinite" restart="never" nodeType="tmRoot"/>
+      </p:par>
+    </p:tnLst>
+  </p:timing>
+</p:sld>
+</file>
+
+<file path=ppt/slides/slide59.xml><?xml version="1.0" encoding="utf-8"?>
+<p:sld xmlns:a="http://schemas.openxmlformats.org/drawingml/2006/main" xmlns:r="http://schemas.openxmlformats.org/officeDocument/2006/relationships" xmlns:p="http://schemas.openxmlformats.org/presentationml/2006/main">
+  <p:cSld>
+    <p:spTree>
+      <p:nvGrpSpPr>
+        <p:cNvPr id="1" name=""/>
+        <p:cNvGrpSpPr/>
+        <p:nvPr/>
+      </p:nvGrpSpPr>
+      <p:grpSpPr>
+        <a:xfrm>
+          <a:off x="0" y="0"/>
+          <a:ext cx="0" cy="0"/>
+          <a:chOff x="0" y="0"/>
+          <a:chExt cx="0" cy="0"/>
+        </a:xfrm>
+      </p:grpSpPr>
+      <p:sp>
+        <p:nvSpPr>
+          <p:cNvPr id="2" name="Subtitle 1"/>
+          <p:cNvSpPr>
+            <a:spLocks noGrp="1"/>
+          </p:cNvSpPr>
+          <p:nvPr>
+            <p:ph type="subTitle" idx="1"/>
+          </p:nvPr>
+        </p:nvSpPr>
+        <p:spPr>
+          <a:xfrm>
+            <a:off x="389860" y="396949"/>
+            <a:ext cx="8392633" cy="6400800"/>
+          </a:xfrm>
+        </p:spPr>
+        <p:txBody>
+          <a:bodyPr>
+            <a:normAutofit/>
+          </a:bodyPr>
+          <a:lstStyle/>
+          <a:p>
+            <a:r>
+              <a:rPr lang="en-US" dirty="0" err="1" smtClean="0">
+                <a:solidFill>
+                  <a:schemeClr val="bg2">
+                    <a:lumMod val="25000"/>
+                  </a:schemeClr>
+                </a:solidFill>
+              </a:rPr>
+              <a:t>var</a:t>
+            </a:r>
+            <a:r>
+              <a:rPr lang="en-US" dirty="0" smtClean="0">
+                <a:solidFill>
+                  <a:schemeClr val="bg2">
+                    <a:lumMod val="25000"/>
+                  </a:schemeClr>
+                </a:solidFill>
+              </a:rPr>
+              <a:t> </a:t>
+            </a:r>
+            <a:r>
+              <a:rPr lang="en-US" dirty="0"/>
+              <a:t>validate</a:t>
+            </a:r>
+            <a:r>
+              <a:rPr lang="en-US" dirty="0" smtClean="0">
+                <a:solidFill>
+                  <a:schemeClr val="bg2">
+                    <a:lumMod val="25000"/>
+                  </a:schemeClr>
+                </a:solidFill>
+              </a:rPr>
+              <a:t> </a:t>
+            </a:r>
+            <a:r>
+              <a:rPr lang="en-US" dirty="0">
+                <a:solidFill>
+                  <a:schemeClr val="bg2">
+                    <a:lumMod val="25000"/>
+                  </a:schemeClr>
+                </a:solidFill>
+              </a:rPr>
+              <a:t>= function (username, password, callback) {</a:t>
+            </a:r>
+          </a:p>
+          <a:p>
+            <a:r>
+              <a:rPr lang="en-US" dirty="0">
+                <a:solidFill>
+                  <a:schemeClr val="bg2">
+                    <a:lumMod val="25000"/>
+                  </a:schemeClr>
+                </a:solidFill>
+              </a:rPr>
+              <a:t>  </a:t>
+            </a:r>
+            <a:r>
+              <a:rPr lang="en-US" dirty="0" err="1">
+                <a:solidFill>
+                  <a:schemeClr val="bg2">
+                    <a:lumMod val="25000"/>
+                  </a:schemeClr>
+                </a:solidFill>
+              </a:rPr>
+              <a:t>var</a:t>
+            </a:r>
+            <a:r>
+              <a:rPr lang="en-US" dirty="0">
+                <a:solidFill>
+                  <a:schemeClr val="bg2">
+                    <a:lumMod val="25000"/>
+                  </a:schemeClr>
+                </a:solidFill>
+              </a:rPr>
+              <a:t> result = (username === '</a:t>
+            </a:r>
+            <a:r>
+              <a:rPr lang="en-US" dirty="0" err="1">
+                <a:solidFill>
+                  <a:schemeClr val="bg2">
+                    <a:lumMod val="25000"/>
+                  </a:schemeClr>
+                </a:solidFill>
+              </a:rPr>
+              <a:t>steve</a:t>
+            </a:r>
+            <a:r>
+              <a:rPr lang="en-US" dirty="0">
+                <a:solidFill>
+                  <a:schemeClr val="bg2">
+                    <a:lumMod val="25000"/>
+                  </a:schemeClr>
+                </a:solidFill>
+              </a:rPr>
+              <a:t>' &amp;&amp; password === '12345');</a:t>
+            </a:r>
+          </a:p>
+          <a:p>
+            <a:r>
+              <a:rPr lang="en-US" dirty="0">
+                <a:solidFill>
+                  <a:schemeClr val="bg2">
+                    <a:lumMod val="25000"/>
+                  </a:schemeClr>
+                </a:solidFill>
+              </a:rPr>
+              <a:t>  callback(null, result);</a:t>
+            </a:r>
+          </a:p>
+          <a:p>
+            <a:r>
+              <a:rPr lang="en-US" dirty="0">
+                <a:solidFill>
+                  <a:schemeClr val="bg2">
+                    <a:lumMod val="25000"/>
+                  </a:schemeClr>
+                </a:solidFill>
+              </a:rPr>
+              <a:t>};</a:t>
+            </a:r>
+          </a:p>
+          <a:p>
+            <a:endParaRPr lang="en-US" dirty="0"/>
+          </a:p>
+          <a:p>
+            <a:r>
+              <a:rPr lang="en-US" dirty="0" err="1"/>
+              <a:t>server.auth</a:t>
+            </a:r>
+            <a:r>
+              <a:rPr lang="en-US" dirty="0"/>
+              <a:t>('password', </a:t>
+            </a:r>
+            <a:r>
+              <a:rPr lang="en-US" dirty="0" smtClean="0"/>
+              <a:t>{</a:t>
+            </a:r>
+          </a:p>
+          <a:p>
+            <a:r>
+              <a:rPr lang="en-US" dirty="0" smtClean="0"/>
+              <a:t>  scheme: 'basic',</a:t>
+            </a:r>
+          </a:p>
+          <a:p>
+            <a:r>
+              <a:rPr lang="en-US" dirty="0" smtClean="0"/>
+              <a:t>  </a:t>
+            </a:r>
+            <a:r>
+              <a:rPr lang="en-US" dirty="0" err="1" smtClean="0"/>
+              <a:t>validateFunc</a:t>
+            </a:r>
+            <a:r>
+              <a:rPr lang="en-US" dirty="0" smtClean="0"/>
+              <a:t>: validate,</a:t>
+            </a:r>
+          </a:p>
+          <a:p>
+            <a:r>
+              <a:rPr lang="en-US" b="1" dirty="0" smtClean="0">
+                <a:solidFill>
+                  <a:srgbClr val="ED7D31"/>
+                </a:solidFill>
+              </a:rPr>
+              <a:t> </a:t>
+            </a:r>
+            <a:r>
+              <a:rPr lang="en-US" b="1" dirty="0">
+                <a:solidFill>
+                  <a:srgbClr val="ED7D31"/>
+                </a:solidFill>
+              </a:rPr>
+              <a:t> </a:t>
+            </a:r>
+            <a:r>
+              <a:rPr lang="en-US" b="1" dirty="0" err="1" smtClean="0">
+                <a:solidFill>
+                  <a:srgbClr val="ED7D31"/>
+                </a:solidFill>
+              </a:rPr>
+              <a:t>defaultMode</a:t>
+            </a:r>
+            <a:r>
+              <a:rPr lang="en-US" b="1" dirty="0" smtClean="0">
+                <a:solidFill>
+                  <a:srgbClr val="ED7D31"/>
+                </a:solidFill>
+              </a:rPr>
+              <a:t>: true</a:t>
+            </a:r>
+          </a:p>
+          <a:p>
+            <a:r>
+              <a:rPr lang="en-US" dirty="0" smtClean="0"/>
+              <a:t>}</a:t>
+            </a:r>
+            <a:r>
+              <a:rPr lang="en-US" dirty="0"/>
+              <a:t>);</a:t>
+            </a:r>
+          </a:p>
+          <a:p>
+            <a:endParaRPr lang="en-US" dirty="0"/>
+          </a:p>
+          <a:p>
+            <a:r>
+              <a:rPr lang="en-US" dirty="0" err="1" smtClean="0"/>
+              <a:t>server.route</a:t>
+            </a:r>
+            <a:r>
+              <a:rPr lang="en-US" dirty="0" smtClean="0"/>
+              <a:t>({</a:t>
+            </a:r>
+          </a:p>
+          <a:p>
+            <a:r>
+              <a:rPr lang="en-US" dirty="0" smtClean="0"/>
+              <a:t>  method: 'GET',</a:t>
+            </a:r>
+          </a:p>
+          <a:p>
+            <a:r>
+              <a:rPr lang="en-US" dirty="0" smtClean="0"/>
+              <a:t>  path: '</a:t>
+            </a:r>
+            <a:r>
+              <a:rPr lang="en-US" dirty="0" smtClean="0"/>
+              <a:t>/version'</a:t>
+            </a:r>
+            <a:r>
+              <a:rPr lang="en-US" dirty="0" smtClean="0"/>
+              <a:t>,</a:t>
+            </a:r>
+          </a:p>
+          <a:p>
+            <a:r>
+              <a:rPr lang="en-US" dirty="0" smtClean="0"/>
+              <a:t>  handler: </a:t>
+            </a:r>
+            <a:r>
+              <a:rPr lang="en-US" dirty="0" smtClean="0"/>
+              <a:t>version</a:t>
+            </a:r>
+          </a:p>
+          <a:p>
+            <a:r>
+              <a:rPr lang="en-US" dirty="0" smtClean="0"/>
+              <a:t>}</a:t>
+            </a:r>
+            <a:r>
+              <a:rPr lang="en-US" dirty="0" smtClean="0"/>
+              <a:t>)</a:t>
+            </a:r>
+            <a:r>
+              <a:rPr lang="en-US" dirty="0" smtClean="0"/>
+              <a:t>;</a:t>
+            </a:r>
+            <a:endParaRPr lang="en-US" dirty="0" smtClean="0"/>
+          </a:p>
+        </p:txBody>
+      </p:sp>
+    </p:spTree>
+    <p:extLst>
+      <p:ext uri="{BB962C8B-B14F-4D97-AF65-F5344CB8AC3E}">
+        <p14:creationId xmlns:p14="http://schemas.microsoft.com/office/powerpoint/2010/main" val="456324268"/>
       </p:ext>
     </p:extLst>
   </p:cSld>
@@ -15125,12 +21233,12 @@
           </a:p>
           <a:p>
             <a:r>
-              <a:rPr lang="en-US" dirty="0">
+              <a:rPr lang="en-US" dirty="0" smtClean="0">
                 <a:solidFill>
                   <a:srgbClr val="0D0D0D"/>
                 </a:solidFill>
               </a:rPr>
-              <a:t>    </a:t>
+              <a:t>  </a:t>
             </a:r>
             <a:r>
               <a:rPr lang="en-US" dirty="0" err="1">
@@ -15167,12 +21275,12 @@
           </a:p>
           <a:p>
             <a:r>
-              <a:rPr lang="en-US" dirty="0">
+              <a:rPr lang="en-US" dirty="0" smtClean="0">
                 <a:solidFill>
                   <a:srgbClr val="0D0D0D"/>
                 </a:solidFill>
               </a:rPr>
-              <a:t>    </a:t>
+              <a:t>  </a:t>
             </a:r>
             <a:r>
               <a:rPr lang="en-US" dirty="0" err="1">
@@ -15214,7 +21322,15 @@
                   <a:srgbClr val="0D0D0D"/>
                 </a:solidFill>
               </a:rPr>
-              <a:t>    </a:t>
+              <a:t> </a:t>
+            </a:r>
+            <a:r>
+              <a:rPr lang="en-US" dirty="0" smtClean="0">
+                <a:solidFill>
+                  <a:srgbClr val="0D0D0D"/>
+                </a:solidFill>
+              </a:rPr>
+              <a:t> </a:t>
             </a:r>
             <a:r>
               <a:rPr lang="en-US" dirty="0" err="1">
@@ -15307,14 +21423,24 @@
               <a:t>server.listen</a:t>
             </a:r>
             <a:r>
-              <a:rPr lang="en-US" b="1" dirty="0">
+              <a:rPr lang="en-US" b="1" dirty="0" smtClean="0">
                 <a:solidFill>
                   <a:schemeClr val="accent2">
                     <a:lumMod val="75000"/>
                   </a:schemeClr>
                 </a:solidFill>
               </a:rPr>
-              <a:t>(8000, </a:t>
+              <a:t>(3000</a:t>
+            </a:r>
+            <a:r>
+              <a:rPr lang="en-US" b="1" dirty="0">
+                <a:solidFill>
+                  <a:schemeClr val="accent2">
+                    <a:lumMod val="75000"/>
+                  </a:schemeClr>
+                </a:solidFill>
+              </a:rPr>
+              <a:t>, </a:t>
             </a:r>
             <a:r>
               <a:rPr lang="en-US" b="1" dirty="0" err="1">
@@ -15350,6 +21476,351 @@
     <p:extLst>
       <p:ext uri="{BB962C8B-B14F-4D97-AF65-F5344CB8AC3E}">
         <p14:creationId xmlns:p14="http://schemas.microsoft.com/office/powerpoint/2010/main" val="1693759835"/>
+      </p:ext>
+    </p:extLst>
+  </p:cSld>
+  <p:clrMapOvr>
+    <a:masterClrMapping/>
+  </p:clrMapOvr>
+  <p:timing>
+    <p:tnLst>
+      <p:par>
+        <p:cTn xmlns:p14="http://schemas.microsoft.com/office/powerpoint/2010/main" id="1" dur="indefinite" restart="never" nodeType="tmRoot"/>
+      </p:par>
+    </p:tnLst>
+  </p:timing>
+</p:sld>
+</file>
+
+<file path=ppt/slides/slide60.xml><?xml version="1.0" encoding="utf-8"?>
+<p:sld xmlns:a="http://schemas.openxmlformats.org/drawingml/2006/main" xmlns:r="http://schemas.openxmlformats.org/officeDocument/2006/relationships" xmlns:p="http://schemas.openxmlformats.org/presentationml/2006/main">
+  <p:cSld>
+    <p:spTree>
+      <p:nvGrpSpPr>
+        <p:cNvPr id="1" name=""/>
+        <p:cNvGrpSpPr/>
+        <p:nvPr/>
+      </p:nvGrpSpPr>
+      <p:grpSpPr>
+        <a:xfrm>
+          <a:off x="0" y="0"/>
+          <a:ext cx="0" cy="0"/>
+          <a:chOff x="0" y="0"/>
+          <a:chExt cx="0" cy="0"/>
+        </a:xfrm>
+      </p:grpSpPr>
+      <p:sp>
+        <p:nvSpPr>
+          <p:cNvPr id="2" name="Subtitle 1"/>
+          <p:cNvSpPr>
+            <a:spLocks noGrp="1"/>
+          </p:cNvSpPr>
+          <p:nvPr>
+            <p:ph type="subTitle" idx="1"/>
+          </p:nvPr>
+        </p:nvSpPr>
+        <p:spPr>
+          <a:xfrm>
+            <a:off x="389860" y="396949"/>
+            <a:ext cx="8392633" cy="6400800"/>
+          </a:xfrm>
+        </p:spPr>
+        <p:txBody>
+          <a:bodyPr>
+            <a:normAutofit/>
+          </a:bodyPr>
+          <a:lstStyle/>
+          <a:p>
+            <a:r>
+              <a:rPr lang="en-US" dirty="0" err="1" smtClean="0">
+                <a:solidFill>
+                  <a:schemeClr val="bg2">
+                    <a:lumMod val="25000"/>
+                  </a:schemeClr>
+                </a:solidFill>
+              </a:rPr>
+              <a:t>var</a:t>
+            </a:r>
+            <a:r>
+              <a:rPr lang="en-US" dirty="0" smtClean="0">
+                <a:solidFill>
+                  <a:schemeClr val="bg2">
+                    <a:lumMod val="25000"/>
+                  </a:schemeClr>
+                </a:solidFill>
+              </a:rPr>
+              <a:t> </a:t>
+            </a:r>
+            <a:r>
+              <a:rPr lang="en-US" dirty="0"/>
+              <a:t>validate</a:t>
+            </a:r>
+            <a:r>
+              <a:rPr lang="en-US" dirty="0" smtClean="0">
+                <a:solidFill>
+                  <a:schemeClr val="bg2">
+                    <a:lumMod val="25000"/>
+                  </a:schemeClr>
+                </a:solidFill>
+              </a:rPr>
+              <a:t> </a:t>
+            </a:r>
+            <a:r>
+              <a:rPr lang="en-US" dirty="0">
+                <a:solidFill>
+                  <a:schemeClr val="bg2">
+                    <a:lumMod val="25000"/>
+                  </a:schemeClr>
+                </a:solidFill>
+              </a:rPr>
+              <a:t>= function (username, password, callback) {</a:t>
+            </a:r>
+          </a:p>
+          <a:p>
+            <a:r>
+              <a:rPr lang="en-US" dirty="0">
+                <a:solidFill>
+                  <a:schemeClr val="bg2">
+                    <a:lumMod val="25000"/>
+                  </a:schemeClr>
+                </a:solidFill>
+              </a:rPr>
+              <a:t>  </a:t>
+            </a:r>
+            <a:r>
+              <a:rPr lang="en-US" dirty="0" err="1">
+                <a:solidFill>
+                  <a:schemeClr val="bg2">
+                    <a:lumMod val="25000"/>
+                  </a:schemeClr>
+                </a:solidFill>
+              </a:rPr>
+              <a:t>var</a:t>
+            </a:r>
+            <a:r>
+              <a:rPr lang="en-US" dirty="0">
+                <a:solidFill>
+                  <a:schemeClr val="bg2">
+                    <a:lumMod val="25000"/>
+                  </a:schemeClr>
+                </a:solidFill>
+              </a:rPr>
+              <a:t> result = (username === '</a:t>
+            </a:r>
+            <a:r>
+              <a:rPr lang="en-US" dirty="0" err="1">
+                <a:solidFill>
+                  <a:schemeClr val="bg2">
+                    <a:lumMod val="25000"/>
+                  </a:schemeClr>
+                </a:solidFill>
+              </a:rPr>
+              <a:t>steve</a:t>
+            </a:r>
+            <a:r>
+              <a:rPr lang="en-US" dirty="0">
+                <a:solidFill>
+                  <a:schemeClr val="bg2">
+                    <a:lumMod val="25000"/>
+                  </a:schemeClr>
+                </a:solidFill>
+              </a:rPr>
+              <a:t>' &amp;&amp; password === '12345');</a:t>
+            </a:r>
+          </a:p>
+          <a:p>
+            <a:r>
+              <a:rPr lang="en-US" dirty="0">
+                <a:solidFill>
+                  <a:schemeClr val="bg2">
+                    <a:lumMod val="25000"/>
+                  </a:schemeClr>
+                </a:solidFill>
+              </a:rPr>
+              <a:t>  callback(null, result);</a:t>
+            </a:r>
+          </a:p>
+          <a:p>
+            <a:r>
+              <a:rPr lang="en-US" dirty="0">
+                <a:solidFill>
+                  <a:schemeClr val="bg2">
+                    <a:lumMod val="25000"/>
+                  </a:schemeClr>
+                </a:solidFill>
+              </a:rPr>
+              <a:t>};</a:t>
+            </a:r>
+          </a:p>
+          <a:p>
+            <a:endParaRPr lang="en-US" dirty="0"/>
+          </a:p>
+          <a:p>
+            <a:r>
+              <a:rPr lang="en-US" dirty="0" err="1"/>
+              <a:t>server.auth</a:t>
+            </a:r>
+            <a:r>
+              <a:rPr lang="en-US" dirty="0"/>
+              <a:t>('password', </a:t>
+            </a:r>
+            <a:r>
+              <a:rPr lang="en-US" dirty="0" smtClean="0"/>
+              <a:t>{</a:t>
+            </a:r>
+          </a:p>
+          <a:p>
+            <a:r>
+              <a:rPr lang="en-US" dirty="0" smtClean="0"/>
+              <a:t>    scheme: 'basic',</a:t>
+            </a:r>
+          </a:p>
+          <a:p>
+            <a:r>
+              <a:rPr lang="en-US" dirty="0" smtClean="0"/>
+              <a:t>    </a:t>
+            </a:r>
+            <a:r>
+              <a:rPr lang="en-US" dirty="0" err="1" smtClean="0"/>
+              <a:t>validateFunc</a:t>
+            </a:r>
+            <a:r>
+              <a:rPr lang="en-US" dirty="0" smtClean="0"/>
+              <a:t>: validate</a:t>
+            </a:r>
+          </a:p>
+          <a:p>
+            <a:r>
+              <a:rPr lang="en-US" dirty="0" smtClean="0"/>
+              <a:t>}</a:t>
+            </a:r>
+            <a:r>
+              <a:rPr lang="en-US" dirty="0"/>
+              <a:t>);</a:t>
+            </a:r>
+          </a:p>
+          <a:p>
+            <a:endParaRPr lang="en-US" dirty="0" smtClean="0"/>
+          </a:p>
+          <a:p>
+            <a:endParaRPr lang="en-US" dirty="0"/>
+          </a:p>
+          <a:p>
+            <a:r>
+              <a:rPr lang="en-US" dirty="0" err="1" smtClean="0"/>
+              <a:t>server.route</a:t>
+            </a:r>
+            <a:r>
+              <a:rPr lang="en-US" dirty="0" smtClean="0"/>
+              <a:t>({</a:t>
+            </a:r>
+          </a:p>
+          <a:p>
+            <a:r>
+              <a:rPr lang="en-US" dirty="0" smtClean="0"/>
+              <a:t>  method: 'GET',</a:t>
+            </a:r>
+          </a:p>
+          <a:p>
+            <a:r>
+              <a:rPr lang="en-US" dirty="0" smtClean="0"/>
+              <a:t>  path: '</a:t>
+            </a:r>
+            <a:r>
+              <a:rPr lang="en-US" dirty="0" smtClean="0"/>
+              <a:t>/version'</a:t>
+            </a:r>
+            <a:r>
+              <a:rPr lang="en-US" dirty="0" smtClean="0"/>
+              <a:t>,</a:t>
+            </a:r>
+          </a:p>
+          <a:p>
+            <a:r>
+              <a:rPr lang="en-US" dirty="0" smtClean="0"/>
+              <a:t>  handler: </a:t>
+            </a:r>
+            <a:r>
+              <a:rPr lang="en-US" dirty="0" smtClean="0"/>
+              <a:t>version,</a:t>
+            </a:r>
+          </a:p>
+          <a:p>
+            <a:r>
+              <a:rPr lang="en-US" dirty="0"/>
+              <a:t>  </a:t>
+            </a:r>
+            <a:r>
+              <a:rPr lang="en-US" b="1" dirty="0" err="1">
+                <a:solidFill>
+                  <a:srgbClr val="ED7D31"/>
+                </a:solidFill>
+              </a:rPr>
+              <a:t>config</a:t>
+            </a:r>
+            <a:r>
+              <a:rPr lang="en-US" b="1" dirty="0">
+                <a:solidFill>
+                  <a:srgbClr val="ED7D31"/>
+                </a:solidFill>
+              </a:rPr>
+              <a:t>: { </a:t>
+            </a:r>
+            <a:r>
+              <a:rPr lang="en-US" b="1" dirty="0" err="1">
+                <a:solidFill>
+                  <a:srgbClr val="ED7D31"/>
+                </a:solidFill>
+              </a:rPr>
+              <a:t>auth</a:t>
+            </a:r>
+            <a:r>
+              <a:rPr lang="en-US" b="1" dirty="0">
+                <a:solidFill>
+                  <a:srgbClr val="ED7D31"/>
+                </a:solidFill>
+              </a:rPr>
+              <a:t>: '</a:t>
+            </a:r>
+            <a:r>
+              <a:rPr lang="en-US" b="1" dirty="0" err="1">
+                <a:solidFill>
+                  <a:srgbClr val="ED7D31"/>
+                </a:solidFill>
+              </a:rPr>
+              <a:t>pasword</a:t>
+            </a:r>
+            <a:r>
+              <a:rPr lang="en-US" b="1" dirty="0">
+                <a:solidFill>
+                  <a:srgbClr val="ED7D31"/>
+                </a:solidFill>
+              </a:rPr>
+              <a:t>' }</a:t>
+            </a:r>
+            <a:endParaRPr lang="en-US" b="1" dirty="0" smtClean="0">
+              <a:solidFill>
+                <a:srgbClr val="ED7D31"/>
+              </a:solidFill>
+            </a:endParaRPr>
+          </a:p>
+          <a:p>
+            <a:r>
+              <a:rPr lang="en-US" dirty="0" smtClean="0"/>
+              <a:t>})</a:t>
+            </a:r>
+            <a:r>
+              <a:rPr lang="en-US" dirty="0" smtClean="0"/>
+              <a:t>;</a:t>
+            </a:r>
+            <a:endParaRPr lang="en-US" dirty="0" smtClean="0"/>
+          </a:p>
+        </p:txBody>
+      </p:sp>
+    </p:spTree>
+    <p:extLst>
+      <p:ext uri="{BB962C8B-B14F-4D97-AF65-F5344CB8AC3E}">
+        <p14:creationId xmlns:p14="http://schemas.microsoft.com/office/powerpoint/2010/main" val="456324268"/>
       </p:ext>
     </p:extLst>
   </p:cSld>
@@ -15540,7 +22011,15 @@
                   <a:srgbClr val="0D0D0D"/>
                 </a:solidFill>
               </a:rPr>
-              <a:t>    </a:t>
+              <a:t> </a:t>
+            </a:r>
+            <a:r>
+              <a:rPr lang="en-US" dirty="0" smtClean="0">
+                <a:solidFill>
+                  <a:srgbClr val="0D0D0D"/>
+                </a:solidFill>
+              </a:rPr>
+              <a:t> </a:t>
             </a:r>
             <a:r>
               <a:rPr lang="en-US" dirty="0" err="1">
@@ -15582,7 +22061,15 @@
                   <a:srgbClr val="0D0D0D"/>
                 </a:solidFill>
               </a:rPr>
-              <a:t>    </a:t>
+              <a:t> </a:t>
+            </a:r>
+            <a:r>
+              <a:rPr lang="en-US" dirty="0" smtClean="0">
+                <a:solidFill>
+                  <a:srgbClr val="0D0D0D"/>
+                </a:solidFill>
+              </a:rPr>
+              <a:t> </a:t>
             </a:r>
             <a:r>
               <a:rPr lang="en-US" dirty="0" err="1">
@@ -15624,7 +22111,15 @@
                   <a:srgbClr val="0D0D0D"/>
                 </a:solidFill>
               </a:rPr>
-              <a:t>    </a:t>
+              <a:t> </a:t>
+            </a:r>
+            <a:r>
+              <a:rPr lang="en-US" dirty="0" smtClean="0">
+                <a:solidFill>
+                  <a:srgbClr val="0D0D0D"/>
+                </a:solidFill>
+              </a:rPr>
+              <a:t> </a:t>
             </a:r>
             <a:r>
               <a:rPr lang="en-US" dirty="0" err="1">
@@ -15715,12 +22210,20 @@
               <a:t>server.listen</a:t>
             </a:r>
             <a:r>
-              <a:rPr lang="en-US" dirty="0">
+              <a:rPr lang="en-US" dirty="0" smtClean="0">
                 <a:solidFill>
                   <a:srgbClr val="AFABAB"/>
                 </a:solidFill>
               </a:rPr>
-              <a:t>(8000, </a:t>
+              <a:t>(3000</a:t>
+            </a:r>
+            <a:r>
+              <a:rPr lang="en-US" dirty="0">
+                <a:solidFill>
+                  <a:srgbClr val="AFABAB"/>
+                </a:solidFill>
+              </a:rPr>
+              <a:t>, </a:t>
             </a:r>
             <a:r>
               <a:rPr lang="en-US" dirty="0" err="1">
@@ -15930,7 +22433,17 @@
                   </a:schemeClr>
                 </a:solidFill>
               </a:rPr>
-              <a:t>    </a:t>
+              <a:t> </a:t>
+            </a:r>
+            <a:r>
+              <a:rPr lang="en-US" dirty="0" smtClean="0">
+                <a:solidFill>
+                  <a:schemeClr val="bg2">
+                    <a:lumMod val="25000"/>
+                  </a:schemeClr>
+                </a:solidFill>
+              </a:rPr>
+              <a:t> </a:t>
             </a:r>
             <a:r>
               <a:rPr lang="en-US" dirty="0" err="1">
@@ -15982,7 +22495,17 @@
                   </a:schemeClr>
                 </a:solidFill>
               </a:rPr>
-              <a:t>    </a:t>
+              <a:t> </a:t>
+            </a:r>
+            <a:r>
+              <a:rPr lang="en-US" dirty="0" smtClean="0">
+                <a:solidFill>
+                  <a:schemeClr val="bg2">
+                    <a:lumMod val="25000"/>
+                  </a:schemeClr>
+                </a:solidFill>
+              </a:rPr>
+              <a:t> </a:t>
             </a:r>
             <a:r>
               <a:rPr lang="en-US" dirty="0" err="1">
@@ -16034,7 +22557,17 @@
                   </a:schemeClr>
                 </a:solidFill>
               </a:rPr>
-              <a:t>    </a:t>
+              <a:t> </a:t>
+            </a:r>
+            <a:r>
+              <a:rPr lang="en-US" dirty="0" smtClean="0">
+                <a:solidFill>
+                  <a:schemeClr val="bg2">
+                    <a:lumMod val="25000"/>
+                  </a:schemeClr>
+                </a:solidFill>
+              </a:rPr>
+              <a:t> </a:t>
             </a:r>
             <a:r>
               <a:rPr lang="en-US" dirty="0" err="1">
@@ -16160,12 +22693,20 @@
               <a:t>server.listen</a:t>
             </a:r>
             <a:r>
-              <a:rPr lang="en-US" dirty="0">
+              <a:rPr lang="en-US" dirty="0" smtClean="0">
                 <a:solidFill>
                   <a:srgbClr val="0D0D0D"/>
                 </a:solidFill>
               </a:rPr>
-              <a:t>(8000, </a:t>
+              <a:t>(3000</a:t>
+            </a:r>
+            <a:r>
+              <a:rPr lang="en-US" dirty="0">
+                <a:solidFill>
+                  <a:srgbClr val="0D0D0D"/>
+                </a:solidFill>
+              </a:rPr>
+              <a:t>, </a:t>
             </a:r>
             <a:r>
               <a:rPr lang="en-US" dirty="0" err="1">
@@ -16383,7 +22924,17 @@
                   </a:schemeClr>
                 </a:solidFill>
               </a:rPr>
-              <a:t>    </a:t>
+              <a:t> </a:t>
+            </a:r>
+            <a:r>
+              <a:rPr lang="en-US" dirty="0" smtClean="0">
+                <a:solidFill>
+                  <a:schemeClr val="bg2">
+                    <a:lumMod val="25000"/>
+                  </a:schemeClr>
+                </a:solidFill>
+              </a:rPr>
+              <a:t> </a:t>
             </a:r>
             <a:r>
               <a:rPr lang="en-US" dirty="0" err="1">
@@ -16435,7 +22986,17 @@
                   </a:schemeClr>
                 </a:solidFill>
               </a:rPr>
-              <a:t>    </a:t>
+              <a:t> </a:t>
+            </a:r>
+            <a:r>
+              <a:rPr lang="en-US" dirty="0" smtClean="0">
+                <a:solidFill>
+                  <a:schemeClr val="bg2">
+                    <a:lumMod val="25000"/>
+                  </a:schemeClr>
+                </a:solidFill>
+              </a:rPr>
+              <a:t> </a:t>
             </a:r>
             <a:r>
               <a:rPr lang="en-US" dirty="0" err="1">
@@ -16487,7 +23048,17 @@
                   </a:schemeClr>
                 </a:solidFill>
               </a:rPr>
-              <a:t>    </a:t>
+              <a:t> </a:t>
+            </a:r>
+            <a:r>
+              <a:rPr lang="en-US" dirty="0" smtClean="0">
+                <a:solidFill>
+                  <a:schemeClr val="bg2">
+                    <a:lumMod val="25000"/>
+                  </a:schemeClr>
+                </a:solidFill>
+              </a:rPr>
+              <a:t> </a:t>
             </a:r>
             <a:r>
               <a:rPr lang="en-US" dirty="0" err="1">
@@ -16623,14 +23194,24 @@
               <a:t>server.listen</a:t>
             </a:r>
             <a:r>
-              <a:rPr lang="en-US" dirty="0">
-                <a:solidFill>
-                  <a:schemeClr val="bg2">
-                    <a:lumMod val="25000"/>
-                  </a:schemeClr>
-                </a:solidFill>
-              </a:rPr>
-              <a:t>(8000, </a:t>
+              <a:rPr lang="en-US" dirty="0" smtClean="0">
+                <a:solidFill>
+                  <a:schemeClr val="bg2">
+                    <a:lumMod val="25000"/>
+                  </a:schemeClr>
+                </a:solidFill>
+              </a:rPr>
+              <a:t>(3000</a:t>
+            </a:r>
+            <a:r>
+              <a:rPr lang="en-US" dirty="0">
+                <a:solidFill>
+                  <a:schemeClr val="bg2">
+                    <a:lumMod val="25000"/>
+                  </a:schemeClr>
+                </a:solidFill>
+              </a:rPr>
+              <a:t>, </a:t>
             </a:r>
             <a:r>
               <a:rPr lang="en-US" dirty="0" err="1">
